--- a/Fuzzy C-means.pptx
+++ b/Fuzzy C-means.pptx
@@ -242,7 +242,7 @@
                 <a:cs typeface="Tahoma" panose="020B0604030504040204" pitchFamily="34" charset="0"/>
               </a:rPr>
               <a:pPr algn="l" rtl="1"/>
-              <a:t>כ"ז/טבת/תשע"ט</a:t>
+              <a:t>ה'/שבט/תשע"ט</a:t>
             </a:fld>
             <a:endParaRPr lang="he-IL" dirty="0">
               <a:latin typeface="Tahoma" panose="020B0604030504040204" pitchFamily="34" charset="0"/>
@@ -436,7 +436,7 @@
             <a:fld id="{562B8339-3B95-43C6-B7D6-5435D4E5A90A}" type="datetime1">
               <a:rPr lang="he-IL" smtClean="0"/>
               <a:pPr/>
-              <a:t>כ"ז/טבת/תשע"ט</a:t>
+              <a:t>ה'/שבט/תשע"ט</a:t>
             </a:fld>
             <a:endParaRPr lang="he-IL" dirty="0"/>
           </a:p>
@@ -1126,7 +1126,7 @@
           <a:p>
             <a:fld id="{48A87A34-81AB-432B-8DAE-1953F412C126}" type="datetimeFigureOut">
               <a:rPr lang="en-US" smtClean="0"/>
-              <a:t>1/4/2019</a:t>
+              <a:t>1/11/2019</a:t>
             </a:fld>
             <a:endParaRPr lang="en-US" dirty="0"/>
           </a:p>
@@ -1350,7 +1350,7 @@
             <a:fld id="{02AF34A9-CFF1-4D0E-8EB5-EB7533D66B1C}" type="datetime1">
               <a:rPr lang="he-IL" smtClean="0"/>
               <a:pPr/>
-              <a:t>כ"ז/טבת/תשע"ט</a:t>
+              <a:t>ה'/שבט/תשע"ט</a:t>
             </a:fld>
             <a:endParaRPr lang="he-IL" dirty="0"/>
           </a:p>
@@ -1584,7 +1584,7 @@
             <a:fld id="{BD38EF16-95A9-428F-96E9-DDF84DDF1B9A}" type="datetime1">
               <a:rPr lang="he-IL" smtClean="0"/>
               <a:pPr/>
-              <a:t>כ"ז/טבת/תשע"ט</a:t>
+              <a:t>ה'/שבט/תשע"ט</a:t>
             </a:fld>
             <a:endParaRPr lang="he-IL" dirty="0"/>
           </a:p>
@@ -1804,7 +1804,7 @@
             <a:fld id="{A6F57CCD-C86B-4122-8A0B-204F7F6EB6D5}" type="datetime1">
               <a:rPr lang="he-IL" smtClean="0"/>
               <a:pPr/>
-              <a:t>כ"ז/טבת/תשע"ט</a:t>
+              <a:t>ה'/שבט/תשע"ט</a:t>
             </a:fld>
             <a:endParaRPr lang="he-IL" dirty="0"/>
           </a:p>
@@ -2102,7 +2102,7 @@
             <a:fld id="{7BC09E54-0280-4A7C-AA55-CD8AC6C3427E}" type="datetime1">
               <a:rPr lang="he-IL" smtClean="0"/>
               <a:pPr/>
-              <a:t>כ"ז/טבת/תשע"ט</a:t>
+              <a:t>ה'/שבט/תשע"ט</a:t>
             </a:fld>
             <a:endParaRPr lang="he-IL" dirty="0"/>
           </a:p>
@@ -2389,7 +2389,7 @@
             <a:fld id="{06875287-8F79-49E6-8057-F267818EC73F}" type="datetime1">
               <a:rPr lang="he-IL" noProof="0" smtClean="0"/>
               <a:pPr/>
-              <a:t>כ"ז/טבת/תשע"ט</a:t>
+              <a:t>ה'/שבט/תשע"ט</a:t>
             </a:fld>
             <a:endParaRPr lang="he-IL" noProof="0" dirty="0"/>
           </a:p>
@@ -2824,7 +2824,7 @@
             <a:fld id="{62E5F1E3-A47F-48FC-B259-A90ABC415919}" type="datetime1">
               <a:rPr lang="he-IL" noProof="0" smtClean="0"/>
               <a:pPr/>
-              <a:t>כ"ז/טבת/תשע"ט</a:t>
+              <a:t>ה'/שבט/תשע"ט</a:t>
             </a:fld>
             <a:endParaRPr lang="he-IL" noProof="0" dirty="0"/>
           </a:p>
@@ -2992,7 +2992,7 @@
             <a:fld id="{ED6A1F81-8988-4DE0-875F-D722C92A7DA9}" type="datetime1">
               <a:rPr lang="he-IL" noProof="0" smtClean="0"/>
               <a:pPr/>
-              <a:t>כ"ז/טבת/תשע"ט</a:t>
+              <a:t>ה'/שבט/תשע"ט</a:t>
             </a:fld>
             <a:endParaRPr lang="he-IL" noProof="0" dirty="0"/>
           </a:p>
@@ -3137,7 +3137,7 @@
             <a:fld id="{5FA0B39D-AB77-4634-88E6-990EF5258CA8}" type="datetime1">
               <a:rPr lang="he-IL" noProof="0" smtClean="0"/>
               <a:pPr/>
-              <a:t>כ"ז/טבת/תשע"ט</a:t>
+              <a:t>ה'/שבט/תשע"ט</a:t>
             </a:fld>
             <a:endParaRPr lang="he-IL" noProof="0" dirty="0"/>
           </a:p>
@@ -3407,7 +3407,7 @@
             <a:fld id="{B639D642-F73F-43A2-9430-3CE3E101BB95}" type="datetime1">
               <a:rPr lang="he-IL" noProof="0" smtClean="0"/>
               <a:pPr/>
-              <a:t>כ"ז/טבת/תשע"ט</a:t>
+              <a:t>ה'/שבט/תשע"ט</a:t>
             </a:fld>
             <a:endParaRPr lang="he-IL" noProof="0" dirty="0"/>
           </a:p>
@@ -3923,7 +3923,7 @@
             <a:fld id="{48A87A34-81AB-432B-8DAE-1953F412C126}" type="datetimeFigureOut">
               <a:rPr lang="en-US" smtClean="0"/>
               <a:pPr/>
-              <a:t>1/4/2019</a:t>
+              <a:t>1/11/2019</a:t>
             </a:fld>
             <a:endParaRPr lang="en-US" dirty="0"/>
           </a:p>
@@ -4262,7 +4262,7 @@
             <a:fld id="{7328A23D-74BB-42D6-BD6D-9E39511D23AF}" type="datetime1">
               <a:rPr lang="he-IL" noProof="0" smtClean="0"/>
               <a:pPr/>
-              <a:t>כ"ז/טבת/תשע"ט</a:t>
+              <a:t>ה'/שבט/תשע"ט</a:t>
             </a:fld>
             <a:endParaRPr lang="he-IL" noProof="0" dirty="0"/>
           </a:p>
@@ -4973,7 +4973,7 @@
         </p:spPr>
         <p:txBody>
           <a:bodyPr>
-            <a:normAutofit fontScale="47500" lnSpcReduction="20000"/>
+            <a:normAutofit fontScale="55000" lnSpcReduction="20000"/>
           </a:bodyPr>
           <a:lstStyle/>
           <a:p>
@@ -4981,8 +4981,8 @@
               <a:buNone/>
             </a:pPr>
             <a:r>
-              <a:rPr lang="he-IL" sz="3300" dirty="0"/>
-              <a:t>קלט - ([[1, 1, 1], [1, 2, 2], [2, 2, 3], [9, 10, 11], [10, 10, 10], [10, 9, 9], [9, 9, 9], [20, 20, 20]])</a:t>
+              <a:rPr lang="he-IL" sz="3600" dirty="0"/>
+              <a:t>קלט - [1, 1], [1, 2], [2, 2], [9, 10], [10, 10], [10, 9], [9, 9], [20,20]</a:t>
             </a:r>
           </a:p>
           <a:p>
@@ -4999,8 +4999,16 @@
               <a:buNone/>
             </a:pPr>
             <a:r>
+              <a:rPr lang="he-IL" sz="3300" b="0" dirty="0"/>
+              <a:t>זמן </a:t>
+            </a:r>
+            <a:r>
               <a:rPr lang="he-IL" sz="3300" dirty="0"/>
-              <a:t>מספר איטרציות עד להתכנסות – 17</a:t>
+              <a:t>ריצה בשניות - </a:t>
+            </a:r>
+            <a:r>
+              <a:rPr lang="en-US" sz="3300" dirty="0"/>
+              <a:t>0.025295734405517578</a:t>
             </a:r>
           </a:p>
           <a:p>
@@ -5008,18 +5016,9 @@
               <a:buNone/>
             </a:pPr>
             <a:r>
-              <a:rPr lang="he-IL" sz="3300" b="0" dirty="0"/>
-              <a:t>זמן </a:t>
-            </a:r>
-            <a:r>
-              <a:rPr lang="he-IL" sz="3300" dirty="0"/>
-              <a:t>ריצה בשניות - </a:t>
-            </a:r>
-            <a:r>
-              <a:rPr lang="en-US" sz="3300" dirty="0"/>
-              <a:t>34.81451749801636 seconds </a:t>
-            </a:r>
-            <a:endParaRPr lang="he-IL" sz="3300" dirty="0"/>
+              <a:rPr lang="he-IL" dirty="0"/>
+              <a:t>מטריצת תוצאה –</a:t>
+            </a:r>
           </a:p>
           <a:p>
             <a:pPr marL="0" indent="0" algn="r" rtl="1">
@@ -5027,7 +5026,7 @@
             </a:pPr>
             <a:r>
               <a:rPr lang="he-IL" dirty="0"/>
-              <a:t>מטריצת תוצאה – </a:t>
+              <a:t> [[0.26518983 0.21671796 0.51809221]</a:t>
             </a:r>
           </a:p>
           <a:p>
@@ -5035,8 +5034,8 @@
               <a:buNone/>
             </a:pPr>
             <a:r>
-              <a:rPr lang="en-US" dirty="0"/>
-              <a:t>[[1.42179405e-03 9.91611909e-01 6.96629679e-03]</a:t>
+              <a:rPr lang="he-IL" dirty="0"/>
+              <a:t> [0.23204367 0.18809365 0.57986267]</a:t>
             </a:r>
           </a:p>
           <a:p>
@@ -5044,8 +5043,8 @@
               <a:buNone/>
             </a:pPr>
             <a:r>
-              <a:rPr lang="en-US" dirty="0"/>
-              <a:t> [2.17445013e-04 9.98618894e-01 1.16366069e-03]</a:t>
+              <a:rPr lang="he-IL" dirty="0"/>
+              <a:t> [0.27043039 0.21708525 0.51248436]</a:t>
             </a:r>
           </a:p>
           <a:p>
@@ -5053,8 +5052,8 @@
               <a:buNone/>
             </a:pPr>
             <a:r>
-              <a:rPr lang="en-US" dirty="0"/>
-              <a:t> [1.64706050e-03 9.88588063e-01 9.76487627e-03]</a:t>
+              <a:rPr lang="he-IL" dirty="0"/>
+              <a:t> [0.50824606 0.23749445 0.25425949]</a:t>
             </a:r>
           </a:p>
           <a:p>
@@ -5062,8 +5061,8 @@
               <a:buNone/>
             </a:pPr>
             <a:r>
-              <a:rPr lang="en-US" dirty="0"/>
-              <a:t> [6.76556500e-03 9.76222778e-03 9.83472207e-01]</a:t>
+              <a:rPr lang="he-IL" dirty="0"/>
+              <a:t> [0.50567139 0.24215958 0.25216902]</a:t>
             </a:r>
           </a:p>
           <a:p>
@@ -5071,8 +5070,8 @@
               <a:buNone/>
             </a:pPr>
             <a:r>
-              <a:rPr lang="en-US" dirty="0"/>
-              <a:t> [1.86787581e-03 2.68589455e-03 9.95446230e-01]</a:t>
+              <a:rPr lang="he-IL" dirty="0"/>
+              <a:t> [0.50851631 0.23750471 0.25397897]</a:t>
             </a:r>
           </a:p>
           <a:p>
@@ -5080,8 +5079,8 @@
               <a:buNone/>
             </a:pPr>
             <a:r>
-              <a:rPr lang="en-US" dirty="0"/>
-              <a:t> [3.04957495e-03 5.86067262e-03 9.91089752e-01]</a:t>
+              <a:rPr lang="he-IL" dirty="0"/>
+              <a:t> [0.51099027 0.23282833 0.2561814 ]</a:t>
             </a:r>
           </a:p>
           <a:p>
@@ -5089,19 +5088,9 @@
               <a:buNone/>
             </a:pPr>
             <a:r>
-              <a:rPr lang="en-US" dirty="0"/>
-              <a:t> [2.88734479e-03 6.48512387e-03 9.90627531e-01]</a:t>
-            </a:r>
-          </a:p>
-          <a:p>
-            <a:pPr marL="0" indent="0" algn="r" rtl="1">
-              <a:buNone/>
-            </a:pPr>
-            <a:r>
-              <a:rPr lang="en-US" dirty="0"/>
-              <a:t> [9.99999993e-01 1.77010970e-09 5.48327847e-09]]</a:t>
-            </a:r>
-            <a:endParaRPr lang="he-IL" b="0" dirty="0"/>
+              <a:rPr lang="he-IL" dirty="0"/>
+              <a:t> [0.07337934 0.86289132 0.06372934]]</a:t>
+            </a:r>
           </a:p>
         </p:txBody>
       </p:sp>
@@ -5204,30 +5193,6 @@
           <a:chExt cx="0" cy="0"/>
         </a:xfrm>
       </p:grpSpPr>
-      <p:pic>
-        <p:nvPicPr>
-          <p:cNvPr id="6" name="תמונה 5"/>
-          <p:cNvPicPr>
-            <a:picLocks noChangeAspect="1"/>
-          </p:cNvPicPr>
-          <p:nvPr/>
-        </p:nvPicPr>
-        <p:blipFill>
-          <a:blip r:embed="rId2"/>
-          <a:stretch>
-            <a:fillRect/>
-          </a:stretch>
-        </p:blipFill>
-        <p:spPr>
-          <a:xfrm>
-            <a:off x="1451579" y="2110332"/>
-            <a:ext cx="2995703" cy="3703022"/>
-          </a:xfrm>
-          <a:prstGeom prst="rect">
-            <a:avLst/>
-          </a:prstGeom>
-        </p:spPr>
-      </p:pic>
       <p:sp>
         <p:nvSpPr>
           <p:cNvPr id="7" name="כותרת 1">
@@ -5265,7 +5230,31 @@
       </p:sp>
       <p:pic>
         <p:nvPicPr>
-          <p:cNvPr id="8" name="תמונה 7"/>
+          <p:cNvPr id="4" name="תמונה 3"/>
+          <p:cNvPicPr>
+            <a:picLocks noChangeAspect="1"/>
+          </p:cNvPicPr>
+          <p:nvPr/>
+        </p:nvPicPr>
+        <p:blipFill>
+          <a:blip r:embed="rId2"/>
+          <a:stretch>
+            <a:fillRect/>
+          </a:stretch>
+        </p:blipFill>
+        <p:spPr>
+          <a:xfrm>
+            <a:off x="937773" y="185874"/>
+            <a:ext cx="3114543" cy="5779498"/>
+          </a:xfrm>
+          <a:prstGeom prst="rect">
+            <a:avLst/>
+          </a:prstGeom>
+        </p:spPr>
+      </p:pic>
+      <p:pic>
+        <p:nvPicPr>
+          <p:cNvPr id="5" name="תמונה 4"/>
           <p:cNvPicPr>
             <a:picLocks noChangeAspect="1"/>
           </p:cNvPicPr>
@@ -5279,8 +5268,8 @@
         </p:blipFill>
         <p:spPr>
           <a:xfrm>
-            <a:off x="5147357" y="2110332"/>
-            <a:ext cx="5907497" cy="3703022"/>
+            <a:off x="4860470" y="2265436"/>
+            <a:ext cx="5972991" cy="3699936"/>
           </a:xfrm>
           <a:prstGeom prst="rect">
             <a:avLst/>
@@ -5353,7 +5342,7 @@
         </p:spPr>
         <p:txBody>
           <a:bodyPr>
-            <a:normAutofit fontScale="40000" lnSpcReduction="20000"/>
+            <a:normAutofit fontScale="47500" lnSpcReduction="20000"/>
           </a:bodyPr>
           <a:lstStyle/>
           <a:p>
@@ -5362,7 +5351,7 @@
             </a:pPr>
             <a:r>
               <a:rPr lang="he-IL" sz="5000" dirty="0"/>
-              <a:t>קלט - ([[1, 1, 1], [1, 2, 2], [2, 2, 3], [9, 10, 11], [10, 10, 10], [10, 9, 9], [9, 9, 9], [20, 20, 20]])</a:t>
+              <a:t>קלט - [1, 1], [1, 2], [2, 2], [9, 10], [10, 10], [10, 9], [9, 9], [20,20]</a:t>
             </a:r>
           </a:p>
           <a:p>
@@ -5371,7 +5360,7 @@
             </a:pPr>
             <a:r>
               <a:rPr lang="he-IL" sz="5000" b="0" dirty="0"/>
-              <a:t>מספר אשכולות – 10</a:t>
+              <a:t>מספר אשכולות – 5</a:t>
             </a:r>
           </a:p>
           <a:p>
@@ -5379,25 +5368,26 @@
               <a:buNone/>
             </a:pPr>
             <a:r>
+              <a:rPr lang="he-IL" sz="5000" b="0" dirty="0"/>
+              <a:t>זמן </a:t>
+            </a:r>
+            <a:r>
               <a:rPr lang="he-IL" sz="5000" dirty="0"/>
-              <a:t>מספר איטרציות עד להתכנסות – 14</a:t>
-            </a:r>
+              <a:t>ריצה בשניות - </a:t>
+            </a:r>
+            <a:r>
+              <a:rPr lang="en-US" sz="5000" dirty="0"/>
+              <a:t>0.055551767349243164 seconds </a:t>
+            </a:r>
+            <a:endParaRPr lang="he-IL" sz="5000" dirty="0"/>
           </a:p>
           <a:p>
             <a:pPr marL="0" indent="0" algn="r" rtl="1">
               <a:buNone/>
             </a:pPr>
             <a:r>
-              <a:rPr lang="he-IL" sz="5000" b="0" dirty="0"/>
-              <a:t>זמן </a:t>
-            </a:r>
-            <a:r>
-              <a:rPr lang="he-IL" sz="5000" dirty="0"/>
-              <a:t>ריצה בשניות - </a:t>
-            </a:r>
-            <a:r>
-              <a:rPr lang="en-US" sz="5000" dirty="0"/>
-              <a:t>33.47169756889343 seconds</a:t>
+              <a:rPr lang="he-IL" dirty="0"/>
+              <a:t>מטריצת תוצאה – </a:t>
             </a:r>
           </a:p>
           <a:p>
@@ -5405,8 +5395,8 @@
               <a:buNone/>
             </a:pPr>
             <a:r>
-              <a:rPr lang="he-IL" dirty="0"/>
-              <a:t>מטריצת תוצאה – </a:t>
+              <a:rPr lang="en-US" dirty="0"/>
+              <a:t>[[0.15892178 0.15431111 0.12801724 0.26727652 0.29147334]</a:t>
             </a:r>
           </a:p>
           <a:p>
@@ -5415,7 +5405,7 @@
             </a:pPr>
             <a:r>
               <a:rPr lang="en-US" dirty="0"/>
-              <a:t>[[4.78460834e-08 4.99991571e-06 4.11515696e-08 4.99991571e-06 9.23345469e-09 1.66663857e-06 5.20824553e-08 4.99991571e-06 9.99990000e-01 4.08156385e-08]</a:t>
+              <a:t> [0.04597122 0.04456069 0.03669953 0.08300912 0.78975944]</a:t>
             </a:r>
           </a:p>
           <a:p>
@@ -5424,7 +5414,7 @@
             </a:pPr>
             <a:r>
               <a:rPr lang="en-US" dirty="0"/>
-              <a:t> [1.86219105e-08 9.99990000e-01 1.59489090e-08 9.99990000e-01 3.30358967e-09 1.66666099e-06 2.05760616e-08 9.99990000e-01 1.66666099e-06 1.59489090e-08]</a:t>
+              <a:t> [0.03927019 0.03798107 0.03101133 0.8220799  0.06965751]</a:t>
             </a:r>
           </a:p>
           <a:p>
@@ -5433,7 +5423,7 @@
             </a:pPr>
             <a:r>
               <a:rPr lang="en-US" dirty="0"/>
-              <a:t> [6.71129576e-08 4.99991534e-06 5.64962185e-08 4.99991534e-06 1.06721779e-08 9.99990000e-01 7.46256021e-08 4.99991534e-06 1.66663845e-06 5.64962185e-08]</a:t>
+              <a:t> [0.27713757 0.27713837 0.14113634 0.15348027 0.15110744]</a:t>
             </a:r>
           </a:p>
           <a:p>
@@ -5442,7 +5432,7 @@
             </a:pPr>
             <a:r>
               <a:rPr lang="en-US" dirty="0"/>
-              <a:t> [1.66665177e-06 4.78464622e-08 4.99995530e-06 4.78464622e-08 3.31122867e-08 5.64966700e-08 1.99998212e-06 4.78464622e-08 4.08159616e-08 9.99990000e-01]</a:t>
+              <a:t> [0.07526878 0.79358893 0.04232601 0.04475426 0.04406202]</a:t>
             </a:r>
           </a:p>
           <a:p>
@@ -5451,7 +5441,7 @@
             </a:pPr>
             <a:r>
               <a:rPr lang="en-US" dirty="0"/>
-              <a:t> [4.99993196e-06 4.78462389e-08 9.99990000e-01 4.78462389e-08 3.33328797e-08 5.64964063e-08 3.33328797e-06 4.78462389e-08 4.11517034e-08 4.99993196e-06]</a:t>
+              <a:t> [0.27721867 0.27721947 0.14117764 0.15352518 0.15085904]</a:t>
             </a:r>
           </a:p>
           <a:p>
@@ -5460,7 +5450,7 @@
             </a:pPr>
             <a:r>
               <a:rPr lang="en-US" dirty="0"/>
-              <a:t> [9.99990000e-01 5.58649733e-08 4.99991511e-06 5.58649733e-08 2.92392696e-08 6.71129545e-08 9.99983022e-06 5.58649733e-08 4.78460776e-08 1.66663837e-06]</a:t>
+              <a:t> [0.79833834 0.07286014 0.04000673 0.04479259 0.0440022 ]</a:t>
             </a:r>
           </a:p>
           <a:p>
@@ -5469,16 +5459,7 @@
             </a:pPr>
             <a:r>
               <a:rPr lang="en-US" dirty="0"/>
-              <a:t> [9.99984327e-06 6.17274276e-08 3.33328109e-06 6.17274276e-08 2.75477776e-08 7.46256961e-08 9.99990000e-01 6.17274276e-08 5.20825171e-08 1.99996865e-06]</a:t>
-            </a:r>
-          </a:p>
-          <a:p>
-            <a:pPr marL="0" indent="0" algn="r" rtl="1">
-              <a:buNone/>
-            </a:pPr>
-            <a:r>
-              <a:rPr lang="en-US" dirty="0"/>
-              <a:t> [2.92397610e-08 9.91080106e-09 3.33333276e-08 9.91080106e-09 9.99990000e-01 1.06723567e-08 2.75482046e-08 9.91080106e-09 9.23360875e-09 3.31125771e-08]]</a:t>
+              <a:t> [0.01688587 0.01729299 0.93606491 0.01492975 0.01482648]]</a:t>
             </a:r>
             <a:endParaRPr lang="he-IL" b="0" dirty="0"/>
           </a:p>
@@ -5537,7 +5518,7 @@
             <a:pPr algn="r" rtl="1"/>
             <a:r>
               <a:rPr lang="he-IL" dirty="0"/>
-              <a:t>10 אשכולות</a:t>
+              <a:t>5 אשכולות</a:t>
             </a:r>
             <a:endParaRPr lang="en-001" dirty="0"/>
           </a:p>
@@ -5585,54 +5566,6 @@
           <a:chExt cx="0" cy="0"/>
         </a:xfrm>
       </p:grpSpPr>
-      <p:pic>
-        <p:nvPicPr>
-          <p:cNvPr id="4" name="תמונה 3"/>
-          <p:cNvPicPr>
-            <a:picLocks noChangeAspect="1"/>
-          </p:cNvPicPr>
-          <p:nvPr/>
-        </p:nvPicPr>
-        <p:blipFill>
-          <a:blip r:embed="rId2"/>
-          <a:stretch>
-            <a:fillRect/>
-          </a:stretch>
-        </p:blipFill>
-        <p:spPr>
-          <a:xfrm>
-            <a:off x="393927" y="1884452"/>
-            <a:ext cx="5310188" cy="4162432"/>
-          </a:xfrm>
-          <a:prstGeom prst="rect">
-            <a:avLst/>
-          </a:prstGeom>
-        </p:spPr>
-      </p:pic>
-      <p:pic>
-        <p:nvPicPr>
-          <p:cNvPr id="5" name="תמונה 4"/>
-          <p:cNvPicPr>
-            <a:picLocks noChangeAspect="1"/>
-          </p:cNvPicPr>
-          <p:nvPr/>
-        </p:nvPicPr>
-        <p:blipFill>
-          <a:blip r:embed="rId3"/>
-          <a:stretch>
-            <a:fillRect/>
-          </a:stretch>
-        </p:blipFill>
-        <p:spPr>
-          <a:xfrm>
-            <a:off x="5913120" y="757645"/>
-            <a:ext cx="5633320" cy="5289239"/>
-          </a:xfrm>
-          <a:prstGeom prst="rect">
-            <a:avLst/>
-          </a:prstGeom>
-        </p:spPr>
-      </p:pic>
       <p:sp>
         <p:nvSpPr>
           <p:cNvPr id="6" name="כותרת 1">
@@ -5668,6 +5601,54 @@
           </a:p>
         </p:txBody>
       </p:sp>
+      <p:pic>
+        <p:nvPicPr>
+          <p:cNvPr id="4" name="תמונה 3"/>
+          <p:cNvPicPr>
+            <a:picLocks noChangeAspect="1"/>
+          </p:cNvPicPr>
+          <p:nvPr/>
+        </p:nvPicPr>
+        <p:blipFill>
+          <a:blip r:embed="rId2"/>
+          <a:stretch>
+            <a:fillRect/>
+          </a:stretch>
+        </p:blipFill>
+        <p:spPr>
+          <a:xfrm>
+            <a:off x="8074121" y="180975"/>
+            <a:ext cx="3976500" cy="5868477"/>
+          </a:xfrm>
+          <a:prstGeom prst="rect">
+            <a:avLst/>
+          </a:prstGeom>
+        </p:spPr>
+      </p:pic>
+      <p:pic>
+        <p:nvPicPr>
+          <p:cNvPr id="7" name="תמונה 6"/>
+          <p:cNvPicPr>
+            <a:picLocks noChangeAspect="1"/>
+          </p:cNvPicPr>
+          <p:nvPr/>
+        </p:nvPicPr>
+        <p:blipFill>
+          <a:blip r:embed="rId3"/>
+          <a:stretch>
+            <a:fillRect/>
+          </a:stretch>
+        </p:blipFill>
+        <p:spPr>
+          <a:xfrm>
+            <a:off x="339769" y="2256751"/>
+            <a:ext cx="7400747" cy="2986496"/>
+          </a:xfrm>
+          <a:prstGeom prst="rect">
+            <a:avLst/>
+          </a:prstGeom>
+        </p:spPr>
+      </p:pic>
     </p:spTree>
     <p:extLst>
       <p:ext uri="{BB962C8B-B14F-4D97-AF65-F5344CB8AC3E}">
@@ -5734,7 +5715,7 @@
         </p:spPr>
         <p:txBody>
           <a:bodyPr>
-            <a:normAutofit fontScale="40000" lnSpcReduction="20000"/>
+            <a:normAutofit fontScale="47500" lnSpcReduction="20000"/>
           </a:bodyPr>
           <a:lstStyle/>
           <a:p>
@@ -5742,8 +5723,8 @@
               <a:buNone/>
             </a:pPr>
             <a:r>
-              <a:rPr lang="he-IL" sz="4500" dirty="0"/>
-              <a:t>קלט - ([[1, 1, 1], [1, 2, 2], [2, 2, 3], [9, 10, 11], [10, 10, 10], [10, 9, 9], [9, 9, 9], [20, 20, 20]])</a:t>
+              <a:rPr lang="he-IL" sz="4800" dirty="0"/>
+              <a:t>קלט - [1, 1], [1, 2], [2, 2], [9, 10], [10, 10], [10, 9], [9, 9], [20,20]</a:t>
             </a:r>
           </a:p>
           <a:p>
@@ -5752,7 +5733,7 @@
             </a:pPr>
             <a:r>
               <a:rPr lang="he-IL" sz="4500" b="0" dirty="0"/>
-              <a:t>מספר אשכולות – 15</a:t>
+              <a:t>מספר אשכולות – 8</a:t>
             </a:r>
           </a:p>
           <a:p>
@@ -5760,8 +5741,16 @@
               <a:buNone/>
             </a:pPr>
             <a:r>
+              <a:rPr lang="he-IL" sz="4500" b="0" dirty="0"/>
+              <a:t>זמן </a:t>
+            </a:r>
+            <a:r>
               <a:rPr lang="he-IL" sz="4500" dirty="0"/>
-              <a:t>מספר איטרציות עד להתכנסות – 7</a:t>
+              <a:t>ריצה בשניות - </a:t>
+            </a:r>
+            <a:r>
+              <a:rPr lang="en-US" sz="4500" dirty="0"/>
+              <a:t>0.10515332221984863 seconds </a:t>
             </a:r>
           </a:p>
           <a:p>
@@ -5769,16 +5758,8 @@
               <a:buNone/>
             </a:pPr>
             <a:r>
-              <a:rPr lang="he-IL" sz="4500" b="0" dirty="0"/>
-              <a:t>זמן </a:t>
-            </a:r>
-            <a:r>
-              <a:rPr lang="he-IL" sz="4500" dirty="0"/>
-              <a:t>ריצה בשניות - </a:t>
-            </a:r>
-            <a:r>
-              <a:rPr lang="en-US" sz="4500" dirty="0"/>
-              <a:t>40.1422700881958</a:t>
+              <a:rPr lang="he-IL" dirty="0"/>
+              <a:t>מטריצת תוצאה – </a:t>
             </a:r>
           </a:p>
           <a:p>
@@ -5786,8 +5767,8 @@
               <a:buNone/>
             </a:pPr>
             <a:r>
-              <a:rPr lang="he-IL" dirty="0"/>
-              <a:t>מטריצת תוצאה – </a:t>
+              <a:rPr lang="en-US" dirty="0"/>
+              <a:t>[[0.07674011 0.09474491 0.20457988 0.17927234 0.1638777  0.09400229 0.09277909 0.0940037 ]</a:t>
             </a:r>
           </a:p>
           <a:p>
@@ -5796,31 +5777,7 @@
             </a:pPr>
             <a:r>
               <a:rPr lang="en-US" dirty="0"/>
-              <a:t>[[5.55550891e-07 1.66665267e-06 5.55550891e-07 1.59488294e-08 1.66665267e-06 </a:t>
-            </a:r>
-            <a:r>
-              <a:rPr lang="en-US" dirty="0" err="1"/>
-              <a:t>1.66665267e-06</a:t>
-            </a:r>
-            <a:r>
-              <a:rPr lang="en-US" dirty="0"/>
-              <a:t> </a:t>
-            </a:r>
-            <a:r>
-              <a:rPr lang="en-US" dirty="0" err="1"/>
-              <a:t>1.66665267e-06</a:t>
-            </a:r>
-            <a:r>
-              <a:rPr lang="en-US" dirty="0"/>
-              <a:t> 1.37173059e-08 9.99990000e-01 </a:t>
-            </a:r>
-            <a:r>
-              <a:rPr lang="en-US" dirty="0" err="1"/>
-              <a:t>9.99990000e-01</a:t>
-            </a:r>
-            <a:r>
-              <a:rPr lang="en-US" dirty="0"/>
-              <a:t> 1.36053279e-08 1.73609653e-08 9.99990000e-01 3.07784427e-09 5.55550891e-07]</a:t>
+              <a:t> [0.06725217 0.0837538  0.18151855 0.26265695 0.15678507 0.08303006 0.081916   0.0830874 ]</a:t>
             </a:r>
           </a:p>
           <a:p>
@@ -5829,31 +5786,7 @@
             </a:pPr>
             <a:r>
               <a:rPr lang="en-US" dirty="0"/>
-              <a:t> [1.24999056e-06 9.99990000e-01 1.24999056e-06 1.39663749e-08 9.99990000e-01 </a:t>
-            </a:r>
-            <a:r>
-              <a:rPr lang="en-US" dirty="0" err="1"/>
-              <a:t>9.99990000e-01</a:t>
-            </a:r>
-            <a:r>
-              <a:rPr lang="en-US" dirty="0"/>
-              <a:t> </a:t>
-            </a:r>
-            <a:r>
-              <a:rPr lang="en-US" dirty="0" err="1"/>
-              <a:t>9.99990000e-01</a:t>
-            </a:r>
-            <a:r>
-              <a:rPr lang="en-US" dirty="0"/>
-              <a:t> 1.19616321e-08 1.24999056e-06 </a:t>
-            </a:r>
-            <a:r>
-              <a:rPr lang="en-US" dirty="0" err="1"/>
-              <a:t>1.24999056e-06</a:t>
-            </a:r>
-            <a:r>
-              <a:rPr lang="en-US" dirty="0"/>
-              <a:t> 1.19616321e-08 1.54319822e-08 1.24999056e-06 2.47768197e-09 1.24999056e-06]</a:t>
+              <a:t> [0.07021879 0.08836462 0.15737968 0.15965902 0.26293209 0.08757696 0.0862904  0.08757845]</a:t>
             </a:r>
           </a:p>
           <a:p>
@@ -5862,31 +5795,7 @@
             </a:pPr>
             <a:r>
               <a:rPr lang="en-US" dirty="0"/>
-              <a:t> [1.00000000e+00 6.27220791e-24 9.99990000e-01 8.41907102e-26 6.27220791e-24 </a:t>
-            </a:r>
-            <a:r>
-              <a:rPr lang="en-US" dirty="0" err="1"/>
-              <a:t>6.27220791e-24</a:t>
-            </a:r>
-            <a:r>
-              <a:rPr lang="en-US" dirty="0"/>
-              <a:t> </a:t>
-            </a:r>
-            <a:r>
-              <a:rPr lang="en-US" dirty="0" err="1"/>
-              <a:t>6.27220791e-24</a:t>
-            </a:r>
-            <a:r>
-              <a:rPr lang="en-US" dirty="0"/>
-              <a:t> 7.08724058e-26 2.09073597e-24 </a:t>
-            </a:r>
-            <a:r>
-              <a:rPr lang="en-US" dirty="0" err="1"/>
-              <a:t>2.09073597e-24</a:t>
-            </a:r>
-            <a:r>
-              <a:rPr lang="en-US" dirty="0"/>
-              <a:t> 7.08724058e-26 9.36150435e-26 2.09073597e-24 1.33878504e-26 9.99990000e-01]</a:t>
+              <a:t> [0.07911708 0.16220977 0.08421363 0.08464429 0.08579588 0.15725806 0.15952949 0.18723181]</a:t>
             </a:r>
           </a:p>
           <a:p>
@@ -5895,31 +5804,7 @@
             </a:pPr>
             <a:r>
               <a:rPr lang="en-US" dirty="0"/>
-              <a:t> [5.64966563e-08 4.78464506e-08 5.64966563e-08 1.66665136e-06 4.78464506e-08 </a:t>
-            </a:r>
-            <a:r>
-              <a:rPr lang="en-US" dirty="0" err="1"/>
-              <a:t>4.78464506e-08</a:t>
-            </a:r>
-            <a:r>
-              <a:rPr lang="en-US" dirty="0"/>
-              <a:t> </a:t>
-            </a:r>
-            <a:r>
-              <a:rPr lang="en-US" dirty="0" err="1"/>
-              <a:t>4.78464506e-08</a:t>
-            </a:r>
-            <a:r>
-              <a:rPr lang="en-US" dirty="0"/>
-              <a:t> 4.99995408e-06 4.08159517e-08 </a:t>
-            </a:r>
-            <a:r>
-              <a:rPr lang="en-US" dirty="0" err="1"/>
-              <a:t>4.08159517e-08</a:t>
-            </a:r>
-            <a:r>
-              <a:rPr lang="en-US" dirty="0"/>
-              <a:t> 9.99990000e-01 1.99998163e-06 4.08159517e-08 3.31122787e-08 5.64966563e-08]</a:t>
+              <a:t> [0.07594483 0.14181168 0.07866701 0.07901552 0.08008529 0.15422329 0.23606785 0.15418454]</a:t>
             </a:r>
           </a:p>
           <a:p>
@@ -5928,31 +5813,7 @@
             </a:pPr>
             <a:r>
               <a:rPr lang="en-US" dirty="0"/>
-              <a:t> [5.64963926e-08 4.78462272e-08 5.64963926e-08 4.99993075e-06 4.78462272e-08 </a:t>
-            </a:r>
-            <a:r>
-              <a:rPr lang="en-US" dirty="0" err="1"/>
-              <a:t>4.78462272e-08</a:t>
-            </a:r>
-            <a:r>
-              <a:rPr lang="en-US" dirty="0"/>
-              <a:t> </a:t>
-            </a:r>
-            <a:r>
-              <a:rPr lang="en-US" dirty="0" err="1"/>
-              <a:t>4.78462272e-08</a:t>
-            </a:r>
-            <a:r>
-              <a:rPr lang="en-US" dirty="0"/>
-              <a:t> 9.99990000e-01 4.11516934e-08 </a:t>
-            </a:r>
-            <a:r>
-              <a:rPr lang="en-US" dirty="0" err="1"/>
-              <a:t>4.11516934e-08</a:t>
-            </a:r>
-            <a:r>
-              <a:rPr lang="en-US" dirty="0"/>
-              <a:t> 4.99993075e-06 3.33328716e-06 4.11516934e-08 3.33328716e-08 5.64963926e-08]</a:t>
+              <a:t> [0.07913904 0.16224393 0.08417329 0.08452942 0.08580892 0.18725009 0.1595764  0.15727891]</a:t>
             </a:r>
           </a:p>
           <a:p>
@@ -5961,31 +5822,7 @@
             </a:pPr>
             <a:r>
               <a:rPr lang="en-US" dirty="0"/>
-              <a:t> [6.71129353e-08 5.58649573e-08 6.71129353e-08 9.99990000e-01 5.58649573e-08 </a:t>
-            </a:r>
-            <a:r>
-              <a:rPr lang="en-US" dirty="0" err="1"/>
-              <a:t>5.58649573e-08</a:t>
-            </a:r>
-            <a:r>
-              <a:rPr lang="en-US" dirty="0"/>
-              <a:t> </a:t>
-            </a:r>
-            <a:r>
-              <a:rPr lang="en-US" dirty="0" err="1"/>
-              <a:t>5.58649573e-08</a:t>
-            </a:r>
-            <a:r>
-              <a:rPr lang="en-US" dirty="0"/>
-              <a:t> 4.99991368e-06 4.78460639e-08 </a:t>
-            </a:r>
-            <a:r>
-              <a:rPr lang="en-US" dirty="0" err="1"/>
-              <a:t>4.78460639e-08</a:t>
-            </a:r>
-            <a:r>
-              <a:rPr lang="en-US" dirty="0"/>
-              <a:t> 1.66663789e-06 9.99982736e-06 4.78460639e-08 2.92392613e-08 6.71129353e-08]</a:t>
+              <a:t> [0.07468589 0.20955477 0.08168767 0.08209426 0.08336286 0.16433053 0.13992255 0.16436148]</a:t>
             </a:r>
           </a:p>
           <a:p>
@@ -5994,64 +5831,7 @@
             </a:pPr>
             <a:r>
               <a:rPr lang="en-US" dirty="0"/>
-              <a:t> [7.46256726e-08 6.17274082e-08 7.46256726e-08 9.99984012e-06 6.17274082e-08 </a:t>
-            </a:r>
-            <a:r>
-              <a:rPr lang="en-US" dirty="0" err="1"/>
-              <a:t>6.17274082e-08</a:t>
-            </a:r>
-            <a:r>
-              <a:rPr lang="en-US" dirty="0"/>
-              <a:t> </a:t>
-            </a:r>
-            <a:r>
-              <a:rPr lang="en-US" dirty="0" err="1"/>
-              <a:t>6.17274082e-08</a:t>
-            </a:r>
-            <a:r>
-              <a:rPr lang="en-US" dirty="0"/>
-              <a:t> 3.33328004e-06 5.20825006e-08 </a:t>
-            </a:r>
-            <a:r>
-              <a:rPr lang="en-US" dirty="0" err="1"/>
-              <a:t>5.20825006e-08</a:t>
-            </a:r>
-            <a:r>
-              <a:rPr lang="en-US" dirty="0"/>
-              <a:t> 1.99996802e-06 9.99990000e-01 5.20825006e-08 2.75477689e-08 7.46256726e-08]</a:t>
-            </a:r>
-          </a:p>
-          <a:p>
-            <a:pPr marL="0" indent="0" algn="r" rtl="1">
-              <a:buNone/>
-            </a:pPr>
-            <a:r>
-              <a:rPr lang="en-US" dirty="0"/>
-              <a:t> [1.06723562e-08 9.91080057e-09 1.06723562e-08 2.92397596e-08 9.91080057e-09 </a:t>
-            </a:r>
-            <a:r>
-              <a:rPr lang="en-US" dirty="0" err="1"/>
-              <a:t>9.91080057e-09</a:t>
-            </a:r>
-            <a:r>
-              <a:rPr lang="en-US" dirty="0"/>
-              <a:t> </a:t>
-            </a:r>
-            <a:r>
-              <a:rPr lang="en-US" dirty="0" err="1"/>
-              <a:t>9.91080057e-09</a:t>
-            </a:r>
-            <a:r>
-              <a:rPr lang="en-US" dirty="0"/>
-              <a:t> 3.33333259e-08 9.23360829e-09 </a:t>
-            </a:r>
-            <a:r>
-              <a:rPr lang="en-US" dirty="0" err="1"/>
-              <a:t>9.23360829e-09</a:t>
-            </a:r>
-            <a:r>
-              <a:rPr lang="en-US" dirty="0"/>
-              <a:t> 3.31125754e-08 2.75482032e-08 9.23360829e-09 9.99990000e-01 1.06723562e-08]]</a:t>
+              <a:t> [0.96372813 0.00544993 0.00475446 0.00476447 0.00479327 0.00548295 0.00554391 0.00548288]]</a:t>
             </a:r>
             <a:endParaRPr lang="he-IL" b="0" dirty="0"/>
           </a:p>
@@ -6110,7 +5890,7 @@
             <a:pPr algn="r" rtl="1"/>
             <a:r>
               <a:rPr lang="he-IL" dirty="0"/>
-              <a:t>15 אשכולות</a:t>
+              <a:t>8 אשכולות</a:t>
             </a:r>
             <a:endParaRPr lang="en-001" dirty="0"/>
           </a:p>
@@ -6195,7 +5975,7 @@
       </p:sp>
       <p:pic>
         <p:nvPicPr>
-          <p:cNvPr id="7" name="תמונה 6"/>
+          <p:cNvPr id="2" name="תמונה 1"/>
           <p:cNvPicPr>
             <a:picLocks noChangeAspect="1"/>
           </p:cNvPicPr>
@@ -6209,8 +5989,8 @@
         </p:blipFill>
         <p:spPr>
           <a:xfrm>
-            <a:off x="525508" y="2409281"/>
-            <a:ext cx="6647121" cy="3486421"/>
+            <a:off x="7177718" y="1375954"/>
+            <a:ext cx="4735608" cy="4433151"/>
           </a:xfrm>
           <a:prstGeom prst="rect">
             <a:avLst/>
@@ -6219,7 +5999,7 @@
       </p:pic>
       <p:pic>
         <p:nvPicPr>
-          <p:cNvPr id="2" name="תמונה 1"/>
+          <p:cNvPr id="5" name="תמונה 4"/>
           <p:cNvPicPr>
             <a:picLocks noChangeAspect="1"/>
           </p:cNvPicPr>
@@ -6233,8 +6013,8 @@
         </p:blipFill>
         <p:spPr>
           <a:xfrm>
-            <a:off x="7255736" y="175691"/>
-            <a:ext cx="4744675" cy="5720011"/>
+            <a:off x="687024" y="1913381"/>
+            <a:ext cx="6219825" cy="3895725"/>
           </a:xfrm>
           <a:prstGeom prst="rect">
             <a:avLst/>
@@ -7568,8 +7348,8 @@
           </a:p>
         </p:txBody>
       </p:sp>
-      <mc:AlternateContent xmlns:mc="http://schemas.openxmlformats.org/markup-compatibility/2006">
-        <mc:Choice xmlns:a14="http://schemas.microsoft.com/office/drawing/2010/main" Requires="a14">
+      <mc:AlternateContent xmlns:mc="http://schemas.openxmlformats.org/markup-compatibility/2006" xmlns:a14="http://schemas.microsoft.com/office/drawing/2010/main">
+        <mc:Choice Requires="a14">
           <p:sp>
             <p:nvSpPr>
               <p:cNvPr id="3" name="מציין מיקום תוכן 2">
@@ -7638,7 +7418,7 @@
                           <a:rPr lang="en-US" b="0" i="1" smtClean="0">
                             <a:latin typeface="Cambria Math" panose="02040503050406030204" pitchFamily="18" charset="0"/>
                           </a:rPr>
-                          <m:t>𝑖</m:t>
+                          <m:t>𝑗</m:t>
                         </m:r>
                       </m:sub>
                     </m:sSub>
@@ -7928,7 +7708,7 @@
             </p:txBody>
           </p:sp>
         </mc:Choice>
-        <mc:Fallback>
+        <mc:Fallback xmlns="">
           <p:sp>
             <p:nvSpPr>
               <p:cNvPr id="3" name="מציין מיקום תוכן 2">
@@ -8991,7 +8771,7 @@
                         </m:sSubPr>
                         <m:e>
                           <m:r>
-                            <a:rPr lang="en-US" i="1" smtClean="0">
+                            <a:rPr lang="en-US" i="1">
                               <a:latin typeface="Cambria Math" panose="02040503050406030204" pitchFamily="18" charset="0"/>
                             </a:rPr>
                             <m:t>𝑐</m:t>
@@ -8999,7 +8779,7 @@
                         </m:e>
                         <m:sub>
                           <m:r>
-                            <a:rPr lang="en-US" i="1" smtClean="0">
+                            <a:rPr lang="en-US" i="1">
                               <a:latin typeface="Cambria Math" panose="02040503050406030204" pitchFamily="18" charset="0"/>
                             </a:rPr>
                             <m:t>𝑗</m:t>
@@ -9040,12 +8820,6 @@
                                   <a:latin typeface="Cambria Math" panose="02040503050406030204" pitchFamily="18" charset="0"/>
                                 </a:rPr>
                                 <m:t>𝑖</m:t>
-                              </m:r>
-                              <m:r>
-                                <a:rPr lang="en-US" b="0" i="1" smtClean="0">
-                                  <a:latin typeface="Cambria Math" panose="02040503050406030204" pitchFamily="18" charset="0"/>
-                                </a:rPr>
-                                <m:t>=</m:t>
                               </m:r>
                               <m:r>
                                 <m:rPr>
@@ -9120,7 +8894,7 @@
                                     <a:rPr lang="en-US" b="0" i="1" smtClean="0">
                                       <a:latin typeface="Cambria Math" panose="02040503050406030204" pitchFamily="18" charset="0"/>
                                     </a:rPr>
-                                    <m:t>𝑖</m:t>
+                                    <m:t>𝑖𝑗</m:t>
                                   </m:r>
                                 </m:sub>
                               </m:sSub>
@@ -9147,12 +8921,6 @@
                                   <a:latin typeface="Cambria Math" panose="02040503050406030204" pitchFamily="18" charset="0"/>
                                 </a:rPr>
                                 <m:t>𝑖</m:t>
-                              </m:r>
-                              <m:r>
-                                <a:rPr lang="en-US" b="0" i="1" smtClean="0">
-                                  <a:latin typeface="Cambria Math" panose="02040503050406030204" pitchFamily="18" charset="0"/>
-                                </a:rPr>
-                                <m:t>=</m:t>
                               </m:r>
                               <m:r>
                                 <m:rPr>
@@ -9216,6 +8984,153 @@
                 <a:endParaRPr lang="he-IL" dirty="0"/>
               </a:p>
               <a:p>
+                <a:pPr marL="0" indent="0" algn="r" rtl="1">
+                  <a:buNone/>
+                </a:pPr>
+                <a:r>
+                  <a:rPr lang="he-IL" dirty="0"/>
+                  <a:t>-  כל תא</a:t>
+                </a:r>
+                <a:r>
+                  <a:rPr lang="en-US" dirty="0"/>
+                  <a:t> </a:t>
+                </a:r>
+                <a14:m>
+                  <m:oMath xmlns:m="http://schemas.openxmlformats.org/officeDocument/2006/math">
+                    <m:sSub>
+                      <m:sSubPr>
+                        <m:ctrlPr>
+                          <a:rPr lang="en-US" i="1">
+                            <a:latin typeface="Cambria Math" panose="02040503050406030204" pitchFamily="18" charset="0"/>
+                          </a:rPr>
+                        </m:ctrlPr>
+                      </m:sSubPr>
+                      <m:e>
+                        <m:r>
+                          <a:rPr lang="en-US" i="1">
+                            <a:latin typeface="Cambria Math" panose="02040503050406030204" pitchFamily="18" charset="0"/>
+                          </a:rPr>
+                          <m:t>𝑤</m:t>
+                        </m:r>
+                      </m:e>
+                      <m:sub>
+                        <m:r>
+                          <a:rPr lang="en-US" i="1">
+                            <a:latin typeface="Cambria Math" panose="02040503050406030204" pitchFamily="18" charset="0"/>
+                          </a:rPr>
+                          <m:t>𝑖</m:t>
+                        </m:r>
+                        <m:r>
+                          <a:rPr lang="en-US" i="1">
+                            <a:latin typeface="Cambria Math" panose="02040503050406030204" pitchFamily="18" charset="0"/>
+                          </a:rPr>
+                          <m:t>,</m:t>
+                        </m:r>
+                        <m:r>
+                          <a:rPr lang="en-US" i="1">
+                            <a:latin typeface="Cambria Math" panose="02040503050406030204" pitchFamily="18" charset="0"/>
+                          </a:rPr>
+                          <m:t>𝑗</m:t>
+                        </m:r>
+                      </m:sub>
+                    </m:sSub>
+                  </m:oMath>
+                </a14:m>
+                <a:r>
+                  <a:rPr lang="en-US" dirty="0"/>
+                  <a:t> </a:t>
+                </a:r>
+                <a:r>
+                  <a:rPr lang="he-IL" dirty="0"/>
+                  <a:t>במטריצה </a:t>
+                </a:r>
+                <a:r>
+                  <a:rPr lang="en-US" dirty="0"/>
+                  <a:t>W</a:t>
+                </a:r>
+                <a:r>
+                  <a:rPr lang="he-IL" dirty="0"/>
+                  <a:t> מציין בכמה אחוז נקודה </a:t>
+                </a:r>
+                <a14:m>
+                  <m:oMath xmlns:m="http://schemas.openxmlformats.org/officeDocument/2006/math">
+                    <m:sSub>
+                      <m:sSubPr>
+                        <m:ctrlPr>
+                          <a:rPr lang="en-US" i="1">
+                            <a:latin typeface="Cambria Math" panose="02040503050406030204" pitchFamily="18" charset="0"/>
+                          </a:rPr>
+                        </m:ctrlPr>
+                      </m:sSubPr>
+                      <m:e>
+                        <m:r>
+                          <a:rPr lang="en-US" i="1">
+                            <a:latin typeface="Cambria Math" panose="02040503050406030204" pitchFamily="18" charset="0"/>
+                          </a:rPr>
+                          <m:t>𝑋</m:t>
+                        </m:r>
+                      </m:e>
+                      <m:sub>
+                        <m:r>
+                          <a:rPr lang="en-US" i="1">
+                            <a:latin typeface="Cambria Math" panose="02040503050406030204" pitchFamily="18" charset="0"/>
+                          </a:rPr>
+                          <m:t>𝑖</m:t>
+                        </m:r>
+                      </m:sub>
+                    </m:sSub>
+                  </m:oMath>
+                </a14:m>
+                <a:r>
+                  <a:rPr lang="he-IL" dirty="0"/>
+                  <a:t> שייכת </a:t>
+                </a:r>
+                <a:r>
+                  <a:rPr lang="he-IL" dirty="0" err="1"/>
+                  <a:t>לקלאסטר</a:t>
+                </a:r>
+                <a:r>
+                  <a:rPr lang="he-IL" dirty="0"/>
+                  <a:t> </a:t>
+                </a:r>
+                <a14:m>
+                  <m:oMath xmlns:m="http://schemas.openxmlformats.org/officeDocument/2006/math">
+                    <m:sSub>
+                      <m:sSubPr>
+                        <m:ctrlPr>
+                          <a:rPr lang="en-US" i="1">
+                            <a:latin typeface="Cambria Math" panose="02040503050406030204" pitchFamily="18" charset="0"/>
+                          </a:rPr>
+                        </m:ctrlPr>
+                      </m:sSubPr>
+                      <m:e>
+                        <m:r>
+                          <a:rPr lang="he-IL" i="1">
+                            <a:latin typeface="Cambria Math" panose="02040503050406030204" pitchFamily="18" charset="0"/>
+                          </a:rPr>
+                          <m:t>.</m:t>
+                        </m:r>
+                        <m:r>
+                          <a:rPr lang="en-US" i="1">
+                            <a:latin typeface="Cambria Math" panose="02040503050406030204" pitchFamily="18" charset="0"/>
+                          </a:rPr>
+                          <m:t>𝑐</m:t>
+                        </m:r>
+                      </m:e>
+                      <m:sub>
+                        <m:r>
+                          <a:rPr lang="en-US" i="1">
+                            <a:latin typeface="Cambria Math" panose="02040503050406030204" pitchFamily="18" charset="0"/>
+                          </a:rPr>
+                          <m:t>𝑗</m:t>
+                        </m:r>
+                      </m:sub>
+                    </m:sSub>
+                  </m:oMath>
+                </a14:m>
+                <a:endParaRPr lang="en-US" dirty="0"/>
+              </a:p>
+              <a:p>
                 <a:pPr algn="r" rtl="1"/>
                 <a:r>
                   <a:rPr lang="he-IL" dirty="0"/>
@@ -9258,7 +9173,7 @@
               <a:blipFill>
                 <a:blip r:embed="rId2"/>
                 <a:stretch>
-                  <a:fillRect r="-635"/>
+                  <a:fillRect r="-698"/>
                 </a:stretch>
               </a:blipFill>
             </p:spPr>
@@ -11643,26 +11558,6 @@
 </file>
 
 <file path=customXml/item1.xml><?xml version="1.0" encoding="utf-8"?>
-<p:properties xmlns:p="http://schemas.microsoft.com/office/2006/metadata/properties" xmlns:xsi="http://www.w3.org/2001/XMLSchema-instance" xmlns:pc="http://schemas.microsoft.com/office/infopath/2007/PartnerControls">
-  <documentManagement>
-    <VSO_x0020_item_x0020_id xmlns="40262f94-9f35-4ac3-9a90-690165a166b7" xsi:nil="true"/>
-    <Assetid_x0020_ xmlns="40262f94-9f35-4ac3-9a90-690165a166b7" xsi:nil="true"/>
-    <Item_x0020_Details xmlns="40262f94-9f35-4ac3-9a90-690165a166b7" xsi:nil="true"/>
-    <Template_x0020_details xmlns="40262f94-9f35-4ac3-9a90-690165a166b7" xsi:nil="true"/>
-  </documentManagement>
-</p:properties>
-</file>
-
-<file path=customXml/item2.xml><?xml version="1.0" encoding="utf-8"?>
-<?mso-contentType ?>
-<FormTemplates xmlns="http://schemas.microsoft.com/sharepoint/v3/contenttype/forms">
-  <Display>DocumentLibraryForm</Display>
-  <Edit>DocumentLibraryForm</Edit>
-  <New>DocumentLibraryForm</New>
-</FormTemplates>
-</file>
-
-<file path=customXml/item3.xml><?xml version="1.0" encoding="utf-8"?>
 <ct:contentTypeSchema xmlns:ct="http://schemas.microsoft.com/office/2006/metadata/contentType" xmlns:ma="http://schemas.microsoft.com/office/2006/metadata/properties/metaAttributes" ct:_="" ma:_="" ma:contentTypeName="Document" ma:contentTypeID="0x010100AA3F7D94069FF64A86F7DFF56D60E3BE" ma:contentTypeVersion="6" ma:contentTypeDescription="Create a new document." ma:contentTypeScope="" ma:versionID="c32302c77d4085ecf495bdddb7f5e889">
   <xsd:schema xmlns:xsd="http://www.w3.org/2001/XMLSchema" xmlns:xs="http://www.w3.org/2001/XMLSchema" xmlns:p="http://schemas.microsoft.com/office/2006/metadata/properties" xmlns:ns2="a4f35948-e619-41b3-aa29-22878b09cfd2" xmlns:ns3="40262f94-9f35-4ac3-9a90-690165a166b7" targetNamespace="http://schemas.microsoft.com/office/2006/metadata/properties" ma:root="true" ma:fieldsID="4ab5ae46be95f9d0be6107e8200be7a2" ns2:_="" ns3:_="">
     <xsd:import namespace="a4f35948-e619-41b3-aa29-22878b09cfd2"/>
@@ -11843,7 +11738,46 @@
 </ct:contentTypeSchema>
 </file>
 
+<file path=customXml/item2.xml><?xml version="1.0" encoding="utf-8"?>
+<p:properties xmlns:p="http://schemas.microsoft.com/office/2006/metadata/properties" xmlns:xsi="http://www.w3.org/2001/XMLSchema-instance" xmlns:pc="http://schemas.microsoft.com/office/infopath/2007/PartnerControls">
+  <documentManagement>
+    <VSO_x0020_item_x0020_id xmlns="40262f94-9f35-4ac3-9a90-690165a166b7" xsi:nil="true"/>
+    <Assetid_x0020_ xmlns="40262f94-9f35-4ac3-9a90-690165a166b7" xsi:nil="true"/>
+    <Item_x0020_Details xmlns="40262f94-9f35-4ac3-9a90-690165a166b7" xsi:nil="true"/>
+    <Template_x0020_details xmlns="40262f94-9f35-4ac3-9a90-690165a166b7" xsi:nil="true"/>
+  </documentManagement>
+</p:properties>
+</file>
+
+<file path=customXml/item3.xml><?xml version="1.0" encoding="utf-8"?>
+<?mso-contentType ?>
+<FormTemplates xmlns="http://schemas.microsoft.com/sharepoint/v3/contenttype/forms">
+  <Display>DocumentLibraryForm</Display>
+  <Edit>DocumentLibraryForm</Edit>
+  <New>DocumentLibraryForm</New>
+</FormTemplates>
+</file>
+
 <file path=customXml/itemProps1.xml><?xml version="1.0" encoding="utf-8"?>
+<ds:datastoreItem xmlns:ds="http://schemas.openxmlformats.org/officeDocument/2006/customXml" ds:itemID="{2961EA76-1630-4788-A629-8FDAFC920575}">
+  <ds:schemaRefs>
+    <ds:schemaRef ds:uri="http://schemas.microsoft.com/office/2006/metadata/contentType"/>
+    <ds:schemaRef ds:uri="http://schemas.microsoft.com/office/2006/metadata/properties/metaAttributes"/>
+    <ds:schemaRef ds:uri="http://www.w3.org/2001/XMLSchema"/>
+    <ds:schemaRef ds:uri="http://schemas.microsoft.com/office/2006/metadata/properties"/>
+    <ds:schemaRef ds:uri="a4f35948-e619-41b3-aa29-22878b09cfd2"/>
+    <ds:schemaRef ds:uri="40262f94-9f35-4ac3-9a90-690165a166b7"/>
+    <ds:schemaRef ds:uri="http://schemas.microsoft.com/office/2006/documentManagement/types"/>
+    <ds:schemaRef ds:uri="http://schemas.microsoft.com/office/infopath/2007/PartnerControls"/>
+    <ds:schemaRef ds:uri="http://schemas.openxmlformats.org/package/2006/metadata/core-properties"/>
+    <ds:schemaRef ds:uri="http://purl.org/dc/elements/1.1/"/>
+    <ds:schemaRef ds:uri="http://purl.org/dc/terms/"/>
+    <ds:schemaRef ds:uri="http://schemas.microsoft.com/internal/obd"/>
+  </ds:schemaRefs>
+</ds:datastoreItem>
+</file>
+
+<file path=customXml/itemProps2.xml><?xml version="1.0" encoding="utf-8"?>
 <ds:datastoreItem xmlns:ds="http://schemas.openxmlformats.org/officeDocument/2006/customXml" ds:itemID="{85A16170-AED4-43FB-90C7-1F1653EBFACC}">
   <ds:schemaRefs>
     <ds:schemaRef ds:uri="http://schemas.openxmlformats.org/package/2006/metadata/core-properties"/>
@@ -11860,29 +11794,10 @@
 </ds:datastoreItem>
 </file>
 
-<file path=customXml/itemProps2.xml><?xml version="1.0" encoding="utf-8"?>
+<file path=customXml/itemProps3.xml><?xml version="1.0" encoding="utf-8"?>
 <ds:datastoreItem xmlns:ds="http://schemas.openxmlformats.org/officeDocument/2006/customXml" ds:itemID="{31C05A15-2C36-4B2C-9ED7-7313D59409A3}">
   <ds:schemaRefs>
     <ds:schemaRef ds:uri="http://schemas.microsoft.com/sharepoint/v3/contenttype/forms"/>
   </ds:schemaRefs>
 </ds:datastoreItem>
-</file>
-
-<file path=customXml/itemProps3.xml><?xml version="1.0" encoding="utf-8"?>
-<ds:datastoreItem xmlns:ds="http://schemas.openxmlformats.org/officeDocument/2006/customXml" ds:itemID="{2961EA76-1630-4788-A629-8FDAFC920575}">
-  <ds:schemaRefs>
-    <ds:schemaRef ds:uri="http://schemas.microsoft.com/office/2006/metadata/contentType"/>
-    <ds:schemaRef ds:uri="http://schemas.microsoft.com/office/2006/metadata/properties/metaAttributes"/>
-    <ds:schemaRef ds:uri="http://www.w3.org/2001/XMLSchema"/>
-    <ds:schemaRef ds:uri="http://schemas.microsoft.com/office/2006/metadata/properties"/>
-    <ds:schemaRef ds:uri="a4f35948-e619-41b3-aa29-22878b09cfd2"/>
-    <ds:schemaRef ds:uri="40262f94-9f35-4ac3-9a90-690165a166b7"/>
-    <ds:schemaRef ds:uri="http://schemas.microsoft.com/office/2006/documentManagement/types"/>
-    <ds:schemaRef ds:uri="http://schemas.microsoft.com/office/infopath/2007/PartnerControls"/>
-    <ds:schemaRef ds:uri="http://schemas.openxmlformats.org/package/2006/metadata/core-properties"/>
-    <ds:schemaRef ds:uri="http://purl.org/dc/elements/1.1/"/>
-    <ds:schemaRef ds:uri="http://purl.org/dc/terms/"/>
-    <ds:schemaRef ds:uri="http://schemas.microsoft.com/internal/obd"/>
-  </ds:schemaRefs>
-</ds:datastoreItem>
 </file>
--- a/Fuzzy C-means.pptx
+++ b/Fuzzy C-means.pptx
@@ -5,10 +5,10 @@
     <p:sldMasterId id="2147483780" r:id="rId4"/>
   </p:sldMasterIdLst>
   <p:notesMasterIdLst>
-    <p:notesMasterId r:id="rId23"/>
+    <p:notesMasterId r:id="rId22"/>
   </p:notesMasterIdLst>
   <p:handoutMasterIdLst>
-    <p:handoutMasterId r:id="rId24"/>
+    <p:handoutMasterId r:id="rId23"/>
   </p:handoutMasterIdLst>
   <p:sldIdLst>
     <p:sldId id="267" r:id="rId5"/>
@@ -21,14 +21,13 @@
     <p:sldId id="292" r:id="rId12"/>
     <p:sldId id="293" r:id="rId13"/>
     <p:sldId id="295" r:id="rId14"/>
-    <p:sldId id="298" r:id="rId15"/>
-    <p:sldId id="300" r:id="rId16"/>
-    <p:sldId id="299" r:id="rId17"/>
-    <p:sldId id="303" r:id="rId18"/>
-    <p:sldId id="302" r:id="rId19"/>
-    <p:sldId id="296" r:id="rId20"/>
-    <p:sldId id="297" r:id="rId21"/>
-    <p:sldId id="274" r:id="rId22"/>
+    <p:sldId id="300" r:id="rId15"/>
+    <p:sldId id="303" r:id="rId16"/>
+    <p:sldId id="305" r:id="rId17"/>
+    <p:sldId id="304" r:id="rId18"/>
+    <p:sldId id="306" r:id="rId19"/>
+    <p:sldId id="297" r:id="rId20"/>
+    <p:sldId id="274" r:id="rId21"/>
   </p:sldIdLst>
   <p:sldSz cx="12192000" cy="6858000"/>
   <p:notesSz cx="6858000" cy="9144000"/>
@@ -968,7 +967,7 @@
             <a:fld id="{23AEF9EC-8318-4FF6-847E-A85BBD2B7E49}" type="slidenum">
               <a:rPr lang="he-IL" smtClean="0"/>
               <a:pPr algn="l"/>
-              <a:t>18</a:t>
+              <a:t>17</a:t>
             </a:fld>
             <a:endParaRPr lang="he-IL" dirty="0"/>
           </a:p>
@@ -4943,7 +4942,19 @@
             <a:pPr algn="r" rtl="1"/>
             <a:r>
               <a:rPr lang="he-IL" dirty="0"/>
-              <a:t>הדגמות רוית</a:t>
+              <a:t>הדגמה:</a:t>
+            </a:r>
+            <a:r>
+              <a:rPr lang="en-US" dirty="0"/>
+              <a:t> </a:t>
+            </a:r>
+            <a:r>
+              <a:rPr lang="he-IL" dirty="0"/>
+              <a:t>מימוש </a:t>
+            </a:r>
+            <a:r>
+              <a:rPr lang="he-IL" dirty="0" err="1"/>
+              <a:t>בפייתון</a:t>
             </a:r>
             <a:endParaRPr lang="en-001" dirty="0"/>
           </a:p>
@@ -4967,7 +4978,7 @@
         </p:nvSpPr>
         <p:spPr>
           <a:xfrm>
-            <a:off x="365761" y="2015732"/>
+            <a:off x="365761" y="2031312"/>
             <a:ext cx="10689094" cy="4044533"/>
           </a:xfrm>
         </p:spPr>
@@ -5151,6 +5162,66 @@
           </a:p>
         </p:txBody>
       </p:sp>
+      <p:pic>
+        <p:nvPicPr>
+          <p:cNvPr id="5" name="תמונה 4">
+            <a:extLst>
+              <a:ext uri="{FF2B5EF4-FFF2-40B4-BE49-F238E27FC236}">
+                <a16:creationId xmlns:a16="http://schemas.microsoft.com/office/drawing/2014/main" id="{1BEF6EC9-24A7-4579-B579-B21860A2AAD9}"/>
+              </a:ext>
+            </a:extLst>
+          </p:cNvPr>
+          <p:cNvPicPr>
+            <a:picLocks noChangeAspect="1"/>
+          </p:cNvPicPr>
+          <p:nvPr/>
+        </p:nvPicPr>
+        <p:blipFill>
+          <a:blip r:embed="rId2"/>
+          <a:stretch>
+            <a:fillRect/>
+          </a:stretch>
+        </p:blipFill>
+        <p:spPr>
+          <a:xfrm>
+            <a:off x="552010" y="185874"/>
+            <a:ext cx="3114543" cy="5779498"/>
+          </a:xfrm>
+          <a:prstGeom prst="rect">
+            <a:avLst/>
+          </a:prstGeom>
+        </p:spPr>
+      </p:pic>
+      <p:pic>
+        <p:nvPicPr>
+          <p:cNvPr id="6" name="תמונה 5">
+            <a:extLst>
+              <a:ext uri="{FF2B5EF4-FFF2-40B4-BE49-F238E27FC236}">
+                <a16:creationId xmlns:a16="http://schemas.microsoft.com/office/drawing/2014/main" id="{E14BDCAD-EB3B-4DC3-8809-97DFD84EE260}"/>
+              </a:ext>
+            </a:extLst>
+          </p:cNvPr>
+          <p:cNvPicPr>
+            <a:picLocks noChangeAspect="1"/>
+          </p:cNvPicPr>
+          <p:nvPr/>
+        </p:nvPicPr>
+        <p:blipFill>
+          <a:blip r:embed="rId3"/>
+          <a:stretch>
+            <a:fillRect/>
+          </a:stretch>
+        </p:blipFill>
+        <p:spPr>
+          <a:xfrm>
+            <a:off x="6317796" y="3260973"/>
+            <a:ext cx="4790736" cy="2967595"/>
+          </a:xfrm>
+          <a:prstGeom prst="rect">
+            <a:avLst/>
+          </a:prstGeom>
+        </p:spPr>
+      </p:pic>
     </p:spTree>
     <p:extLst>
       <p:ext uri="{BB962C8B-B14F-4D97-AF65-F5344CB8AC3E}">
@@ -5195,14 +5266,79 @@
       </p:grpSpPr>
       <p:sp>
         <p:nvSpPr>
-          <p:cNvPr id="7" name="כותרת 1">
+          <p:cNvPr id="3" name="מציין מיקום תוכן 2">
+            <a:extLst>
+              <a:ext uri="{FF2B5EF4-FFF2-40B4-BE49-F238E27FC236}">
+                <a16:creationId xmlns:a16="http://schemas.microsoft.com/office/drawing/2014/main" id="{B4DA7A11-4F5C-4432-BC66-FD61A640A278}"/>
+              </a:ext>
+            </a:extLst>
+          </p:cNvPr>
+          <p:cNvSpPr>
+            <a:spLocks noGrp="1"/>
+          </p:cNvSpPr>
+          <p:nvPr>
+            <p:ph idx="1"/>
+          </p:nvPr>
+        </p:nvSpPr>
+        <p:spPr>
+          <a:xfrm>
+            <a:off x="365761" y="2015732"/>
+            <a:ext cx="10689094" cy="4044533"/>
+          </a:xfrm>
+        </p:spPr>
+        <p:txBody>
+          <a:bodyPr>
+            <a:normAutofit/>
+          </a:bodyPr>
+          <a:lstStyle/>
+          <a:p>
+            <a:pPr marL="0" indent="0" algn="r" rtl="1">
+              <a:buNone/>
+            </a:pPr>
+            <a:r>
+              <a:rPr lang="he-IL" sz="2400" dirty="0"/>
+              <a:t>קלט - [1, 1], [1, 2], [2, 2], [9, 10], [10, 10], [10, 9], [9, 9], [20,20]</a:t>
+            </a:r>
+          </a:p>
+          <a:p>
+            <a:pPr marL="0" indent="0" algn="r" rtl="1">
+              <a:buNone/>
+            </a:pPr>
+            <a:r>
+              <a:rPr lang="he-IL" sz="2400" b="0" dirty="0"/>
+              <a:t>מספר אשכולות – 5</a:t>
+            </a:r>
+          </a:p>
+          <a:p>
+            <a:pPr marL="0" indent="0" algn="r" rtl="1">
+              <a:buNone/>
+            </a:pPr>
+            <a:r>
+              <a:rPr lang="he-IL" sz="2400" b="0" dirty="0"/>
+              <a:t>זמן </a:t>
+            </a:r>
+            <a:r>
+              <a:rPr lang="he-IL" sz="2400" dirty="0"/>
+              <a:t>ריצה בשניות - </a:t>
+            </a:r>
+            <a:r>
+              <a:rPr lang="en-US" sz="2400" dirty="0"/>
+              <a:t>0.055551767349243164 seconds </a:t>
+            </a:r>
+            <a:endParaRPr lang="he-IL" sz="2400" dirty="0"/>
+          </a:p>
+        </p:txBody>
+      </p:sp>
+      <p:sp>
+        <p:nvSpPr>
+          <p:cNvPr id="4" name="כותרת 1">
             <a:extLst>
               <a:ext uri="{FF2B5EF4-FFF2-40B4-BE49-F238E27FC236}">
                 <a16:creationId xmlns:a16="http://schemas.microsoft.com/office/drawing/2014/main" id="{1D1749DF-13F8-4DE6-9188-6DA00BE2FEE9}"/>
               </a:ext>
             </a:extLst>
           </p:cNvPr>
-          <p:cNvSpPr>
+          <p:cNvSpPr txBox="1">
             <a:spLocks noGrp="1"/>
           </p:cNvSpPr>
           <p:nvPr>
@@ -5211,18 +5347,42 @@
         </p:nvSpPr>
         <p:spPr>
           <a:xfrm>
-            <a:off x="1451579" y="1163973"/>
-            <a:ext cx="9603275" cy="1049235"/>
+            <a:off x="1450975" y="1163638"/>
+            <a:ext cx="9604375" cy="1049337"/>
           </a:xfrm>
+          <a:prstGeom prst="rect">
+            <a:avLst/>
+          </a:prstGeom>
         </p:spPr>
         <p:txBody>
-          <a:bodyPr/>
-          <a:lstStyle/>
+          <a:bodyPr vert="horz" lIns="91440" tIns="45720" rIns="91440" bIns="45720" rtlCol="0" anchor="t">
+            <a:normAutofit/>
+          </a:bodyPr>
+          <a:lstStyle>
+            <a:lvl1pPr algn="l" defTabSz="914400" rtl="0" eaLnBrk="1" latinLnBrk="0" hangingPunct="1">
+              <a:lnSpc>
+                <a:spcPct val="90000"/>
+              </a:lnSpc>
+              <a:spcBef>
+                <a:spcPct val="0"/>
+              </a:spcBef>
+              <a:buNone/>
+              <a:defRPr sz="3200" b="0" i="0" kern="1200" cap="all">
+                <a:solidFill>
+                  <a:schemeClr val="tx1"/>
+                </a:solidFill>
+                <a:effectLst/>
+                <a:latin typeface="+mj-lt"/>
+                <a:ea typeface="+mj-ea"/>
+                <a:cs typeface="+mj-cs"/>
+              </a:defRPr>
+            </a:lvl1pPr>
+          </a:lstStyle>
           <a:p>
             <a:pPr algn="r" rtl="1"/>
             <a:r>
               <a:rPr lang="he-IL" dirty="0"/>
-              <a:t>צילומי מסך פלט:</a:t>
+              <a:t>5 אשכולות</a:t>
             </a:r>
             <a:endParaRPr lang="en-001" dirty="0"/>
           </a:p>
@@ -5230,7 +5390,13 @@
       </p:sp>
       <p:pic>
         <p:nvPicPr>
-          <p:cNvPr id="4" name="תמונה 3"/>
+          <p:cNvPr id="5" name="תמונה 4">
+            <a:extLst>
+              <a:ext uri="{FF2B5EF4-FFF2-40B4-BE49-F238E27FC236}">
+                <a16:creationId xmlns:a16="http://schemas.microsoft.com/office/drawing/2014/main" id="{BBD1D684-92AC-46D3-9CE2-124400F2EA2C}"/>
+              </a:ext>
+            </a:extLst>
+          </p:cNvPr>
           <p:cNvPicPr>
             <a:picLocks noChangeAspect="1"/>
           </p:cNvPicPr>
@@ -5244,8 +5410,8 @@
         </p:blipFill>
         <p:spPr>
           <a:xfrm>
-            <a:off x="937773" y="185874"/>
-            <a:ext cx="3114543" cy="5779498"/>
+            <a:off x="1450976" y="2743974"/>
+            <a:ext cx="2695400" cy="3977842"/>
           </a:xfrm>
           <a:prstGeom prst="rect">
             <a:avLst/>
@@ -5254,7 +5420,13 @@
       </p:pic>
       <p:pic>
         <p:nvPicPr>
-          <p:cNvPr id="5" name="תמונה 4"/>
+          <p:cNvPr id="6" name="תמונה 5">
+            <a:extLst>
+              <a:ext uri="{FF2B5EF4-FFF2-40B4-BE49-F238E27FC236}">
+                <a16:creationId xmlns:a16="http://schemas.microsoft.com/office/drawing/2014/main" id="{318F9D75-2B30-45EB-B029-337B6D575195}"/>
+              </a:ext>
+            </a:extLst>
+          </p:cNvPr>
           <p:cNvPicPr>
             <a:picLocks noChangeAspect="1"/>
           </p:cNvPicPr>
@@ -5268,8 +5440,8 @@
         </p:blipFill>
         <p:spPr>
           <a:xfrm>
-            <a:off x="4860470" y="2265436"/>
-            <a:ext cx="5972991" cy="3699936"/>
+            <a:off x="4345819" y="3885813"/>
+            <a:ext cx="7027816" cy="2836003"/>
           </a:xfrm>
           <a:prstGeom prst="rect">
             <a:avLst/>
@@ -5279,7 +5451,7 @@
     </p:spTree>
     <p:extLst>
       <p:ext uri="{BB962C8B-B14F-4D97-AF65-F5344CB8AC3E}">
-        <p14:creationId xmlns:p14="http://schemas.microsoft.com/office/powerpoint/2010/main" val="1177947190"/>
+        <p14:creationId xmlns:p14="http://schemas.microsoft.com/office/powerpoint/2010/main" val="972893324"/>
       </p:ext>
     </p:extLst>
   </p:cSld>
@@ -5350,7 +5522,7 @@
               <a:buNone/>
             </a:pPr>
             <a:r>
-              <a:rPr lang="he-IL" sz="5000" dirty="0"/>
+              <a:rPr lang="he-IL" sz="4800" dirty="0"/>
               <a:t>קלט - [1, 1], [1, 2], [2, 2], [9, 10], [10, 10], [10, 9], [9, 9], [20,20]</a:t>
             </a:r>
           </a:p>
@@ -5359,8 +5531,8 @@
               <a:buNone/>
             </a:pPr>
             <a:r>
-              <a:rPr lang="he-IL" sz="5000" b="0" dirty="0"/>
-              <a:t>מספר אשכולות – 5</a:t>
+              <a:rPr lang="he-IL" sz="4500" b="0" dirty="0"/>
+              <a:t>מספר אשכולות – 8</a:t>
             </a:r>
           </a:p>
           <a:p>
@@ -5368,18 +5540,17 @@
               <a:buNone/>
             </a:pPr>
             <a:r>
-              <a:rPr lang="he-IL" sz="5000" b="0" dirty="0"/>
+              <a:rPr lang="he-IL" sz="4500" b="0" dirty="0"/>
               <a:t>זמן </a:t>
             </a:r>
             <a:r>
-              <a:rPr lang="he-IL" sz="5000" dirty="0"/>
+              <a:rPr lang="he-IL" sz="4500" dirty="0"/>
               <a:t>ריצה בשניות - </a:t>
             </a:r>
             <a:r>
-              <a:rPr lang="en-US" sz="5000" dirty="0"/>
-              <a:t>0.055551767349243164 seconds </a:t>
-            </a:r>
-            <a:endParaRPr lang="he-IL" sz="5000" dirty="0"/>
+              <a:rPr lang="en-US" sz="4500" dirty="0"/>
+              <a:t>0.10515332221984863 seconds </a:t>
+            </a:r>
           </a:p>
           <a:p>
             <a:pPr marL="0" indent="0" algn="r" rtl="1">
@@ -5396,7 +5567,7 @@
             </a:pPr>
             <a:r>
               <a:rPr lang="en-US" dirty="0"/>
-              <a:t>[[0.15892178 0.15431111 0.12801724 0.26727652 0.29147334]</a:t>
+              <a:t>[[0.07674011 0.09474491 0.20457988 0.17927234 0.1638777  0.09400229 0.09277909 0.0940037 ]</a:t>
             </a:r>
           </a:p>
           <a:p>
@@ -5405,7 +5576,7 @@
             </a:pPr>
             <a:r>
               <a:rPr lang="en-US" dirty="0"/>
-              <a:t> [0.04597122 0.04456069 0.03669953 0.08300912 0.78975944]</a:t>
+              <a:t> [0.06725217 0.0837538  0.18151855 0.26265695 0.15678507 0.08303006 0.081916   0.0830874 ]</a:t>
             </a:r>
           </a:p>
           <a:p>
@@ -5414,7 +5585,7 @@
             </a:pPr>
             <a:r>
               <a:rPr lang="en-US" dirty="0"/>
-              <a:t> [0.03927019 0.03798107 0.03101133 0.8220799  0.06965751]</a:t>
+              <a:t> [0.07021879 0.08836462 0.15737968 0.15965902 0.26293209 0.08757696 0.0862904  0.08757845]</a:t>
             </a:r>
           </a:p>
           <a:p>
@@ -5423,7 +5594,7 @@
             </a:pPr>
             <a:r>
               <a:rPr lang="en-US" dirty="0"/>
-              <a:t> [0.27713757 0.27713837 0.14113634 0.15348027 0.15110744]</a:t>
+              <a:t> [0.07911708 0.16220977 0.08421363 0.08464429 0.08579588 0.15725806 0.15952949 0.18723181]</a:t>
             </a:r>
           </a:p>
           <a:p>
@@ -5432,7 +5603,7 @@
             </a:pPr>
             <a:r>
               <a:rPr lang="en-US" dirty="0"/>
-              <a:t> [0.07526878 0.79358893 0.04232601 0.04475426 0.04406202]</a:t>
+              <a:t> [0.07594483 0.14181168 0.07866701 0.07901552 0.08008529 0.15422329 0.23606785 0.15418454]</a:t>
             </a:r>
           </a:p>
           <a:p>
@@ -5441,7 +5612,7 @@
             </a:pPr>
             <a:r>
               <a:rPr lang="en-US" dirty="0"/>
-              <a:t> [0.27721867 0.27721947 0.14117764 0.15352518 0.15085904]</a:t>
+              <a:t> [0.07913904 0.16224393 0.08417329 0.08452942 0.08580892 0.18725009 0.1595764  0.15727891]</a:t>
             </a:r>
           </a:p>
           <a:p>
@@ -5450,7 +5621,7 @@
             </a:pPr>
             <a:r>
               <a:rPr lang="en-US" dirty="0"/>
-              <a:t> [0.79833834 0.07286014 0.04000673 0.04479259 0.0440022 ]</a:t>
+              <a:t> [0.07468589 0.20955477 0.08168767 0.08209426 0.08336286 0.16433053 0.13992255 0.16436148]</a:t>
             </a:r>
           </a:p>
           <a:p>
@@ -5459,7 +5630,7 @@
             </a:pPr>
             <a:r>
               <a:rPr lang="en-US" dirty="0"/>
-              <a:t> [0.01688587 0.01729299 0.93606491 0.01492975 0.01482648]]</a:t>
+              <a:t> [0.96372813 0.00544993 0.00475446 0.00476447 0.00479327 0.00548295 0.00554391 0.00548288]]</a:t>
             </a:r>
             <a:endParaRPr lang="he-IL" b="0" dirty="0"/>
           </a:p>
@@ -5518,16 +5689,76 @@
             <a:pPr algn="r" rtl="1"/>
             <a:r>
               <a:rPr lang="he-IL" dirty="0"/>
-              <a:t>5 אשכולות</a:t>
+              <a:t>8 אשכולות</a:t>
             </a:r>
             <a:endParaRPr lang="en-001" dirty="0"/>
           </a:p>
         </p:txBody>
       </p:sp>
+      <p:pic>
+        <p:nvPicPr>
+          <p:cNvPr id="5" name="תמונה 4">
+            <a:extLst>
+              <a:ext uri="{FF2B5EF4-FFF2-40B4-BE49-F238E27FC236}">
+                <a16:creationId xmlns:a16="http://schemas.microsoft.com/office/drawing/2014/main" id="{79EEE514-36B9-4EE1-805E-8C0605CACC9C}"/>
+              </a:ext>
+            </a:extLst>
+          </p:cNvPr>
+          <p:cNvPicPr>
+            <a:picLocks noChangeAspect="1"/>
+          </p:cNvPicPr>
+          <p:nvPr/>
+        </p:nvPicPr>
+        <p:blipFill>
+          <a:blip r:embed="rId2"/>
+          <a:stretch>
+            <a:fillRect/>
+          </a:stretch>
+        </p:blipFill>
+        <p:spPr>
+          <a:xfrm>
+            <a:off x="5572125" y="3342132"/>
+            <a:ext cx="5542392" cy="3471422"/>
+          </a:xfrm>
+          <a:prstGeom prst="rect">
+            <a:avLst/>
+          </a:prstGeom>
+        </p:spPr>
+      </p:pic>
+      <p:pic>
+        <p:nvPicPr>
+          <p:cNvPr id="6" name="תמונה 5">
+            <a:extLst>
+              <a:ext uri="{FF2B5EF4-FFF2-40B4-BE49-F238E27FC236}">
+                <a16:creationId xmlns:a16="http://schemas.microsoft.com/office/drawing/2014/main" id="{39A04DA3-F6FB-403D-BE3D-7BF7DDFF8E4E}"/>
+              </a:ext>
+            </a:extLst>
+          </p:cNvPr>
+          <p:cNvPicPr>
+            <a:picLocks noChangeAspect="1"/>
+          </p:cNvPicPr>
+          <p:nvPr/>
+        </p:nvPicPr>
+        <p:blipFill>
+          <a:blip r:embed="rId3"/>
+          <a:stretch>
+            <a:fillRect/>
+          </a:stretch>
+        </p:blipFill>
+        <p:spPr>
+          <a:xfrm>
+            <a:off x="241137" y="2457450"/>
+            <a:ext cx="4695263" cy="4395383"/>
+          </a:xfrm>
+          <a:prstGeom prst="rect">
+            <a:avLst/>
+          </a:prstGeom>
+        </p:spPr>
+      </p:pic>
     </p:spTree>
     <p:extLst>
       <p:ext uri="{BB962C8B-B14F-4D97-AF65-F5344CB8AC3E}">
-        <p14:creationId xmlns:p14="http://schemas.microsoft.com/office/powerpoint/2010/main" val="972893324"/>
+        <p14:creationId xmlns:p14="http://schemas.microsoft.com/office/powerpoint/2010/main" val="1409460533"/>
       </p:ext>
     </p:extLst>
   </p:cSld>
@@ -5568,7 +5799,7 @@
       </p:grpSpPr>
       <p:sp>
         <p:nvSpPr>
-          <p:cNvPr id="6" name="כותרת 1">
+          <p:cNvPr id="2" name="כותרת 1">
             <a:extLst>
               <a:ext uri="{FF2B5EF4-FFF2-40B4-BE49-F238E27FC236}">
                 <a16:creationId xmlns:a16="http://schemas.microsoft.com/office/drawing/2014/main" id="{1D1749DF-13F8-4DE6-9188-6DA00BE2FEE9}"/>
@@ -5584,8 +5815,8 @@
         </p:nvSpPr>
         <p:spPr>
           <a:xfrm>
-            <a:off x="1853954" y="1207516"/>
-            <a:ext cx="3954663" cy="1049235"/>
+            <a:off x="2383396" y="75401"/>
+            <a:ext cx="9603275" cy="1049235"/>
           </a:xfrm>
         </p:spPr>
         <p:txBody>
@@ -5595,64 +5826,223 @@
             <a:pPr algn="r" rtl="1"/>
             <a:r>
               <a:rPr lang="he-IL" dirty="0"/>
-              <a:t>צילומי מסך פלט:</a:t>
+              <a:t>הדגמה: מימוש ב-</a:t>
+            </a:r>
+            <a:r>
+              <a:rPr lang="en-US" dirty="0"/>
+              <a:t>CPP</a:t>
             </a:r>
             <a:endParaRPr lang="en-001" dirty="0"/>
           </a:p>
         </p:txBody>
       </p:sp>
-      <p:pic>
-        <p:nvPicPr>
-          <p:cNvPr id="4" name="תמונה 3"/>
-          <p:cNvPicPr>
-            <a:picLocks noChangeAspect="1"/>
-          </p:cNvPicPr>
-          <p:nvPr/>
-        </p:nvPicPr>
-        <p:blipFill>
-          <a:blip r:embed="rId2"/>
-          <a:stretch>
-            <a:fillRect/>
-          </a:stretch>
-        </p:blipFill>
+      <p:sp>
+        <p:nvSpPr>
+          <p:cNvPr id="3" name="מציין מיקום תוכן 2">
+            <a:extLst>
+              <a:ext uri="{FF2B5EF4-FFF2-40B4-BE49-F238E27FC236}">
+                <a16:creationId xmlns:a16="http://schemas.microsoft.com/office/drawing/2014/main" id="{B4DA7A11-4F5C-4432-BC66-FD61A640A278}"/>
+              </a:ext>
+            </a:extLst>
+          </p:cNvPr>
+          <p:cNvSpPr>
+            <a:spLocks noGrp="1"/>
+          </p:cNvSpPr>
+          <p:nvPr>
+            <p:ph idx="1"/>
+          </p:nvPr>
+        </p:nvSpPr>
         <p:spPr>
           <a:xfrm>
-            <a:off x="8074121" y="180975"/>
-            <a:ext cx="3976500" cy="5868477"/>
+            <a:off x="365761" y="2015732"/>
+            <a:ext cx="10689094" cy="4044533"/>
+          </a:xfrm>
+        </p:spPr>
+        <p:txBody>
+          <a:bodyPr>
+            <a:normAutofit/>
+          </a:bodyPr>
+          <a:lstStyle/>
+          <a:p>
+            <a:pPr marL="0" indent="0" algn="r" rtl="1">
+              <a:buNone/>
+            </a:pPr>
+            <a:r>
+              <a:rPr lang="he-IL" dirty="0"/>
+              <a:t>קלט - [1, 1], [1, 2], [2, 2], [9, 10], [10, 10], [10, 9], [9, 9], [20,20]</a:t>
+            </a:r>
+          </a:p>
+          <a:p>
+            <a:pPr marL="0" indent="0" algn="r" rtl="1">
+              <a:buNone/>
+            </a:pPr>
+            <a:r>
+              <a:rPr lang="he-IL" b="0" dirty="0"/>
+              <a:t>מספר אשכולות – 3</a:t>
+            </a:r>
+          </a:p>
+          <a:p>
+            <a:pPr marL="0" indent="0" algn="r" rtl="1">
+              <a:buNone/>
+            </a:pPr>
+            <a:r>
+              <a:rPr lang="he-IL" b="0" dirty="0"/>
+              <a:t>זמן </a:t>
+            </a:r>
+            <a:r>
+              <a:rPr lang="he-IL" dirty="0"/>
+              <a:t>ריצה בשניות –</a:t>
+            </a:r>
+            <a:r>
+              <a:rPr lang="en-US" dirty="0"/>
+              <a:t>0.00140382 s</a:t>
+            </a:r>
+            <a:endParaRPr lang="he-IL" dirty="0"/>
+          </a:p>
+        </p:txBody>
+      </p:sp>
+      <p:sp>
+        <p:nvSpPr>
+          <p:cNvPr id="4" name="כותרת 1">
+            <a:extLst>
+              <a:ext uri="{FF2B5EF4-FFF2-40B4-BE49-F238E27FC236}">
+                <a16:creationId xmlns:a16="http://schemas.microsoft.com/office/drawing/2014/main" id="{1D1749DF-13F8-4DE6-9188-6DA00BE2FEE9}"/>
+              </a:ext>
+            </a:extLst>
+          </p:cNvPr>
+          <p:cNvSpPr txBox="1">
+            <a:spLocks/>
+          </p:cNvSpPr>
+          <p:nvPr/>
+        </p:nvSpPr>
+        <p:spPr>
+          <a:xfrm>
+            <a:off x="1451580" y="1198806"/>
+            <a:ext cx="9603275" cy="1049235"/>
           </a:xfrm>
           <a:prstGeom prst="rect">
             <a:avLst/>
           </a:prstGeom>
         </p:spPr>
-      </p:pic>
-      <p:pic>
-        <p:nvPicPr>
-          <p:cNvPr id="7" name="תמונה 6"/>
-          <p:cNvPicPr>
-            <a:picLocks noChangeAspect="1"/>
-          </p:cNvPicPr>
+        <p:txBody>
+          <a:bodyPr vert="horz" lIns="91440" tIns="45720" rIns="91440" bIns="45720" rtlCol="0" anchor="t">
+            <a:normAutofit/>
+          </a:bodyPr>
+          <a:lstStyle>
+            <a:lvl1pPr algn="l" defTabSz="914400" rtl="0" eaLnBrk="1" latinLnBrk="0" hangingPunct="1">
+              <a:lnSpc>
+                <a:spcPct val="90000"/>
+              </a:lnSpc>
+              <a:spcBef>
+                <a:spcPct val="0"/>
+              </a:spcBef>
+              <a:buNone/>
+              <a:defRPr sz="3200" b="0" i="0" kern="1200" cap="all">
+                <a:solidFill>
+                  <a:schemeClr val="tx1"/>
+                </a:solidFill>
+                <a:effectLst/>
+                <a:latin typeface="+mj-lt"/>
+                <a:ea typeface="+mj-ea"/>
+                <a:cs typeface="+mj-cs"/>
+              </a:defRPr>
+            </a:lvl1pPr>
+          </a:lstStyle>
+          <a:p>
+            <a:pPr algn="r" rtl="1"/>
+            <a:r>
+              <a:rPr lang="he-IL" dirty="0"/>
+              <a:t>3 אשכולות</a:t>
+            </a:r>
+            <a:endParaRPr lang="en-001" dirty="0"/>
+          </a:p>
+        </p:txBody>
+      </p:sp>
+      <p:grpSp>
+        <p:nvGrpSpPr>
+          <p:cNvPr id="8" name="קבוצה 7">
+            <a:extLst>
+              <a:ext uri="{FF2B5EF4-FFF2-40B4-BE49-F238E27FC236}">
+                <a16:creationId xmlns:a16="http://schemas.microsoft.com/office/drawing/2014/main" id="{42F7090C-7BBE-4D9A-91E1-9EDAB6D3A0D8}"/>
+              </a:ext>
+            </a:extLst>
+          </p:cNvPr>
+          <p:cNvGrpSpPr/>
           <p:nvPr/>
-        </p:nvPicPr>
-        <p:blipFill>
-          <a:blip r:embed="rId3"/>
-          <a:stretch>
-            <a:fillRect/>
-          </a:stretch>
-        </p:blipFill>
-        <p:spPr>
+        </p:nvGrpSpPr>
+        <p:grpSpPr>
           <a:xfrm>
-            <a:off x="339769" y="2256751"/>
-            <a:ext cx="7400747" cy="2986496"/>
+            <a:off x="1864520" y="2636044"/>
+            <a:ext cx="4031456" cy="4062230"/>
+            <a:chOff x="1864520" y="2636044"/>
+            <a:chExt cx="4031456" cy="4062230"/>
           </a:xfrm>
-          <a:prstGeom prst="rect">
-            <a:avLst/>
-          </a:prstGeom>
-        </p:spPr>
-      </p:pic>
+        </p:grpSpPr>
+        <p:pic>
+          <p:nvPicPr>
+            <p:cNvPr id="5" name="תמונה 4">
+              <a:extLst>
+                <a:ext uri="{FF2B5EF4-FFF2-40B4-BE49-F238E27FC236}">
+                  <a16:creationId xmlns:a16="http://schemas.microsoft.com/office/drawing/2014/main" id="{73525557-F220-41A6-AEF7-6DBB0379CCE1}"/>
+                </a:ext>
+              </a:extLst>
+            </p:cNvPr>
+            <p:cNvPicPr>
+              <a:picLocks noChangeAspect="1"/>
+            </p:cNvPicPr>
+            <p:nvPr/>
+          </p:nvPicPr>
+          <p:blipFill>
+            <a:blip r:embed="rId2"/>
+            <a:stretch>
+              <a:fillRect/>
+            </a:stretch>
+          </p:blipFill>
+          <p:spPr>
+            <a:xfrm>
+              <a:off x="1864520" y="2636044"/>
+              <a:ext cx="4031456" cy="4062230"/>
+            </a:xfrm>
+            <a:prstGeom prst="rect">
+              <a:avLst/>
+            </a:prstGeom>
+          </p:spPr>
+        </p:pic>
+        <p:pic>
+          <p:nvPicPr>
+            <p:cNvPr id="7" name="תמונה 6">
+              <a:extLst>
+                <a:ext uri="{FF2B5EF4-FFF2-40B4-BE49-F238E27FC236}">
+                  <a16:creationId xmlns:a16="http://schemas.microsoft.com/office/drawing/2014/main" id="{A4AF3FCC-9B42-4AD4-8E43-D1C0903E84FC}"/>
+                </a:ext>
+              </a:extLst>
+            </p:cNvPr>
+            <p:cNvPicPr>
+              <a:picLocks noChangeAspect="1"/>
+            </p:cNvPicPr>
+            <p:nvPr/>
+          </p:nvPicPr>
+          <p:blipFill>
+            <a:blip r:embed="rId3"/>
+            <a:stretch>
+              <a:fillRect/>
+            </a:stretch>
+          </p:blipFill>
+          <p:spPr>
+            <a:xfrm>
+              <a:off x="1885713" y="6359685"/>
+              <a:ext cx="2401863" cy="193515"/>
+            </a:xfrm>
+            <a:prstGeom prst="rect">
+              <a:avLst/>
+            </a:prstGeom>
+          </p:spPr>
+        </p:pic>
+      </p:grpSp>
     </p:spTree>
     <p:extLst>
       <p:ext uri="{BB962C8B-B14F-4D97-AF65-F5344CB8AC3E}">
-        <p14:creationId xmlns:p14="http://schemas.microsoft.com/office/powerpoint/2010/main" val="3625419082"/>
+        <p14:creationId xmlns:p14="http://schemas.microsoft.com/office/powerpoint/2010/main" val="2940520762"/>
       </p:ext>
     </p:extLst>
   </p:cSld>
@@ -5709,13 +6099,13 @@
         </p:nvSpPr>
         <p:spPr>
           <a:xfrm>
-            <a:off x="365761" y="2015732"/>
-            <a:ext cx="10689094" cy="4044533"/>
+            <a:off x="662153" y="2011679"/>
+            <a:ext cx="10078874" cy="2282848"/>
           </a:xfrm>
         </p:spPr>
         <p:txBody>
           <a:bodyPr>
-            <a:normAutofit fontScale="47500" lnSpcReduction="20000"/>
+            <a:normAutofit/>
           </a:bodyPr>
           <a:lstStyle/>
           <a:p>
@@ -5723,7 +6113,7 @@
               <a:buNone/>
             </a:pPr>
             <a:r>
-              <a:rPr lang="he-IL" sz="4800" dirty="0"/>
+              <a:rPr lang="he-IL" sz="2400" dirty="0"/>
               <a:t>קלט - [1, 1], [1, 2], [2, 2], [9, 10], [10, 10], [10, 9], [9, 9], [20,20]</a:t>
             </a:r>
           </a:p>
@@ -5732,8 +6122,8 @@
               <a:buNone/>
             </a:pPr>
             <a:r>
-              <a:rPr lang="he-IL" sz="4500" b="0" dirty="0"/>
-              <a:t>מספר אשכולות – 8</a:t>
+              <a:rPr lang="he-IL" sz="2400" b="0" dirty="0"/>
+              <a:t>מספר אשכולות – 5</a:t>
             </a:r>
           </a:p>
           <a:p>
@@ -5741,99 +6131,18 @@
               <a:buNone/>
             </a:pPr>
             <a:r>
-              <a:rPr lang="he-IL" sz="4500" b="0" dirty="0"/>
+              <a:rPr lang="he-IL" sz="2400" b="0" dirty="0"/>
               <a:t>זמן </a:t>
             </a:r>
             <a:r>
-              <a:rPr lang="he-IL" sz="4500" dirty="0"/>
+              <a:rPr lang="he-IL" sz="2400" dirty="0"/>
               <a:t>ריצה בשניות - </a:t>
             </a:r>
             <a:r>
-              <a:rPr lang="en-US" sz="4500" dirty="0"/>
-              <a:t>0.10515332221984863 seconds </a:t>
-            </a:r>
-          </a:p>
-          <a:p>
-            <a:pPr marL="0" indent="0" algn="r" rtl="1">
-              <a:buNone/>
-            </a:pPr>
-            <a:r>
-              <a:rPr lang="he-IL" dirty="0"/>
-              <a:t>מטריצת תוצאה – </a:t>
-            </a:r>
-          </a:p>
-          <a:p>
-            <a:pPr marL="0" indent="0" algn="r" rtl="1">
-              <a:buNone/>
-            </a:pPr>
-            <a:r>
-              <a:rPr lang="en-US" dirty="0"/>
-              <a:t>[[0.07674011 0.09474491 0.20457988 0.17927234 0.1638777  0.09400229 0.09277909 0.0940037 ]</a:t>
-            </a:r>
-          </a:p>
-          <a:p>
-            <a:pPr marL="0" indent="0" algn="r" rtl="1">
-              <a:buNone/>
-            </a:pPr>
-            <a:r>
-              <a:rPr lang="en-US" dirty="0"/>
-              <a:t> [0.06725217 0.0837538  0.18151855 0.26265695 0.15678507 0.08303006 0.081916   0.0830874 ]</a:t>
-            </a:r>
-          </a:p>
-          <a:p>
-            <a:pPr marL="0" indent="0" algn="r" rtl="1">
-              <a:buNone/>
-            </a:pPr>
-            <a:r>
-              <a:rPr lang="en-US" dirty="0"/>
-              <a:t> [0.07021879 0.08836462 0.15737968 0.15965902 0.26293209 0.08757696 0.0862904  0.08757845]</a:t>
-            </a:r>
-          </a:p>
-          <a:p>
-            <a:pPr marL="0" indent="0" algn="r" rtl="1">
-              <a:buNone/>
-            </a:pPr>
-            <a:r>
-              <a:rPr lang="en-US" dirty="0"/>
-              <a:t> [0.07911708 0.16220977 0.08421363 0.08464429 0.08579588 0.15725806 0.15952949 0.18723181]</a:t>
-            </a:r>
-          </a:p>
-          <a:p>
-            <a:pPr marL="0" indent="0" algn="r" rtl="1">
-              <a:buNone/>
-            </a:pPr>
-            <a:r>
-              <a:rPr lang="en-US" dirty="0"/>
-              <a:t> [0.07594483 0.14181168 0.07866701 0.07901552 0.08008529 0.15422329 0.23606785 0.15418454]</a:t>
-            </a:r>
-          </a:p>
-          <a:p>
-            <a:pPr marL="0" indent="0" algn="r" rtl="1">
-              <a:buNone/>
-            </a:pPr>
-            <a:r>
-              <a:rPr lang="en-US" dirty="0"/>
-              <a:t> [0.07913904 0.16224393 0.08417329 0.08452942 0.08580892 0.18725009 0.1595764  0.15727891]</a:t>
-            </a:r>
-          </a:p>
-          <a:p>
-            <a:pPr marL="0" indent="0" algn="r" rtl="1">
-              <a:buNone/>
-            </a:pPr>
-            <a:r>
-              <a:rPr lang="en-US" dirty="0"/>
-              <a:t> [0.07468589 0.20955477 0.08168767 0.08209426 0.08336286 0.16433053 0.13992255 0.16436148]</a:t>
-            </a:r>
-          </a:p>
-          <a:p>
-            <a:pPr marL="0" indent="0" algn="r" rtl="1">
-              <a:buNone/>
-            </a:pPr>
-            <a:r>
-              <a:rPr lang="en-US" dirty="0"/>
-              <a:t> [0.96372813 0.00544993 0.00475446 0.00476447 0.00479327 0.00548295 0.00554391 0.00548288]]</a:t>
-            </a:r>
-            <a:endParaRPr lang="he-IL" b="0" dirty="0"/>
+              <a:rPr lang="en-US" sz="2400" dirty="0"/>
+              <a:t>0. 0038182 seconds </a:t>
+            </a:r>
+            <a:endParaRPr lang="he-IL" sz="2400" dirty="0"/>
           </a:p>
         </p:txBody>
       </p:sp>
@@ -5890,16 +6199,97 @@
             <a:pPr algn="r" rtl="1"/>
             <a:r>
               <a:rPr lang="he-IL" dirty="0"/>
-              <a:t>8 אשכולות</a:t>
+              <a:t>5 אשכולות</a:t>
             </a:r>
             <a:endParaRPr lang="en-001" dirty="0"/>
           </a:p>
         </p:txBody>
       </p:sp>
+      <p:grpSp>
+        <p:nvGrpSpPr>
+          <p:cNvPr id="7" name="קבוצה 6">
+            <a:extLst>
+              <a:ext uri="{FF2B5EF4-FFF2-40B4-BE49-F238E27FC236}">
+                <a16:creationId xmlns:a16="http://schemas.microsoft.com/office/drawing/2014/main" id="{0CC0E95E-A652-4235-A370-298D8013FEF1}"/>
+              </a:ext>
+            </a:extLst>
+          </p:cNvPr>
+          <p:cNvGrpSpPr/>
+          <p:nvPr/>
+        </p:nvGrpSpPr>
+        <p:grpSpPr>
+          <a:xfrm>
+            <a:off x="228600" y="2514600"/>
+            <a:ext cx="5081098" cy="3604610"/>
+            <a:chOff x="228600" y="2514600"/>
+            <a:chExt cx="5081098" cy="3604610"/>
+          </a:xfrm>
+        </p:grpSpPr>
+        <p:pic>
+          <p:nvPicPr>
+            <p:cNvPr id="5" name="תמונה 4">
+              <a:extLst>
+                <a:ext uri="{FF2B5EF4-FFF2-40B4-BE49-F238E27FC236}">
+                  <a16:creationId xmlns:a16="http://schemas.microsoft.com/office/drawing/2014/main" id="{0F94EEBB-0CC5-4F69-9BCB-BC7F03FC7E0B}"/>
+                </a:ext>
+              </a:extLst>
+            </p:cNvPr>
+            <p:cNvPicPr>
+              <a:picLocks noChangeAspect="1"/>
+            </p:cNvPicPr>
+            <p:nvPr/>
+          </p:nvPicPr>
+          <p:blipFill>
+            <a:blip r:embed="rId2"/>
+            <a:stretch>
+              <a:fillRect/>
+            </a:stretch>
+          </p:blipFill>
+          <p:spPr>
+            <a:xfrm>
+              <a:off x="228600" y="2514600"/>
+              <a:ext cx="5081098" cy="3604610"/>
+            </a:xfrm>
+            <a:prstGeom prst="rect">
+              <a:avLst/>
+            </a:prstGeom>
+          </p:spPr>
+        </p:pic>
+        <p:pic>
+          <p:nvPicPr>
+            <p:cNvPr id="6" name="תמונה 5">
+              <a:extLst>
+                <a:ext uri="{FF2B5EF4-FFF2-40B4-BE49-F238E27FC236}">
+                  <a16:creationId xmlns:a16="http://schemas.microsoft.com/office/drawing/2014/main" id="{2419642A-5D84-438F-8CAC-86412B69A550}"/>
+                </a:ext>
+              </a:extLst>
+            </p:cNvPr>
+            <p:cNvPicPr>
+              <a:picLocks noChangeAspect="1"/>
+            </p:cNvPicPr>
+            <p:nvPr/>
+          </p:nvPicPr>
+          <p:blipFill>
+            <a:blip r:embed="rId3"/>
+            <a:stretch>
+              <a:fillRect/>
+            </a:stretch>
+          </p:blipFill>
+          <p:spPr>
+            <a:xfrm>
+              <a:off x="228600" y="5827395"/>
+              <a:ext cx="1971675" cy="171450"/>
+            </a:xfrm>
+            <a:prstGeom prst="rect">
+              <a:avLst/>
+            </a:prstGeom>
+          </p:spPr>
+        </p:pic>
+      </p:grpSp>
     </p:spTree>
     <p:extLst>
       <p:ext uri="{BB962C8B-B14F-4D97-AF65-F5344CB8AC3E}">
-        <p14:creationId xmlns:p14="http://schemas.microsoft.com/office/powerpoint/2010/main" val="1409460533"/>
+        <p14:creationId xmlns:p14="http://schemas.microsoft.com/office/powerpoint/2010/main" val="1226132153"/>
       </p:ext>
     </p:extLst>
   </p:cSld>
@@ -5940,14 +6330,84 @@
       </p:grpSpPr>
       <p:sp>
         <p:nvSpPr>
-          <p:cNvPr id="6" name="כותרת 1">
+          <p:cNvPr id="3" name="מציין מיקום תוכן 2">
+            <a:extLst>
+              <a:ext uri="{FF2B5EF4-FFF2-40B4-BE49-F238E27FC236}">
+                <a16:creationId xmlns:a16="http://schemas.microsoft.com/office/drawing/2014/main" id="{B4DA7A11-4F5C-4432-BC66-FD61A640A278}"/>
+              </a:ext>
+            </a:extLst>
+          </p:cNvPr>
+          <p:cNvSpPr>
+            <a:spLocks noGrp="1"/>
+          </p:cNvSpPr>
+          <p:nvPr>
+            <p:ph idx="1"/>
+          </p:nvPr>
+        </p:nvSpPr>
+        <p:spPr>
+          <a:xfrm>
+            <a:off x="662153" y="2011679"/>
+            <a:ext cx="10078874" cy="2282848"/>
+          </a:xfrm>
+        </p:spPr>
+        <p:txBody>
+          <a:bodyPr>
+            <a:normAutofit/>
+          </a:bodyPr>
+          <a:lstStyle/>
+          <a:p>
+            <a:pPr marL="0" indent="0" algn="r" rtl="1">
+              <a:buNone/>
+            </a:pPr>
+            <a:r>
+              <a:rPr lang="he-IL" sz="2400" dirty="0"/>
+              <a:t>קלט - [1, 1], [1, 2], [2, 2], [9, 10], [10, 10], [10, 9], [9, 9], [20,20]</a:t>
+            </a:r>
+          </a:p>
+          <a:p>
+            <a:pPr marL="0" indent="0" algn="r" rtl="1">
+              <a:buNone/>
+            </a:pPr>
+            <a:r>
+              <a:rPr lang="he-IL" sz="2400" b="0" dirty="0"/>
+              <a:t>מספר אשכולות – </a:t>
+            </a:r>
+            <a:r>
+              <a:rPr lang="en-US" sz="2400" b="0" dirty="0"/>
+              <a:t>8</a:t>
+            </a:r>
+            <a:endParaRPr lang="he-IL" sz="2400" b="0" dirty="0"/>
+          </a:p>
+          <a:p>
+            <a:pPr marL="0" indent="0" algn="r" rtl="1">
+              <a:buNone/>
+            </a:pPr>
+            <a:r>
+              <a:rPr lang="he-IL" sz="2400" b="0" dirty="0"/>
+              <a:t>זמן </a:t>
+            </a:r>
+            <a:r>
+              <a:rPr lang="he-IL" sz="2400" dirty="0"/>
+              <a:t>ריצה בשניות - </a:t>
+            </a:r>
+            <a:r>
+              <a:rPr lang="en-US" sz="2400" dirty="0"/>
+              <a:t>0. 016095 seconds </a:t>
+            </a:r>
+            <a:endParaRPr lang="he-IL" sz="2400" dirty="0"/>
+          </a:p>
+        </p:txBody>
+      </p:sp>
+      <p:sp>
+        <p:nvSpPr>
+          <p:cNvPr id="4" name="כותרת 1">
             <a:extLst>
               <a:ext uri="{FF2B5EF4-FFF2-40B4-BE49-F238E27FC236}">
                 <a16:creationId xmlns:a16="http://schemas.microsoft.com/office/drawing/2014/main" id="{1D1749DF-13F8-4DE6-9188-6DA00BE2FEE9}"/>
               </a:ext>
             </a:extLst>
           </p:cNvPr>
-          <p:cNvSpPr>
+          <p:cNvSpPr txBox="1">
             <a:spLocks noGrp="1"/>
           </p:cNvSpPr>
           <p:nvPr>
@@ -5956,75 +6416,166 @@
         </p:nvSpPr>
         <p:spPr>
           <a:xfrm>
-            <a:off x="3217966" y="1224933"/>
-            <a:ext cx="3954663" cy="1049235"/>
-          </a:xfrm>
-        </p:spPr>
-        <p:txBody>
-          <a:bodyPr/>
-          <a:lstStyle/>
-          <a:p>
-            <a:pPr algn="r" rtl="1"/>
-            <a:r>
-              <a:rPr lang="he-IL" dirty="0"/>
-              <a:t>צילומי מסך פלט:</a:t>
-            </a:r>
-            <a:endParaRPr lang="en-001" dirty="0"/>
-          </a:p>
-        </p:txBody>
-      </p:sp>
-      <p:pic>
-        <p:nvPicPr>
-          <p:cNvPr id="2" name="תמונה 1"/>
-          <p:cNvPicPr>
-            <a:picLocks noChangeAspect="1"/>
-          </p:cNvPicPr>
-          <p:nvPr/>
-        </p:nvPicPr>
-        <p:blipFill>
-          <a:blip r:embed="rId2"/>
-          <a:stretch>
-            <a:fillRect/>
-          </a:stretch>
-        </p:blipFill>
-        <p:spPr>
-          <a:xfrm>
-            <a:off x="7177718" y="1375954"/>
-            <a:ext cx="4735608" cy="4433151"/>
+            <a:off x="1450973" y="1163638"/>
+            <a:ext cx="9604375" cy="1049337"/>
           </a:xfrm>
           <a:prstGeom prst="rect">
             <a:avLst/>
           </a:prstGeom>
         </p:spPr>
-      </p:pic>
-      <p:pic>
-        <p:nvPicPr>
-          <p:cNvPr id="5" name="תמונה 4"/>
-          <p:cNvPicPr>
-            <a:picLocks noChangeAspect="1"/>
-          </p:cNvPicPr>
+        <p:txBody>
+          <a:bodyPr vert="horz" lIns="91440" tIns="45720" rIns="91440" bIns="45720" rtlCol="0" anchor="t">
+            <a:normAutofit/>
+          </a:bodyPr>
+          <a:lstStyle>
+            <a:lvl1pPr algn="l" defTabSz="914400" rtl="0" eaLnBrk="1" latinLnBrk="0" hangingPunct="1">
+              <a:lnSpc>
+                <a:spcPct val="90000"/>
+              </a:lnSpc>
+              <a:spcBef>
+                <a:spcPct val="0"/>
+              </a:spcBef>
+              <a:buNone/>
+              <a:defRPr sz="3200" b="0" i="0" kern="1200" cap="all">
+                <a:solidFill>
+                  <a:schemeClr val="tx1"/>
+                </a:solidFill>
+                <a:effectLst/>
+                <a:latin typeface="+mj-lt"/>
+                <a:ea typeface="+mj-ea"/>
+                <a:cs typeface="+mj-cs"/>
+              </a:defRPr>
+            </a:lvl1pPr>
+          </a:lstStyle>
+          <a:p>
+            <a:pPr algn="r" rtl="1"/>
+            <a:r>
+              <a:rPr lang="en-US" dirty="0"/>
+              <a:t>8</a:t>
+            </a:r>
+            <a:r>
+              <a:rPr lang="he-IL" dirty="0"/>
+              <a:t> אשכולות</a:t>
+            </a:r>
+            <a:endParaRPr lang="en-001" dirty="0"/>
+          </a:p>
+        </p:txBody>
+      </p:sp>
+      <p:grpSp>
+        <p:nvGrpSpPr>
+          <p:cNvPr id="8" name="קבוצה 7">
+            <a:extLst>
+              <a:ext uri="{FF2B5EF4-FFF2-40B4-BE49-F238E27FC236}">
+                <a16:creationId xmlns:a16="http://schemas.microsoft.com/office/drawing/2014/main" id="{EF1BAD53-491B-4D1F-9206-54F5E98F8B55}"/>
+              </a:ext>
+            </a:extLst>
+          </p:cNvPr>
+          <p:cNvGrpSpPr/>
           <p:nvPr/>
-        </p:nvPicPr>
-        <p:blipFill>
-          <a:blip r:embed="rId3"/>
-          <a:stretch>
-            <a:fillRect/>
-          </a:stretch>
-        </p:blipFill>
-        <p:spPr>
+        </p:nvGrpSpPr>
+        <p:grpSpPr>
           <a:xfrm>
-            <a:off x="687024" y="1913381"/>
-            <a:ext cx="6219825" cy="3895725"/>
+            <a:off x="2171700" y="3642380"/>
+            <a:ext cx="7147863" cy="3201984"/>
+            <a:chOff x="2171700" y="3642380"/>
+            <a:chExt cx="7147863" cy="3201984"/>
           </a:xfrm>
-          <a:prstGeom prst="rect">
-            <a:avLst/>
-          </a:prstGeom>
-        </p:spPr>
-      </p:pic>
+        </p:grpSpPr>
+        <p:pic>
+          <p:nvPicPr>
+            <p:cNvPr id="2" name="תמונה 1">
+              <a:extLst>
+                <a:ext uri="{FF2B5EF4-FFF2-40B4-BE49-F238E27FC236}">
+                  <a16:creationId xmlns:a16="http://schemas.microsoft.com/office/drawing/2014/main" id="{B8A5ED98-CF20-40C8-A6FA-1E4A4A199595}"/>
+                </a:ext>
+              </a:extLst>
+            </p:cNvPr>
+            <p:cNvPicPr>
+              <a:picLocks noChangeAspect="1"/>
+            </p:cNvPicPr>
+            <p:nvPr/>
+          </p:nvPicPr>
+          <p:blipFill>
+            <a:blip r:embed="rId2"/>
+            <a:stretch>
+              <a:fillRect/>
+            </a:stretch>
+          </p:blipFill>
+          <p:spPr>
+            <a:xfrm>
+              <a:off x="2171700" y="3642380"/>
+              <a:ext cx="7147863" cy="3201984"/>
+            </a:xfrm>
+            <a:prstGeom prst="rect">
+              <a:avLst/>
+            </a:prstGeom>
+          </p:spPr>
+        </p:pic>
+        <p:pic>
+          <p:nvPicPr>
+            <p:cNvPr id="6" name="תמונה 5">
+              <a:extLst>
+                <a:ext uri="{FF2B5EF4-FFF2-40B4-BE49-F238E27FC236}">
+                  <a16:creationId xmlns:a16="http://schemas.microsoft.com/office/drawing/2014/main" id="{1E06FC0C-7DA6-438A-AFF8-AEFDEC53BDCA}"/>
+                </a:ext>
+              </a:extLst>
+            </p:cNvPr>
+            <p:cNvPicPr>
+              <a:picLocks noChangeAspect="1"/>
+            </p:cNvPicPr>
+            <p:nvPr/>
+          </p:nvPicPr>
+          <p:blipFill>
+            <a:blip r:embed="rId3"/>
+            <a:stretch>
+              <a:fillRect/>
+            </a:stretch>
+          </p:blipFill>
+          <p:spPr>
+            <a:xfrm>
+              <a:off x="2171700" y="6630053"/>
+              <a:ext cx="1593056" cy="152064"/>
+            </a:xfrm>
+            <a:prstGeom prst="rect">
+              <a:avLst/>
+            </a:prstGeom>
+          </p:spPr>
+        </p:pic>
+        <p:pic>
+          <p:nvPicPr>
+            <p:cNvPr id="7" name="תמונה 6">
+              <a:extLst>
+                <a:ext uri="{FF2B5EF4-FFF2-40B4-BE49-F238E27FC236}">
+                  <a16:creationId xmlns:a16="http://schemas.microsoft.com/office/drawing/2014/main" id="{692F6C6F-11A4-48E0-A64A-C3E92C09E7D8}"/>
+                </a:ext>
+              </a:extLst>
+            </p:cNvPr>
+            <p:cNvPicPr>
+              <a:picLocks noChangeAspect="1"/>
+            </p:cNvPicPr>
+            <p:nvPr/>
+          </p:nvPicPr>
+          <p:blipFill>
+            <a:blip r:embed="rId4"/>
+            <a:stretch>
+              <a:fillRect/>
+            </a:stretch>
+          </p:blipFill>
+          <p:spPr>
+            <a:xfrm>
+              <a:off x="3764756" y="6630053"/>
+              <a:ext cx="342900" cy="180975"/>
+            </a:xfrm>
+            <a:prstGeom prst="rect">
+              <a:avLst/>
+            </a:prstGeom>
+          </p:spPr>
+        </p:pic>
+      </p:grpSp>
     </p:spTree>
     <p:extLst>
       <p:ext uri="{BB962C8B-B14F-4D97-AF65-F5344CB8AC3E}">
-        <p14:creationId xmlns:p14="http://schemas.microsoft.com/office/powerpoint/2010/main" val="1986089343"/>
+        <p14:creationId xmlns:p14="http://schemas.microsoft.com/office/powerpoint/2010/main" val="2199768862"/>
       </p:ext>
     </p:extLst>
   </p:cSld>
@@ -6092,7 +6643,7 @@
             <a:pPr algn="r" rtl="1"/>
             <a:r>
               <a:rPr lang="he-IL" dirty="0"/>
-              <a:t>הדגמה ברק</a:t>
+              <a:t>הדגמה מאור</a:t>
             </a:r>
             <a:endParaRPr lang="en-001" dirty="0"/>
           </a:p>
@@ -6147,7 +6698,7 @@
     </p:spTree>
     <p:extLst>
       <p:ext uri="{BB962C8B-B14F-4D97-AF65-F5344CB8AC3E}">
-        <p14:creationId xmlns:p14="http://schemas.microsoft.com/office/powerpoint/2010/main" val="3927971926"/>
+        <p14:creationId xmlns:p14="http://schemas.microsoft.com/office/powerpoint/2010/main" val="2978879987"/>
       </p:ext>
     </p:extLst>
   </p:cSld>
@@ -6170,129 +6721,6 @@
 </file>
 
 <file path=ppt/slides/slide17.xml><?xml version="1.0" encoding="utf-8"?>
-<p:sld xmlns:a="http://schemas.openxmlformats.org/drawingml/2006/main" xmlns:r="http://schemas.openxmlformats.org/officeDocument/2006/relationships" xmlns:p="http://schemas.openxmlformats.org/presentationml/2006/main">
-  <p:cSld>
-    <p:spTree>
-      <p:nvGrpSpPr>
-        <p:cNvPr id="1" name=""/>
-        <p:cNvGrpSpPr/>
-        <p:nvPr/>
-      </p:nvGrpSpPr>
-      <p:grpSpPr>
-        <a:xfrm>
-          <a:off x="0" y="0"/>
-          <a:ext cx="0" cy="0"/>
-          <a:chOff x="0" y="0"/>
-          <a:chExt cx="0" cy="0"/>
-        </a:xfrm>
-      </p:grpSpPr>
-      <p:sp>
-        <p:nvSpPr>
-          <p:cNvPr id="2" name="כותרת 1">
-            <a:extLst>
-              <a:ext uri="{FF2B5EF4-FFF2-40B4-BE49-F238E27FC236}">
-                <a16:creationId xmlns:a16="http://schemas.microsoft.com/office/drawing/2014/main" id="{1D1749DF-13F8-4DE6-9188-6DA00BE2FEE9}"/>
-              </a:ext>
-            </a:extLst>
-          </p:cNvPr>
-          <p:cNvSpPr>
-            <a:spLocks noGrp="1"/>
-          </p:cNvSpPr>
-          <p:nvPr>
-            <p:ph type="title"/>
-          </p:nvPr>
-        </p:nvSpPr>
-        <p:spPr>
-          <a:xfrm>
-            <a:off x="1451579" y="1163973"/>
-            <a:ext cx="9603275" cy="1049235"/>
-          </a:xfrm>
-        </p:spPr>
-        <p:txBody>
-          <a:bodyPr/>
-          <a:lstStyle/>
-          <a:p>
-            <a:pPr algn="r" rtl="1"/>
-            <a:r>
-              <a:rPr lang="he-IL" dirty="0"/>
-              <a:t>הדגמה מאור</a:t>
-            </a:r>
-            <a:endParaRPr lang="en-001" dirty="0"/>
-          </a:p>
-        </p:txBody>
-      </p:sp>
-      <p:sp>
-        <p:nvSpPr>
-          <p:cNvPr id="3" name="מציין מיקום תוכן 2">
-            <a:extLst>
-              <a:ext uri="{FF2B5EF4-FFF2-40B4-BE49-F238E27FC236}">
-                <a16:creationId xmlns:a16="http://schemas.microsoft.com/office/drawing/2014/main" id="{B4DA7A11-4F5C-4432-BC66-FD61A640A278}"/>
-              </a:ext>
-            </a:extLst>
-          </p:cNvPr>
-          <p:cNvSpPr>
-            <a:spLocks noGrp="1"/>
-          </p:cNvSpPr>
-          <p:nvPr>
-            <p:ph idx="1"/>
-          </p:nvPr>
-        </p:nvSpPr>
-        <p:spPr>
-          <a:xfrm>
-            <a:off x="1451579" y="2015732"/>
-            <a:ext cx="9603275" cy="4044533"/>
-          </a:xfrm>
-        </p:spPr>
-        <p:txBody>
-          <a:bodyPr>
-            <a:normAutofit/>
-          </a:bodyPr>
-          <a:lstStyle/>
-          <a:p>
-            <a:pPr marL="0" indent="0" algn="r" rtl="1">
-              <a:buNone/>
-            </a:pPr>
-            <a:r>
-              <a:rPr lang="he-IL" b="0" dirty="0"/>
-              <a:t>פלטים, </a:t>
-            </a:r>
-            <a:r>
-              <a:rPr lang="he-IL" b="0" dirty="0" err="1"/>
-              <a:t>קלטים</a:t>
-            </a:r>
-            <a:r>
-              <a:rPr lang="he-IL" b="0" dirty="0"/>
-              <a:t>, זמני ריצה, והדגמת ריצה.</a:t>
-            </a:r>
-          </a:p>
-        </p:txBody>
-      </p:sp>
-    </p:spTree>
-    <p:extLst>
-      <p:ext uri="{BB962C8B-B14F-4D97-AF65-F5344CB8AC3E}">
-        <p14:creationId xmlns:p14="http://schemas.microsoft.com/office/powerpoint/2010/main" val="2978879987"/>
-      </p:ext>
-    </p:extLst>
-  </p:cSld>
-  <p:clrMapOvr>
-    <a:masterClrMapping/>
-  </p:clrMapOvr>
-  <mc:AlternateContent xmlns:mc="http://schemas.openxmlformats.org/markup-compatibility/2006" xmlns:p14="http://schemas.microsoft.com/office/powerpoint/2010/main">
-    <mc:Choice Requires="p14">
-      <p:transition spd="med" p14:dur="700">
-        <p:fade/>
-      </p:transition>
-    </mc:Choice>
-    <mc:Fallback xmlns="">
-      <p:transition spd="med">
-        <p:fade/>
-      </p:transition>
-    </mc:Fallback>
-  </mc:AlternateContent>
-</p:sld>
-</file>
-
-<file path=ppt/slides/slide18.xml><?xml version="1.0" encoding="utf-8"?>
 <p:sld xmlns:a="http://schemas.openxmlformats.org/drawingml/2006/main" xmlns:r="http://schemas.openxmlformats.org/officeDocument/2006/relationships" xmlns:p="http://schemas.openxmlformats.org/presentationml/2006/main">
   <p:cSld>
     <p:spTree>
@@ -8894,7 +9322,7 @@
                                     <a:rPr lang="en-US" b="0" i="1" smtClean="0">
                                       <a:latin typeface="Cambria Math" panose="02040503050406030204" pitchFamily="18" charset="0"/>
                                     </a:rPr>
-                                    <m:t>𝑖𝑗</m:t>
+                                    <m:t>𝑖</m:t>
                                   </m:r>
                                 </m:sub>
                               </m:sSub>
@@ -11558,6 +11986,26 @@
 </file>
 
 <file path=customXml/item1.xml><?xml version="1.0" encoding="utf-8"?>
+<?mso-contentType ?>
+<FormTemplates xmlns="http://schemas.microsoft.com/sharepoint/v3/contenttype/forms">
+  <Display>DocumentLibraryForm</Display>
+  <Edit>DocumentLibraryForm</Edit>
+  <New>DocumentLibraryForm</New>
+</FormTemplates>
+</file>
+
+<file path=customXml/item2.xml><?xml version="1.0" encoding="utf-8"?>
+<p:properties xmlns:p="http://schemas.microsoft.com/office/2006/metadata/properties" xmlns:xsi="http://www.w3.org/2001/XMLSchema-instance" xmlns:pc="http://schemas.microsoft.com/office/infopath/2007/PartnerControls">
+  <documentManagement>
+    <VSO_x0020_item_x0020_id xmlns="40262f94-9f35-4ac3-9a90-690165a166b7" xsi:nil="true"/>
+    <Assetid_x0020_ xmlns="40262f94-9f35-4ac3-9a90-690165a166b7" xsi:nil="true"/>
+    <Item_x0020_Details xmlns="40262f94-9f35-4ac3-9a90-690165a166b7" xsi:nil="true"/>
+    <Template_x0020_details xmlns="40262f94-9f35-4ac3-9a90-690165a166b7" xsi:nil="true"/>
+  </documentManagement>
+</p:properties>
+</file>
+
+<file path=customXml/item3.xml><?xml version="1.0" encoding="utf-8"?>
 <ct:contentTypeSchema xmlns:ct="http://schemas.microsoft.com/office/2006/metadata/contentType" xmlns:ma="http://schemas.microsoft.com/office/2006/metadata/properties/metaAttributes" ct:_="" ma:_="" ma:contentTypeName="Document" ma:contentTypeID="0x010100AA3F7D94069FF64A86F7DFF56D60E3BE" ma:contentTypeVersion="6" ma:contentTypeDescription="Create a new document." ma:contentTypeScope="" ma:versionID="c32302c77d4085ecf495bdddb7f5e889">
   <xsd:schema xmlns:xsd="http://www.w3.org/2001/XMLSchema" xmlns:xs="http://www.w3.org/2001/XMLSchema" xmlns:p="http://schemas.microsoft.com/office/2006/metadata/properties" xmlns:ns2="a4f35948-e619-41b3-aa29-22878b09cfd2" xmlns:ns3="40262f94-9f35-4ac3-9a90-690165a166b7" targetNamespace="http://schemas.microsoft.com/office/2006/metadata/properties" ma:root="true" ma:fieldsID="4ab5ae46be95f9d0be6107e8200be7a2" ns2:_="" ns3:_="">
     <xsd:import namespace="a4f35948-e619-41b3-aa29-22878b09cfd2"/>
@@ -11738,41 +12186,10 @@
 </ct:contentTypeSchema>
 </file>
 
-<file path=customXml/item2.xml><?xml version="1.0" encoding="utf-8"?>
-<p:properties xmlns:p="http://schemas.microsoft.com/office/2006/metadata/properties" xmlns:xsi="http://www.w3.org/2001/XMLSchema-instance" xmlns:pc="http://schemas.microsoft.com/office/infopath/2007/PartnerControls">
-  <documentManagement>
-    <VSO_x0020_item_x0020_id xmlns="40262f94-9f35-4ac3-9a90-690165a166b7" xsi:nil="true"/>
-    <Assetid_x0020_ xmlns="40262f94-9f35-4ac3-9a90-690165a166b7" xsi:nil="true"/>
-    <Item_x0020_Details xmlns="40262f94-9f35-4ac3-9a90-690165a166b7" xsi:nil="true"/>
-    <Template_x0020_details xmlns="40262f94-9f35-4ac3-9a90-690165a166b7" xsi:nil="true"/>
-  </documentManagement>
-</p:properties>
-</file>
-
-<file path=customXml/item3.xml><?xml version="1.0" encoding="utf-8"?>
-<?mso-contentType ?>
-<FormTemplates xmlns="http://schemas.microsoft.com/sharepoint/v3/contenttype/forms">
-  <Display>DocumentLibraryForm</Display>
-  <Edit>DocumentLibraryForm</Edit>
-  <New>DocumentLibraryForm</New>
-</FormTemplates>
-</file>
-
 <file path=customXml/itemProps1.xml><?xml version="1.0" encoding="utf-8"?>
-<ds:datastoreItem xmlns:ds="http://schemas.openxmlformats.org/officeDocument/2006/customXml" ds:itemID="{2961EA76-1630-4788-A629-8FDAFC920575}">
+<ds:datastoreItem xmlns:ds="http://schemas.openxmlformats.org/officeDocument/2006/customXml" ds:itemID="{31C05A15-2C36-4B2C-9ED7-7313D59409A3}">
   <ds:schemaRefs>
-    <ds:schemaRef ds:uri="http://schemas.microsoft.com/office/2006/metadata/contentType"/>
-    <ds:schemaRef ds:uri="http://schemas.microsoft.com/office/2006/metadata/properties/metaAttributes"/>
-    <ds:schemaRef ds:uri="http://www.w3.org/2001/XMLSchema"/>
-    <ds:schemaRef ds:uri="http://schemas.microsoft.com/office/2006/metadata/properties"/>
-    <ds:schemaRef ds:uri="a4f35948-e619-41b3-aa29-22878b09cfd2"/>
-    <ds:schemaRef ds:uri="40262f94-9f35-4ac3-9a90-690165a166b7"/>
-    <ds:schemaRef ds:uri="http://schemas.microsoft.com/office/2006/documentManagement/types"/>
-    <ds:schemaRef ds:uri="http://schemas.microsoft.com/office/infopath/2007/PartnerControls"/>
-    <ds:schemaRef ds:uri="http://schemas.openxmlformats.org/package/2006/metadata/core-properties"/>
-    <ds:schemaRef ds:uri="http://purl.org/dc/elements/1.1/"/>
-    <ds:schemaRef ds:uri="http://purl.org/dc/terms/"/>
-    <ds:schemaRef ds:uri="http://schemas.microsoft.com/internal/obd"/>
+    <ds:schemaRef ds:uri="http://schemas.microsoft.com/sharepoint/v3/contenttype/forms"/>
   </ds:schemaRefs>
 </ds:datastoreItem>
 </file>
@@ -11795,9 +12212,20 @@
 </file>
 
 <file path=customXml/itemProps3.xml><?xml version="1.0" encoding="utf-8"?>
-<ds:datastoreItem xmlns:ds="http://schemas.openxmlformats.org/officeDocument/2006/customXml" ds:itemID="{31C05A15-2C36-4B2C-9ED7-7313D59409A3}">
+<ds:datastoreItem xmlns:ds="http://schemas.openxmlformats.org/officeDocument/2006/customXml" ds:itemID="{2961EA76-1630-4788-A629-8FDAFC920575}">
   <ds:schemaRefs>
-    <ds:schemaRef ds:uri="http://schemas.microsoft.com/sharepoint/v3/contenttype/forms"/>
+    <ds:schemaRef ds:uri="http://schemas.microsoft.com/office/2006/metadata/contentType"/>
+    <ds:schemaRef ds:uri="http://schemas.microsoft.com/office/2006/metadata/properties/metaAttributes"/>
+    <ds:schemaRef ds:uri="http://www.w3.org/2001/XMLSchema"/>
+    <ds:schemaRef ds:uri="http://schemas.microsoft.com/office/2006/metadata/properties"/>
+    <ds:schemaRef ds:uri="a4f35948-e619-41b3-aa29-22878b09cfd2"/>
+    <ds:schemaRef ds:uri="40262f94-9f35-4ac3-9a90-690165a166b7"/>
+    <ds:schemaRef ds:uri="http://schemas.microsoft.com/office/2006/documentManagement/types"/>
+    <ds:schemaRef ds:uri="http://schemas.microsoft.com/office/infopath/2007/PartnerControls"/>
+    <ds:schemaRef ds:uri="http://schemas.openxmlformats.org/package/2006/metadata/core-properties"/>
+    <ds:schemaRef ds:uri="http://purl.org/dc/elements/1.1/"/>
+    <ds:schemaRef ds:uri="http://purl.org/dc/terms/"/>
+    <ds:schemaRef ds:uri="http://schemas.microsoft.com/internal/obd"/>
   </ds:schemaRefs>
 </ds:datastoreItem>
 </file>
--- a/Fuzzy C-means.pptx
+++ b/Fuzzy C-means.pptx
@@ -5,10 +5,10 @@
     <p:sldMasterId id="2147483780" r:id="rId4"/>
   </p:sldMasterIdLst>
   <p:notesMasterIdLst>
-    <p:notesMasterId r:id="rId22"/>
+    <p:notesMasterId r:id="rId34"/>
   </p:notesMasterIdLst>
   <p:handoutMasterIdLst>
-    <p:handoutMasterId r:id="rId23"/>
+    <p:handoutMasterId r:id="rId35"/>
   </p:handoutMasterIdLst>
   <p:sldIdLst>
     <p:sldId id="267" r:id="rId5"/>
@@ -26,8 +26,20 @@
     <p:sldId id="305" r:id="rId17"/>
     <p:sldId id="304" r:id="rId18"/>
     <p:sldId id="306" r:id="rId19"/>
-    <p:sldId id="297" r:id="rId20"/>
-    <p:sldId id="274" r:id="rId21"/>
+    <p:sldId id="307" r:id="rId20"/>
+    <p:sldId id="308" r:id="rId21"/>
+    <p:sldId id="309" r:id="rId22"/>
+    <p:sldId id="324" r:id="rId23"/>
+    <p:sldId id="325" r:id="rId24"/>
+    <p:sldId id="318" r:id="rId25"/>
+    <p:sldId id="319" r:id="rId26"/>
+    <p:sldId id="320" r:id="rId27"/>
+    <p:sldId id="321" r:id="rId28"/>
+    <p:sldId id="323" r:id="rId29"/>
+    <p:sldId id="322" r:id="rId30"/>
+    <p:sldId id="315" r:id="rId31"/>
+    <p:sldId id="317" r:id="rId32"/>
+    <p:sldId id="274" r:id="rId33"/>
   </p:sldIdLst>
   <p:sldSz cx="12192000" cy="6858000"/>
   <p:notesSz cx="6858000" cy="9144000"/>
@@ -241,7 +253,7 @@
                 <a:cs typeface="Tahoma" panose="020B0604030504040204" pitchFamily="34" charset="0"/>
               </a:rPr>
               <a:pPr algn="l" rtl="1"/>
-              <a:t>ה'/שבט/תשע"ט</a:t>
+              <a:t>כ"ו/שבט/תשע"ט</a:t>
             </a:fld>
             <a:endParaRPr lang="he-IL" dirty="0">
               <a:latin typeface="Tahoma" panose="020B0604030504040204" pitchFamily="34" charset="0"/>
@@ -435,7 +447,7 @@
             <a:fld id="{562B8339-3B95-43C6-B7D6-5435D4E5A90A}" type="datetime1">
               <a:rPr lang="he-IL" smtClean="0"/>
               <a:pPr/>
-              <a:t>ה'/שבט/תשע"ט</a:t>
+              <a:t>כ"ו/שבט/תשע"ט</a:t>
             </a:fld>
             <a:endParaRPr lang="he-IL" dirty="0"/>
           </a:p>
@@ -967,7 +979,7 @@
             <a:fld id="{23AEF9EC-8318-4FF6-847E-A85BBD2B7E49}" type="slidenum">
               <a:rPr lang="he-IL" smtClean="0"/>
               <a:pPr algn="l"/>
-              <a:t>17</a:t>
+              <a:t>29</a:t>
             </a:fld>
             <a:endParaRPr lang="he-IL" dirty="0"/>
           </a:p>
@@ -1125,7 +1137,7 @@
           <a:p>
             <a:fld id="{48A87A34-81AB-432B-8DAE-1953F412C126}" type="datetimeFigureOut">
               <a:rPr lang="en-US" smtClean="0"/>
-              <a:t>1/11/2019</a:t>
+              <a:t>2/1/2019</a:t>
             </a:fld>
             <a:endParaRPr lang="en-US" dirty="0"/>
           </a:p>
@@ -1349,7 +1361,7 @@
             <a:fld id="{02AF34A9-CFF1-4D0E-8EB5-EB7533D66B1C}" type="datetime1">
               <a:rPr lang="he-IL" smtClean="0"/>
               <a:pPr/>
-              <a:t>ה'/שבט/תשע"ט</a:t>
+              <a:t>כ"ו/שבט/תשע"ט</a:t>
             </a:fld>
             <a:endParaRPr lang="he-IL" dirty="0"/>
           </a:p>
@@ -1583,7 +1595,7 @@
             <a:fld id="{BD38EF16-95A9-428F-96E9-DDF84DDF1B9A}" type="datetime1">
               <a:rPr lang="he-IL" smtClean="0"/>
               <a:pPr/>
-              <a:t>ה'/שבט/תשע"ט</a:t>
+              <a:t>כ"ו/שבט/תשע"ט</a:t>
             </a:fld>
             <a:endParaRPr lang="he-IL" dirty="0"/>
           </a:p>
@@ -1803,7 +1815,7 @@
             <a:fld id="{A6F57CCD-C86B-4122-8A0B-204F7F6EB6D5}" type="datetime1">
               <a:rPr lang="he-IL" smtClean="0"/>
               <a:pPr/>
-              <a:t>ה'/שבט/תשע"ט</a:t>
+              <a:t>כ"ו/שבט/תשע"ט</a:t>
             </a:fld>
             <a:endParaRPr lang="he-IL" dirty="0"/>
           </a:p>
@@ -2101,7 +2113,7 @@
             <a:fld id="{7BC09E54-0280-4A7C-AA55-CD8AC6C3427E}" type="datetime1">
               <a:rPr lang="he-IL" smtClean="0"/>
               <a:pPr/>
-              <a:t>ה'/שבט/תשע"ט</a:t>
+              <a:t>כ"ו/שבט/תשע"ט</a:t>
             </a:fld>
             <a:endParaRPr lang="he-IL" dirty="0"/>
           </a:p>
@@ -2388,7 +2400,7 @@
             <a:fld id="{06875287-8F79-49E6-8057-F267818EC73F}" type="datetime1">
               <a:rPr lang="he-IL" noProof="0" smtClean="0"/>
               <a:pPr/>
-              <a:t>ה'/שבט/תשע"ט</a:t>
+              <a:t>כ"ו/שבט/תשע"ט</a:t>
             </a:fld>
             <a:endParaRPr lang="he-IL" noProof="0" dirty="0"/>
           </a:p>
@@ -2823,7 +2835,7 @@
             <a:fld id="{62E5F1E3-A47F-48FC-B259-A90ABC415919}" type="datetime1">
               <a:rPr lang="he-IL" noProof="0" smtClean="0"/>
               <a:pPr/>
-              <a:t>ה'/שבט/תשע"ט</a:t>
+              <a:t>כ"ו/שבט/תשע"ט</a:t>
             </a:fld>
             <a:endParaRPr lang="he-IL" noProof="0" dirty="0"/>
           </a:p>
@@ -2991,7 +3003,7 @@
             <a:fld id="{ED6A1F81-8988-4DE0-875F-D722C92A7DA9}" type="datetime1">
               <a:rPr lang="he-IL" noProof="0" smtClean="0"/>
               <a:pPr/>
-              <a:t>ה'/שבט/תשע"ט</a:t>
+              <a:t>כ"ו/שבט/תשע"ט</a:t>
             </a:fld>
             <a:endParaRPr lang="he-IL" noProof="0" dirty="0"/>
           </a:p>
@@ -3136,7 +3148,7 @@
             <a:fld id="{5FA0B39D-AB77-4634-88E6-990EF5258CA8}" type="datetime1">
               <a:rPr lang="he-IL" noProof="0" smtClean="0"/>
               <a:pPr/>
-              <a:t>ה'/שבט/תשע"ט</a:t>
+              <a:t>כ"ו/שבט/תשע"ט</a:t>
             </a:fld>
             <a:endParaRPr lang="he-IL" noProof="0" dirty="0"/>
           </a:p>
@@ -3406,7 +3418,7 @@
             <a:fld id="{B639D642-F73F-43A2-9430-3CE3E101BB95}" type="datetime1">
               <a:rPr lang="he-IL" noProof="0" smtClean="0"/>
               <a:pPr/>
-              <a:t>ה'/שבט/תשע"ט</a:t>
+              <a:t>כ"ו/שבט/תשע"ט</a:t>
             </a:fld>
             <a:endParaRPr lang="he-IL" noProof="0" dirty="0"/>
           </a:p>
@@ -3922,7 +3934,7 @@
             <a:fld id="{48A87A34-81AB-432B-8DAE-1953F412C126}" type="datetimeFigureOut">
               <a:rPr lang="en-US" smtClean="0"/>
               <a:pPr/>
-              <a:t>1/11/2019</a:t>
+              <a:t>2/1/2019</a:t>
             </a:fld>
             <a:endParaRPr lang="en-US" dirty="0"/>
           </a:p>
@@ -4261,7 +4273,7 @@
             <a:fld id="{7328A23D-74BB-42D6-BD6D-9E39511D23AF}" type="datetime1">
               <a:rPr lang="he-IL" noProof="0" smtClean="0"/>
               <a:pPr/>
-              <a:t>ה'/שבט/תשע"ט</a:t>
+              <a:t>כ"ו/שבט/תשע"ט</a:t>
             </a:fld>
             <a:endParaRPr lang="he-IL" noProof="0" dirty="0"/>
           </a:p>
@@ -6632,7 +6644,7 @@
         </p:nvSpPr>
         <p:spPr>
           <a:xfrm>
-            <a:off x="1451579" y="1163973"/>
+            <a:off x="2383396" y="75401"/>
             <a:ext cx="9603275" cy="1049235"/>
           </a:xfrm>
         </p:spPr>
@@ -6643,7 +6655,11 @@
             <a:pPr algn="r" rtl="1"/>
             <a:r>
               <a:rPr lang="he-IL" dirty="0"/>
-              <a:t>הדגמה מאור</a:t>
+              <a:t>הדגמה: מימוש ב-</a:t>
+            </a:r>
+            <a:r>
+              <a:rPr lang="en-US" dirty="0"/>
+              <a:t>MATLAB</a:t>
             </a:r>
             <a:endParaRPr lang="en-001" dirty="0"/>
           </a:p>
@@ -6667,8 +6683,8 @@
         </p:nvSpPr>
         <p:spPr>
           <a:xfrm>
-            <a:off x="1451579" y="2015732"/>
-            <a:ext cx="9603275" cy="4044533"/>
+            <a:off x="2821577" y="2015732"/>
+            <a:ext cx="8233278" cy="2913319"/>
           </a:xfrm>
         </p:spPr>
         <p:txBody>
@@ -6681,24 +6697,150 @@
               <a:buNone/>
             </a:pPr>
             <a:r>
+              <a:rPr lang="he-IL" dirty="0"/>
+              <a:t>קלט - [1, 1], [1, 2], [2, 2], [9, 10], [10, 10], [10, 9], [9, 9], [20,20]</a:t>
+            </a:r>
+          </a:p>
+          <a:p>
+            <a:pPr marL="0" indent="0" algn="r" rtl="1">
+              <a:buNone/>
+            </a:pPr>
+            <a:r>
               <a:rPr lang="he-IL" b="0" dirty="0"/>
-              <a:t>פלטים, </a:t>
-            </a:r>
-            <a:r>
-              <a:rPr lang="he-IL" b="0" dirty="0" err="1"/>
-              <a:t>קלטים</a:t>
+              <a:t>מספר אשכולות – 3</a:t>
+            </a:r>
+            <a:r>
+              <a:rPr lang="en-US" b="0" dirty="0"/>
+              <a:t> , </a:t>
             </a:r>
             <a:r>
               <a:rPr lang="he-IL" b="0" dirty="0"/>
-              <a:t>, זמני ריצה, והדגמת ריצה.</a:t>
-            </a:r>
+              <a:t>זמן </a:t>
+            </a:r>
+            <a:r>
+              <a:rPr lang="he-IL" dirty="0"/>
+              <a:t>ריצה בשניות –</a:t>
+            </a:r>
+            <a:r>
+              <a:rPr lang="en-US" dirty="0"/>
+              <a:t>0.066482 s  ,  </a:t>
+            </a:r>
+            <a:endParaRPr lang="he-IL" dirty="0"/>
+          </a:p>
+          <a:p>
+            <a:pPr marL="0" indent="0" algn="r" rtl="1">
+              <a:buNone/>
+            </a:pPr>
+            <a:r>
+              <a:rPr lang="he-IL" u="sng" dirty="0"/>
+              <a:t>מטריצת שייכות</a:t>
+            </a:r>
+          </a:p>
+          <a:p>
+            <a:pPr marL="0" indent="0" algn="r" rtl="1">
+              <a:buNone/>
+            </a:pPr>
+            <a:endParaRPr lang="he-IL" u="sng" dirty="0"/>
+          </a:p>
+          <a:p>
+            <a:pPr marL="0" indent="0" algn="r" rtl="1">
+              <a:buNone/>
+            </a:pPr>
+            <a:endParaRPr lang="he-IL" u="sng" dirty="0"/>
+          </a:p>
+          <a:p>
+            <a:pPr marL="0" indent="0" algn="r" rtl="1">
+              <a:buNone/>
+            </a:pPr>
+            <a:endParaRPr lang="en-US" u="sng" dirty="0"/>
           </a:p>
         </p:txBody>
       </p:sp>
+      <p:sp>
+        <p:nvSpPr>
+          <p:cNvPr id="4" name="כותרת 1">
+            <a:extLst>
+              <a:ext uri="{FF2B5EF4-FFF2-40B4-BE49-F238E27FC236}">
+                <a16:creationId xmlns:a16="http://schemas.microsoft.com/office/drawing/2014/main" id="{1D1749DF-13F8-4DE6-9188-6DA00BE2FEE9}"/>
+              </a:ext>
+            </a:extLst>
+          </p:cNvPr>
+          <p:cNvSpPr txBox="1">
+            <a:spLocks/>
+          </p:cNvSpPr>
+          <p:nvPr/>
+        </p:nvSpPr>
+        <p:spPr>
+          <a:xfrm>
+            <a:off x="1451580" y="1198806"/>
+            <a:ext cx="9603275" cy="1049235"/>
+          </a:xfrm>
+          <a:prstGeom prst="rect">
+            <a:avLst/>
+          </a:prstGeom>
+        </p:spPr>
+        <p:txBody>
+          <a:bodyPr vert="horz" lIns="91440" tIns="45720" rIns="91440" bIns="45720" rtlCol="0" anchor="t">
+            <a:normAutofit/>
+          </a:bodyPr>
+          <a:lstStyle>
+            <a:lvl1pPr algn="l" defTabSz="914400" rtl="0" eaLnBrk="1" latinLnBrk="0" hangingPunct="1">
+              <a:lnSpc>
+                <a:spcPct val="90000"/>
+              </a:lnSpc>
+              <a:spcBef>
+                <a:spcPct val="0"/>
+              </a:spcBef>
+              <a:buNone/>
+              <a:defRPr sz="3200" b="0" i="0" kern="1200" cap="all">
+                <a:solidFill>
+                  <a:schemeClr val="tx1"/>
+                </a:solidFill>
+                <a:effectLst/>
+                <a:latin typeface="+mj-lt"/>
+                <a:ea typeface="+mj-ea"/>
+                <a:cs typeface="+mj-cs"/>
+              </a:defRPr>
+            </a:lvl1pPr>
+          </a:lstStyle>
+          <a:p>
+            <a:pPr algn="r" rtl="1"/>
+            <a:r>
+              <a:rPr lang="he-IL" dirty="0"/>
+              <a:t>3 אשכולות</a:t>
+            </a:r>
+            <a:endParaRPr lang="en-001" dirty="0"/>
+          </a:p>
+        </p:txBody>
+      </p:sp>
+      <p:pic>
+        <p:nvPicPr>
+          <p:cNvPr id="5" name="תמונה 4"/>
+          <p:cNvPicPr>
+            <a:picLocks noChangeAspect="1"/>
+          </p:cNvPicPr>
+          <p:nvPr/>
+        </p:nvPicPr>
+        <p:blipFill>
+          <a:blip r:embed="rId2"/>
+          <a:stretch>
+            <a:fillRect/>
+          </a:stretch>
+        </p:blipFill>
+        <p:spPr>
+          <a:xfrm>
+            <a:off x="1242574" y="3603020"/>
+            <a:ext cx="9921779" cy="1456660"/>
+          </a:xfrm>
+          <a:prstGeom prst="rect">
+            <a:avLst/>
+          </a:prstGeom>
+        </p:spPr>
+      </p:pic>
     </p:spTree>
     <p:extLst>
       <p:ext uri="{BB962C8B-B14F-4D97-AF65-F5344CB8AC3E}">
-        <p14:creationId xmlns:p14="http://schemas.microsoft.com/office/powerpoint/2010/main" val="2978879987"/>
+        <p14:creationId xmlns:p14="http://schemas.microsoft.com/office/powerpoint/2010/main" val="3753001803"/>
       </p:ext>
     </p:extLst>
   </p:cSld>
@@ -6739,7 +6881,13 @@
       </p:grpSpPr>
       <p:sp>
         <p:nvSpPr>
-          <p:cNvPr id="4" name="כותרת 3"/>
+          <p:cNvPr id="2" name="כותרת 1">
+            <a:extLst>
+              <a:ext uri="{FF2B5EF4-FFF2-40B4-BE49-F238E27FC236}">
+                <a16:creationId xmlns:a16="http://schemas.microsoft.com/office/drawing/2014/main" id="{1D1749DF-13F8-4DE6-9188-6DA00BE2FEE9}"/>
+              </a:ext>
+            </a:extLst>
+          </p:cNvPr>
           <p:cNvSpPr>
             <a:spLocks noGrp="1"/>
           </p:cNvSpPr>
@@ -6749,46 +6897,726 @@
         </p:nvSpPr>
         <p:spPr>
           <a:xfrm>
-            <a:off x="1166948" y="4707880"/>
-            <a:ext cx="2780211" cy="1069940"/>
+            <a:off x="2383396" y="75401"/>
+            <a:ext cx="9603275" cy="1049235"/>
           </a:xfrm>
         </p:spPr>
         <p:txBody>
-          <a:bodyPr rtlCol="1">
+          <a:bodyPr/>
+          <a:lstStyle/>
+          <a:p>
+            <a:pPr algn="r" rtl="1"/>
+            <a:r>
+              <a:rPr lang="he-IL" dirty="0"/>
+              <a:t>הדגמה: מימוש ב-</a:t>
+            </a:r>
+            <a:r>
+              <a:rPr lang="en-US" dirty="0"/>
+              <a:t>MATLAB</a:t>
+            </a:r>
+            <a:endParaRPr lang="en-001" dirty="0"/>
+          </a:p>
+        </p:txBody>
+      </p:sp>
+      <p:sp>
+        <p:nvSpPr>
+          <p:cNvPr id="3" name="מציין מיקום תוכן 2">
+            <a:extLst>
+              <a:ext uri="{FF2B5EF4-FFF2-40B4-BE49-F238E27FC236}">
+                <a16:creationId xmlns:a16="http://schemas.microsoft.com/office/drawing/2014/main" id="{B4DA7A11-4F5C-4432-BC66-FD61A640A278}"/>
+              </a:ext>
+            </a:extLst>
+          </p:cNvPr>
+          <p:cNvSpPr>
+            <a:spLocks noGrp="1"/>
+          </p:cNvSpPr>
+          <p:nvPr>
+            <p:ph idx="1"/>
+          </p:nvPr>
+        </p:nvSpPr>
+        <p:spPr>
+          <a:xfrm>
+            <a:off x="365761" y="2015732"/>
+            <a:ext cx="10689094" cy="4044533"/>
+          </a:xfrm>
+        </p:spPr>
+        <p:txBody>
+          <a:bodyPr>
             <a:normAutofit/>
           </a:bodyPr>
           <a:lstStyle/>
           <a:p>
-            <a:pPr algn="r" rtl="1"/>
-            <a:r>
-              <a:rPr lang="he-IL" dirty="0">
-                <a:latin typeface="Tahoma" panose="020B0604030504040204" pitchFamily="34" charset="0"/>
-                <a:ea typeface="Tahoma" panose="020B0604030504040204" pitchFamily="34" charset="0"/>
-                <a:cs typeface="Tahoma" panose="020B0604030504040204" pitchFamily="34" charset="0"/>
-              </a:rPr>
-              <a:t>תודה רבה </a:t>
-            </a:r>
-            <a:r>
-              <a:rPr lang="he-IL" dirty="0">
-                <a:latin typeface="Tahoma" panose="020B0604030504040204" pitchFamily="34" charset="0"/>
-                <a:ea typeface="Tahoma" panose="020B0604030504040204" pitchFamily="34" charset="0"/>
-                <a:cs typeface="Tahoma" panose="020B0604030504040204" pitchFamily="34" charset="0"/>
-                <a:sym typeface="Wingdings" panose="05000000000000000000" pitchFamily="2" charset="2"/>
-              </a:rPr>
-              <a:t></a:t>
-            </a:r>
-            <a:endParaRPr lang="he-IL" dirty="0">
-              <a:latin typeface="Tahoma" panose="020B0604030504040204" pitchFamily="34" charset="0"/>
-              <a:ea typeface="Tahoma" panose="020B0604030504040204" pitchFamily="34" charset="0"/>
-              <a:cs typeface="Tahoma" panose="020B0604030504040204" pitchFamily="34" charset="0"/>
-            </a:endParaRPr>
+            <a:pPr marL="0" indent="0" algn="r" rtl="1">
+              <a:buNone/>
+            </a:pPr>
+            <a:r>
+              <a:rPr lang="he-IL" dirty="0"/>
+              <a:t>קלט - [1, 1], [1, 2], [2, 2], [9, 10], [10, 10], [10, 9], [9, 9], [20,20]</a:t>
+            </a:r>
+          </a:p>
+          <a:p>
+            <a:pPr marL="0" indent="0" algn="r" rtl="1">
+              <a:buNone/>
+            </a:pPr>
+            <a:r>
+              <a:rPr lang="he-IL" b="0" dirty="0"/>
+              <a:t>מספר אשכולות</a:t>
+            </a:r>
+            <a:r>
+              <a:rPr lang="en-US" b="0" dirty="0"/>
+              <a:t> :</a:t>
+            </a:r>
+            <a:r>
+              <a:rPr lang="he-IL" b="0" dirty="0"/>
+              <a:t>5</a:t>
+            </a:r>
+            <a:r>
+              <a:rPr lang="en-US" b="0" dirty="0"/>
+              <a:t>   ,  </a:t>
+            </a:r>
+            <a:r>
+              <a:rPr lang="he-IL" b="0" dirty="0"/>
+              <a:t>זמן </a:t>
+            </a:r>
+            <a:r>
+              <a:rPr lang="he-IL" dirty="0"/>
+              <a:t>ריצה בשניות</a:t>
+            </a:r>
+            <a:r>
+              <a:rPr lang="en-US" dirty="0"/>
+              <a:t>:</a:t>
+            </a:r>
+            <a:r>
+              <a:rPr lang="he-IL" dirty="0"/>
+              <a:t> </a:t>
+            </a:r>
+            <a:r>
+              <a:rPr lang="en-US" dirty="0"/>
+              <a:t>0.023813 s</a:t>
+            </a:r>
+          </a:p>
+          <a:p>
+            <a:pPr marL="0" indent="0" algn="r" rtl="1">
+              <a:buNone/>
+            </a:pPr>
+            <a:r>
+              <a:rPr lang="he-IL" u="sng" dirty="0"/>
+              <a:t>מטריצת שייכות</a:t>
+            </a:r>
+          </a:p>
+          <a:p>
+            <a:pPr marL="0" indent="0" algn="r" rtl="1">
+              <a:buNone/>
+            </a:pPr>
+            <a:endParaRPr lang="he-IL" u="sng" dirty="0"/>
+          </a:p>
+          <a:p>
+            <a:pPr marL="0" indent="0" algn="r" rtl="1">
+              <a:buNone/>
+            </a:pPr>
+            <a:endParaRPr lang="he-IL" u="sng" dirty="0"/>
+          </a:p>
+          <a:p>
+            <a:pPr marL="0" indent="0" algn="r" rtl="1">
+              <a:buNone/>
+            </a:pPr>
+            <a:endParaRPr lang="en-US" u="sng" dirty="0"/>
           </a:p>
         </p:txBody>
       </p:sp>
+      <p:sp>
+        <p:nvSpPr>
+          <p:cNvPr id="4" name="כותרת 1">
+            <a:extLst>
+              <a:ext uri="{FF2B5EF4-FFF2-40B4-BE49-F238E27FC236}">
+                <a16:creationId xmlns:a16="http://schemas.microsoft.com/office/drawing/2014/main" id="{1D1749DF-13F8-4DE6-9188-6DA00BE2FEE9}"/>
+              </a:ext>
+            </a:extLst>
+          </p:cNvPr>
+          <p:cNvSpPr txBox="1">
+            <a:spLocks/>
+          </p:cNvSpPr>
+          <p:nvPr/>
+        </p:nvSpPr>
+        <p:spPr>
+          <a:xfrm>
+            <a:off x="1451580" y="1198806"/>
+            <a:ext cx="9603275" cy="1049235"/>
+          </a:xfrm>
+          <a:prstGeom prst="rect">
+            <a:avLst/>
+          </a:prstGeom>
+        </p:spPr>
+        <p:txBody>
+          <a:bodyPr vert="horz" lIns="91440" tIns="45720" rIns="91440" bIns="45720" rtlCol="0" anchor="t">
+            <a:normAutofit/>
+          </a:bodyPr>
+          <a:lstStyle>
+            <a:lvl1pPr algn="l" defTabSz="914400" rtl="0" eaLnBrk="1" latinLnBrk="0" hangingPunct="1">
+              <a:lnSpc>
+                <a:spcPct val="90000"/>
+              </a:lnSpc>
+              <a:spcBef>
+                <a:spcPct val="0"/>
+              </a:spcBef>
+              <a:buNone/>
+              <a:defRPr sz="3200" b="0" i="0" kern="1200" cap="all">
+                <a:solidFill>
+                  <a:schemeClr val="tx1"/>
+                </a:solidFill>
+                <a:effectLst/>
+                <a:latin typeface="+mj-lt"/>
+                <a:ea typeface="+mj-ea"/>
+                <a:cs typeface="+mj-cs"/>
+              </a:defRPr>
+            </a:lvl1pPr>
+          </a:lstStyle>
+          <a:p>
+            <a:pPr algn="r" rtl="1"/>
+            <a:r>
+              <a:rPr lang="he-IL" dirty="0"/>
+              <a:t>5 אשכולות</a:t>
+            </a:r>
+            <a:endParaRPr lang="en-001" dirty="0"/>
+          </a:p>
+        </p:txBody>
+      </p:sp>
+      <p:pic>
+        <p:nvPicPr>
+          <p:cNvPr id="8" name="תמונה 7"/>
+          <p:cNvPicPr>
+            <a:picLocks noChangeAspect="1"/>
+          </p:cNvPicPr>
+          <p:nvPr/>
+        </p:nvPicPr>
+        <p:blipFill>
+          <a:blip r:embed="rId2"/>
+          <a:stretch>
+            <a:fillRect/>
+          </a:stretch>
+        </p:blipFill>
+        <p:spPr>
+          <a:xfrm>
+            <a:off x="1291268" y="3488054"/>
+            <a:ext cx="9763588" cy="2094140"/>
+          </a:xfrm>
+          <a:prstGeom prst="rect">
+            <a:avLst/>
+          </a:prstGeom>
+        </p:spPr>
+      </p:pic>
     </p:spTree>
     <p:extLst>
       <p:ext uri="{BB962C8B-B14F-4D97-AF65-F5344CB8AC3E}">
-        <p14:creationId xmlns:p14="http://schemas.microsoft.com/office/powerpoint/2010/main" val="3757355931"/>
+        <p14:creationId xmlns:p14="http://schemas.microsoft.com/office/powerpoint/2010/main" val="1970564706"/>
+      </p:ext>
+    </p:extLst>
+  </p:cSld>
+  <p:clrMapOvr>
+    <a:masterClrMapping/>
+  </p:clrMapOvr>
+  <mc:AlternateContent xmlns:mc="http://schemas.openxmlformats.org/markup-compatibility/2006" xmlns:p14="http://schemas.microsoft.com/office/powerpoint/2010/main">
+    <mc:Choice Requires="p14">
+      <p:transition spd="med" p14:dur="700">
+        <p:fade/>
+      </p:transition>
+    </mc:Choice>
+    <mc:Fallback xmlns="">
+      <p:transition spd="med">
+        <p:fade/>
+      </p:transition>
+    </mc:Fallback>
+  </mc:AlternateContent>
+</p:sld>
+</file>
+
+<file path=ppt/slides/slide18.xml><?xml version="1.0" encoding="utf-8"?>
+<p:sld xmlns:a="http://schemas.openxmlformats.org/drawingml/2006/main" xmlns:r="http://schemas.openxmlformats.org/officeDocument/2006/relationships" xmlns:p="http://schemas.openxmlformats.org/presentationml/2006/main">
+  <p:cSld>
+    <p:spTree>
+      <p:nvGrpSpPr>
+        <p:cNvPr id="1" name=""/>
+        <p:cNvGrpSpPr/>
+        <p:nvPr/>
+      </p:nvGrpSpPr>
+      <p:grpSpPr>
+        <a:xfrm>
+          <a:off x="0" y="0"/>
+          <a:ext cx="0" cy="0"/>
+          <a:chOff x="0" y="0"/>
+          <a:chExt cx="0" cy="0"/>
+        </a:xfrm>
+      </p:grpSpPr>
+      <p:sp>
+        <p:nvSpPr>
+          <p:cNvPr id="2" name="כותרת 1">
+            <a:extLst>
+              <a:ext uri="{FF2B5EF4-FFF2-40B4-BE49-F238E27FC236}">
+                <a16:creationId xmlns:a16="http://schemas.microsoft.com/office/drawing/2014/main" id="{1D1749DF-13F8-4DE6-9188-6DA00BE2FEE9}"/>
+              </a:ext>
+            </a:extLst>
+          </p:cNvPr>
+          <p:cNvSpPr>
+            <a:spLocks noGrp="1"/>
+          </p:cNvSpPr>
+          <p:nvPr>
+            <p:ph type="title"/>
+          </p:nvPr>
+        </p:nvSpPr>
+        <p:spPr>
+          <a:xfrm>
+            <a:off x="2383396" y="75401"/>
+            <a:ext cx="9603275" cy="1049235"/>
+          </a:xfrm>
+        </p:spPr>
+        <p:txBody>
+          <a:bodyPr/>
+          <a:lstStyle/>
+          <a:p>
+            <a:pPr algn="r" rtl="1"/>
+            <a:r>
+              <a:rPr lang="he-IL" dirty="0"/>
+              <a:t>הדגמה: מימוש ב-</a:t>
+            </a:r>
+            <a:r>
+              <a:rPr lang="en-US" dirty="0"/>
+              <a:t>MATLAB</a:t>
+            </a:r>
+            <a:endParaRPr lang="en-001" dirty="0"/>
+          </a:p>
+        </p:txBody>
+      </p:sp>
+      <p:sp>
+        <p:nvSpPr>
+          <p:cNvPr id="3" name="מציין מיקום תוכן 2">
+            <a:extLst>
+              <a:ext uri="{FF2B5EF4-FFF2-40B4-BE49-F238E27FC236}">
+                <a16:creationId xmlns:a16="http://schemas.microsoft.com/office/drawing/2014/main" id="{B4DA7A11-4F5C-4432-BC66-FD61A640A278}"/>
+              </a:ext>
+            </a:extLst>
+          </p:cNvPr>
+          <p:cNvSpPr>
+            <a:spLocks noGrp="1"/>
+          </p:cNvSpPr>
+          <p:nvPr>
+            <p:ph idx="1"/>
+          </p:nvPr>
+        </p:nvSpPr>
+        <p:spPr>
+          <a:xfrm>
+            <a:off x="365761" y="2015732"/>
+            <a:ext cx="10689094" cy="4044533"/>
+          </a:xfrm>
+        </p:spPr>
+        <p:txBody>
+          <a:bodyPr>
+            <a:normAutofit/>
+          </a:bodyPr>
+          <a:lstStyle/>
+          <a:p>
+            <a:pPr marL="0" indent="0" algn="r" rtl="1">
+              <a:buNone/>
+            </a:pPr>
+            <a:r>
+              <a:rPr lang="he-IL" dirty="0"/>
+              <a:t>קלט - [1, 1], [1, 2], [2, 2], [9, 10], [10, 10], [10, 9], [9, 9], [20,20]</a:t>
+            </a:r>
+          </a:p>
+          <a:p>
+            <a:pPr marL="0" indent="0" algn="r" rtl="1">
+              <a:buNone/>
+            </a:pPr>
+            <a:r>
+              <a:rPr lang="he-IL" b="0" dirty="0"/>
+              <a:t>מספר אשכולות: 8, זמן </a:t>
+            </a:r>
+            <a:r>
+              <a:rPr lang="he-IL" dirty="0"/>
+              <a:t>ריצה בשניות: </a:t>
+            </a:r>
+            <a:r>
+              <a:rPr lang="en-US" dirty="0"/>
+              <a:t>0.022206 s</a:t>
+            </a:r>
+            <a:endParaRPr lang="he-IL" dirty="0"/>
+          </a:p>
+          <a:p>
+            <a:pPr marL="0" indent="0" algn="r" rtl="1">
+              <a:buNone/>
+            </a:pPr>
+            <a:r>
+              <a:rPr lang="he-IL" u="sng" dirty="0"/>
+              <a:t>מטריצת שייכות</a:t>
+            </a:r>
+          </a:p>
+          <a:p>
+            <a:pPr marL="0" indent="0" algn="r" rtl="1">
+              <a:buNone/>
+            </a:pPr>
+            <a:endParaRPr lang="he-IL" u="sng" dirty="0"/>
+          </a:p>
+          <a:p>
+            <a:pPr marL="0" indent="0" algn="r" rtl="1">
+              <a:buNone/>
+            </a:pPr>
+            <a:endParaRPr lang="he-IL" u="sng" dirty="0"/>
+          </a:p>
+          <a:p>
+            <a:pPr marL="0" indent="0" algn="r" rtl="1">
+              <a:buNone/>
+            </a:pPr>
+            <a:endParaRPr lang="he-IL" u="sng" dirty="0"/>
+          </a:p>
+          <a:p>
+            <a:pPr marL="0" indent="0" algn="r" rtl="1">
+              <a:buNone/>
+            </a:pPr>
+            <a:endParaRPr lang="he-IL" u="sng" dirty="0"/>
+          </a:p>
+        </p:txBody>
+      </p:sp>
+      <p:sp>
+        <p:nvSpPr>
+          <p:cNvPr id="4" name="כותרת 1">
+            <a:extLst>
+              <a:ext uri="{FF2B5EF4-FFF2-40B4-BE49-F238E27FC236}">
+                <a16:creationId xmlns:a16="http://schemas.microsoft.com/office/drawing/2014/main" id="{1D1749DF-13F8-4DE6-9188-6DA00BE2FEE9}"/>
+              </a:ext>
+            </a:extLst>
+          </p:cNvPr>
+          <p:cNvSpPr txBox="1">
+            <a:spLocks/>
+          </p:cNvSpPr>
+          <p:nvPr/>
+        </p:nvSpPr>
+        <p:spPr>
+          <a:xfrm>
+            <a:off x="1451580" y="1198806"/>
+            <a:ext cx="9603275" cy="1049235"/>
+          </a:xfrm>
+          <a:prstGeom prst="rect">
+            <a:avLst/>
+          </a:prstGeom>
+        </p:spPr>
+        <p:txBody>
+          <a:bodyPr vert="horz" lIns="91440" tIns="45720" rIns="91440" bIns="45720" rtlCol="0" anchor="t">
+            <a:normAutofit/>
+          </a:bodyPr>
+          <a:lstStyle>
+            <a:lvl1pPr algn="l" defTabSz="914400" rtl="0" eaLnBrk="1" latinLnBrk="0" hangingPunct="1">
+              <a:lnSpc>
+                <a:spcPct val="90000"/>
+              </a:lnSpc>
+              <a:spcBef>
+                <a:spcPct val="0"/>
+              </a:spcBef>
+              <a:buNone/>
+              <a:defRPr sz="3200" b="0" i="0" kern="1200" cap="all">
+                <a:solidFill>
+                  <a:schemeClr val="tx1"/>
+                </a:solidFill>
+                <a:effectLst/>
+                <a:latin typeface="+mj-lt"/>
+                <a:ea typeface="+mj-ea"/>
+                <a:cs typeface="+mj-cs"/>
+              </a:defRPr>
+            </a:lvl1pPr>
+          </a:lstStyle>
+          <a:p>
+            <a:pPr algn="r" rtl="1"/>
+            <a:r>
+              <a:rPr lang="he-IL" dirty="0"/>
+              <a:t>8 אשכולות</a:t>
+            </a:r>
+            <a:endParaRPr lang="en-001" dirty="0"/>
+          </a:p>
+        </p:txBody>
+      </p:sp>
+      <p:pic>
+        <p:nvPicPr>
+          <p:cNvPr id="8" name="תמונה 7"/>
+          <p:cNvPicPr>
+            <a:picLocks noChangeAspect="1"/>
+          </p:cNvPicPr>
+          <p:nvPr/>
+        </p:nvPicPr>
+        <p:blipFill>
+          <a:blip r:embed="rId2"/>
+          <a:stretch>
+            <a:fillRect/>
+          </a:stretch>
+        </p:blipFill>
+        <p:spPr>
+          <a:xfrm>
+            <a:off x="1181916" y="3538401"/>
+            <a:ext cx="9947353" cy="2521864"/>
+          </a:xfrm>
+          <a:prstGeom prst="rect">
+            <a:avLst/>
+          </a:prstGeom>
+        </p:spPr>
+      </p:pic>
+    </p:spTree>
+    <p:extLst>
+      <p:ext uri="{BB962C8B-B14F-4D97-AF65-F5344CB8AC3E}">
+        <p14:creationId xmlns:p14="http://schemas.microsoft.com/office/powerpoint/2010/main" val="139929013"/>
+      </p:ext>
+    </p:extLst>
+  </p:cSld>
+  <p:clrMapOvr>
+    <a:masterClrMapping/>
+  </p:clrMapOvr>
+  <mc:AlternateContent xmlns:mc="http://schemas.openxmlformats.org/markup-compatibility/2006" xmlns:p14="http://schemas.microsoft.com/office/powerpoint/2010/main">
+    <mc:Choice Requires="p14">
+      <p:transition spd="med" p14:dur="700">
+        <p:fade/>
+      </p:transition>
+    </mc:Choice>
+    <mc:Fallback xmlns="">
+      <p:transition spd="med">
+        <p:fade/>
+      </p:transition>
+    </mc:Fallback>
+  </mc:AlternateContent>
+</p:sld>
+</file>
+
+<file path=ppt/slides/slide19.xml><?xml version="1.0" encoding="utf-8"?>
+<p:sld xmlns:a="http://schemas.openxmlformats.org/drawingml/2006/main" xmlns:r="http://schemas.openxmlformats.org/officeDocument/2006/relationships" xmlns:p="http://schemas.openxmlformats.org/presentationml/2006/main">
+  <p:cSld>
+    <p:spTree>
+      <p:nvGrpSpPr>
+        <p:cNvPr id="1" name=""/>
+        <p:cNvGrpSpPr/>
+        <p:nvPr/>
+      </p:nvGrpSpPr>
+      <p:grpSpPr>
+        <a:xfrm>
+          <a:off x="0" y="0"/>
+          <a:ext cx="0" cy="0"/>
+          <a:chOff x="0" y="0"/>
+          <a:chExt cx="0" cy="0"/>
+        </a:xfrm>
+      </p:grpSpPr>
+      <p:pic>
+        <p:nvPicPr>
+          <p:cNvPr id="4" name="תמונה 3">
+            <a:extLst>
+              <a:ext uri="{FF2B5EF4-FFF2-40B4-BE49-F238E27FC236}">
+                <a16:creationId xmlns:a16="http://schemas.microsoft.com/office/drawing/2014/main" id="{11C05C78-379A-424D-9644-793587A70064}"/>
+              </a:ext>
+            </a:extLst>
+          </p:cNvPr>
+          <p:cNvPicPr>
+            <a:picLocks noChangeAspect="1"/>
+          </p:cNvPicPr>
+          <p:nvPr/>
+        </p:nvPicPr>
+        <p:blipFill>
+          <a:blip r:embed="rId2"/>
+          <a:stretch>
+            <a:fillRect/>
+          </a:stretch>
+        </p:blipFill>
+        <p:spPr>
+          <a:xfrm>
+            <a:off x="620050" y="1926671"/>
+            <a:ext cx="5319111" cy="2402179"/>
+          </a:xfrm>
+          <a:prstGeom prst="rect">
+            <a:avLst/>
+          </a:prstGeom>
+        </p:spPr>
+      </p:pic>
+      <p:sp>
+        <p:nvSpPr>
+          <p:cNvPr id="2" name="כותרת 1">
+            <a:extLst>
+              <a:ext uri="{FF2B5EF4-FFF2-40B4-BE49-F238E27FC236}">
+                <a16:creationId xmlns:a16="http://schemas.microsoft.com/office/drawing/2014/main" id="{1D1749DF-13F8-4DE6-9188-6DA00BE2FEE9}"/>
+              </a:ext>
+            </a:extLst>
+          </p:cNvPr>
+          <p:cNvSpPr>
+            <a:spLocks noGrp="1"/>
+          </p:cNvSpPr>
+          <p:nvPr>
+            <p:ph type="title"/>
+          </p:nvPr>
+        </p:nvSpPr>
+        <p:spPr>
+          <a:xfrm>
+            <a:off x="2383396" y="75401"/>
+            <a:ext cx="9603275" cy="1049235"/>
+          </a:xfrm>
+        </p:spPr>
+        <p:txBody>
+          <a:bodyPr/>
+          <a:lstStyle/>
+          <a:p>
+            <a:pPr algn="r" rtl="1"/>
+            <a:r>
+              <a:rPr lang="he-IL" dirty="0"/>
+              <a:t>אופטימיזציה ב</a:t>
+            </a:r>
+            <a:r>
+              <a:rPr lang="en-US" dirty="0"/>
+              <a:t>CPP</a:t>
+            </a:r>
+            <a:endParaRPr lang="en-001" dirty="0"/>
+          </a:p>
+        </p:txBody>
+      </p:sp>
+      <p:sp>
+        <p:nvSpPr>
+          <p:cNvPr id="3" name="מלבן 2"/>
+          <p:cNvSpPr/>
+          <p:nvPr/>
+        </p:nvSpPr>
+        <p:spPr>
+          <a:xfrm>
+            <a:off x="884747" y="3036939"/>
+            <a:ext cx="4789715" cy="1042393"/>
+          </a:xfrm>
+          <a:prstGeom prst="rect">
+            <a:avLst/>
+          </a:prstGeom>
+          <a:solidFill>
+            <a:srgbClr val="FFFF00">
+              <a:alpha val="13000"/>
+            </a:srgbClr>
+          </a:solidFill>
+          <a:ln>
+            <a:solidFill>
+              <a:srgbClr val="FFFF00"/>
+            </a:solidFill>
+          </a:ln>
+        </p:spPr>
+        <p:style>
+          <a:lnRef idx="2">
+            <a:schemeClr val="accent1">
+              <a:shade val="50000"/>
+            </a:schemeClr>
+          </a:lnRef>
+          <a:fillRef idx="1">
+            <a:schemeClr val="accent1"/>
+          </a:fillRef>
+          <a:effectRef idx="0">
+            <a:schemeClr val="accent1"/>
+          </a:effectRef>
+          <a:fontRef idx="minor">
+            <a:schemeClr val="lt1"/>
+          </a:fontRef>
+        </p:style>
+        <p:txBody>
+          <a:bodyPr rtlCol="1" anchor="ctr"/>
+          <a:lstStyle/>
+          <a:p>
+            <a:pPr algn="ctr"/>
+            <a:endParaRPr lang="he-IL"/>
+          </a:p>
+        </p:txBody>
+      </p:sp>
+      <p:sp>
+        <p:nvSpPr>
+          <p:cNvPr id="5" name="TextBox 4">
+            <a:extLst>
+              <a:ext uri="{FF2B5EF4-FFF2-40B4-BE49-F238E27FC236}">
+                <a16:creationId xmlns:a16="http://schemas.microsoft.com/office/drawing/2014/main" id="{BE15509E-C587-4FCB-A7ED-53E8818C7D42}"/>
+              </a:ext>
+            </a:extLst>
+          </p:cNvPr>
+          <p:cNvSpPr txBox="1"/>
+          <p:nvPr/>
+        </p:nvSpPr>
+        <p:spPr>
+          <a:xfrm>
+            <a:off x="6533964" y="2574524"/>
+            <a:ext cx="4705165" cy="1754326"/>
+          </a:xfrm>
+          <a:prstGeom prst="rect">
+            <a:avLst/>
+          </a:prstGeom>
+          <a:noFill/>
+        </p:spPr>
+        <p:txBody>
+          <a:bodyPr wrap="square" rtlCol="0">
+            <a:spAutoFit/>
+          </a:bodyPr>
+          <a:lstStyle/>
+          <a:p>
+            <a:pPr marL="285750" indent="-285750" algn="r" rtl="1">
+              <a:buFont typeface="Arial" panose="020B0604020202020204" pitchFamily="34" charset="0"/>
+              <a:buChar char="•"/>
+            </a:pPr>
+            <a:r>
+              <a:rPr lang="he-IL" dirty="0"/>
+              <a:t>האופטימיזציה כאן היא בסדר עדכון התאים במטריצה </a:t>
+            </a:r>
+            <a:r>
+              <a:rPr lang="en-US" dirty="0" err="1"/>
+              <a:t>m_W</a:t>
+            </a:r>
+            <a:r>
+              <a:rPr lang="he-IL" dirty="0"/>
+              <a:t>.</a:t>
+            </a:r>
+          </a:p>
+          <a:p>
+            <a:pPr marL="285750" indent="-285750" algn="r" rtl="1">
+              <a:buFont typeface="Arial" panose="020B0604020202020204" pitchFamily="34" charset="0"/>
+              <a:buChar char="•"/>
+            </a:pPr>
+            <a:r>
+              <a:rPr lang="he-IL" dirty="0"/>
+              <a:t>מכיוון שאנו סורקים קודם את העמודות של המטריצה, אז הבלוקים שמכילים את תאי העמודות העוקבות נמצאים כבר ב-</a:t>
+            </a:r>
+            <a:r>
+              <a:rPr lang="en-US" dirty="0"/>
+              <a:t>cache</a:t>
+            </a:r>
+            <a:r>
+              <a:rPr lang="he-IL" dirty="0"/>
+              <a:t>, ולכן הגישה מהירה יותר.</a:t>
+            </a:r>
+            <a:endParaRPr lang="en-001" dirty="0"/>
+          </a:p>
+        </p:txBody>
+      </p:sp>
+      <p:pic>
+        <p:nvPicPr>
+          <p:cNvPr id="9" name="תמונה 8">
+            <a:extLst>
+              <a:ext uri="{FF2B5EF4-FFF2-40B4-BE49-F238E27FC236}">
+                <a16:creationId xmlns:a16="http://schemas.microsoft.com/office/drawing/2014/main" id="{13BC2774-3CBF-4CEE-BB39-A7B85AA5A662}"/>
+              </a:ext>
+            </a:extLst>
+          </p:cNvPr>
+          <p:cNvPicPr>
+            <a:picLocks noChangeAspect="1"/>
+          </p:cNvPicPr>
+          <p:nvPr/>
+        </p:nvPicPr>
+        <p:blipFill>
+          <a:blip r:embed="rId3"/>
+          <a:stretch>
+            <a:fillRect/>
+          </a:stretch>
+        </p:blipFill>
+        <p:spPr>
+          <a:xfrm>
+            <a:off x="620050" y="4469767"/>
+            <a:ext cx="4355051" cy="1654354"/>
+          </a:xfrm>
+          <a:prstGeom prst="rect">
+            <a:avLst/>
+          </a:prstGeom>
+        </p:spPr>
+      </p:pic>
+    </p:spTree>
+    <p:extLst>
+      <p:ext uri="{BB962C8B-B14F-4D97-AF65-F5344CB8AC3E}">
+        <p14:creationId xmlns:p14="http://schemas.microsoft.com/office/powerpoint/2010/main" val="927639350"/>
       </p:ext>
     </p:extLst>
   </p:cSld>
@@ -7137,6 +7965,1986 @@
     <p:extLst>
       <p:ext uri="{BB962C8B-B14F-4D97-AF65-F5344CB8AC3E}">
         <p14:creationId xmlns:p14="http://schemas.microsoft.com/office/powerpoint/2010/main" val="1124678261"/>
+      </p:ext>
+    </p:extLst>
+  </p:cSld>
+  <p:clrMapOvr>
+    <a:masterClrMapping/>
+  </p:clrMapOvr>
+  <mc:AlternateContent xmlns:mc="http://schemas.openxmlformats.org/markup-compatibility/2006" xmlns:p14="http://schemas.microsoft.com/office/powerpoint/2010/main">
+    <mc:Choice Requires="p14">
+      <p:transition spd="med" p14:dur="700">
+        <p:fade/>
+      </p:transition>
+    </mc:Choice>
+    <mc:Fallback xmlns="">
+      <p:transition spd="med">
+        <p:fade/>
+      </p:transition>
+    </mc:Fallback>
+  </mc:AlternateContent>
+</p:sld>
+</file>
+
+<file path=ppt/slides/slide20.xml><?xml version="1.0" encoding="utf-8"?>
+<p:sld xmlns:a="http://schemas.openxmlformats.org/drawingml/2006/main" xmlns:r="http://schemas.openxmlformats.org/officeDocument/2006/relationships" xmlns:p="http://schemas.openxmlformats.org/presentationml/2006/main">
+  <p:cSld>
+    <p:spTree>
+      <p:nvGrpSpPr>
+        <p:cNvPr id="1" name=""/>
+        <p:cNvGrpSpPr/>
+        <p:nvPr/>
+      </p:nvGrpSpPr>
+      <p:grpSpPr>
+        <a:xfrm>
+          <a:off x="0" y="0"/>
+          <a:ext cx="0" cy="0"/>
+          <a:chOff x="0" y="0"/>
+          <a:chExt cx="0" cy="0"/>
+        </a:xfrm>
+      </p:grpSpPr>
+      <p:sp>
+        <p:nvSpPr>
+          <p:cNvPr id="2" name="כותרת 1">
+            <a:extLst>
+              <a:ext uri="{FF2B5EF4-FFF2-40B4-BE49-F238E27FC236}">
+                <a16:creationId xmlns:a16="http://schemas.microsoft.com/office/drawing/2014/main" id="{1D1749DF-13F8-4DE6-9188-6DA00BE2FEE9}"/>
+              </a:ext>
+            </a:extLst>
+          </p:cNvPr>
+          <p:cNvSpPr>
+            <a:spLocks noGrp="1"/>
+          </p:cNvSpPr>
+          <p:nvPr>
+            <p:ph type="title"/>
+          </p:nvPr>
+        </p:nvSpPr>
+        <p:spPr>
+          <a:xfrm>
+            <a:off x="2383396" y="75401"/>
+            <a:ext cx="9603275" cy="1049235"/>
+          </a:xfrm>
+        </p:spPr>
+        <p:txBody>
+          <a:bodyPr/>
+          <a:lstStyle/>
+          <a:p>
+            <a:pPr algn="r" rtl="1"/>
+            <a:r>
+              <a:rPr lang="he-IL" dirty="0"/>
+              <a:t>אופטימיזציה ב</a:t>
+            </a:r>
+            <a:r>
+              <a:rPr lang="en-US" dirty="0"/>
+              <a:t>CPP</a:t>
+            </a:r>
+            <a:endParaRPr lang="en-001" dirty="0"/>
+          </a:p>
+        </p:txBody>
+      </p:sp>
+      <p:sp>
+        <p:nvSpPr>
+          <p:cNvPr id="5" name="TextBox 4">
+            <a:extLst>
+              <a:ext uri="{FF2B5EF4-FFF2-40B4-BE49-F238E27FC236}">
+                <a16:creationId xmlns:a16="http://schemas.microsoft.com/office/drawing/2014/main" id="{BE15509E-C587-4FCB-A7ED-53E8818C7D42}"/>
+              </a:ext>
+            </a:extLst>
+          </p:cNvPr>
+          <p:cNvSpPr txBox="1"/>
+          <p:nvPr/>
+        </p:nvSpPr>
+        <p:spPr>
+          <a:xfrm>
+            <a:off x="7111013" y="1935331"/>
+            <a:ext cx="4705165" cy="1754326"/>
+          </a:xfrm>
+          <a:prstGeom prst="rect">
+            <a:avLst/>
+          </a:prstGeom>
+          <a:noFill/>
+        </p:spPr>
+        <p:txBody>
+          <a:bodyPr wrap="square" rtlCol="0">
+            <a:spAutoFit/>
+          </a:bodyPr>
+          <a:lstStyle/>
+          <a:p>
+            <a:pPr marL="285750" indent="-285750" algn="r" rtl="1">
+              <a:buFont typeface="Arial" panose="020B0604020202020204" pitchFamily="34" charset="0"/>
+              <a:buChar char="•"/>
+            </a:pPr>
+            <a:r>
+              <a:rPr lang="he-IL" dirty="0"/>
+              <a:t>ממומשת מחלקת עזר בשם </a:t>
+            </a:r>
+            <a:r>
+              <a:rPr lang="en-US" dirty="0"/>
+              <a:t>Point</a:t>
+            </a:r>
+            <a:r>
+              <a:rPr lang="he-IL" dirty="0"/>
+              <a:t>, שהיא מחזיקה את המידע עבור כל נקודה, ובעזרתה מבצעים את כל פעולות החישוב באלגוריתם.</a:t>
+            </a:r>
+          </a:p>
+          <a:p>
+            <a:pPr marL="285750" indent="-285750" algn="r" rtl="1">
+              <a:buFont typeface="Arial" panose="020B0604020202020204" pitchFamily="34" charset="0"/>
+              <a:buChar char="•"/>
+            </a:pPr>
+            <a:r>
+              <a:rPr lang="he-IL" dirty="0"/>
+              <a:t>במחלקה זאת השתמשנו </a:t>
+            </a:r>
+            <a:r>
+              <a:rPr lang="he-IL" dirty="0" err="1"/>
+              <a:t>באופטימזציות</a:t>
+            </a:r>
+            <a:r>
+              <a:rPr lang="he-IL" dirty="0"/>
+              <a:t> רבות, כגון: </a:t>
+            </a:r>
+            <a:r>
+              <a:rPr lang="en-US" dirty="0"/>
+              <a:t>move constructor, move assignment</a:t>
+            </a:r>
+            <a:r>
+              <a:rPr lang="he-IL" dirty="0"/>
+              <a:t>, קבלת פרמטרים </a:t>
+            </a:r>
+            <a:r>
+              <a:rPr lang="he-IL" dirty="0" err="1"/>
+              <a:t>כרפרנס</a:t>
+            </a:r>
+            <a:r>
+              <a:rPr lang="he-IL" dirty="0"/>
+              <a:t>, ו </a:t>
+            </a:r>
+            <a:r>
+              <a:rPr lang="en-US" dirty="0"/>
+              <a:t>inline methods</a:t>
+            </a:r>
+            <a:r>
+              <a:rPr lang="he-IL" dirty="0"/>
+              <a:t>.</a:t>
+            </a:r>
+            <a:endParaRPr lang="en-001" dirty="0"/>
+          </a:p>
+        </p:txBody>
+      </p:sp>
+      <p:pic>
+        <p:nvPicPr>
+          <p:cNvPr id="7" name="תמונה 6">
+            <a:extLst>
+              <a:ext uri="{FF2B5EF4-FFF2-40B4-BE49-F238E27FC236}">
+                <a16:creationId xmlns:a16="http://schemas.microsoft.com/office/drawing/2014/main" id="{B78AB13F-FDDB-4A04-845B-87702F086859}"/>
+              </a:ext>
+            </a:extLst>
+          </p:cNvPr>
+          <p:cNvPicPr>
+            <a:picLocks noChangeAspect="1"/>
+          </p:cNvPicPr>
+          <p:nvPr/>
+        </p:nvPicPr>
+        <p:blipFill>
+          <a:blip r:embed="rId2"/>
+          <a:stretch>
+            <a:fillRect/>
+          </a:stretch>
+        </p:blipFill>
+        <p:spPr>
+          <a:xfrm>
+            <a:off x="0" y="1543050"/>
+            <a:ext cx="7301883" cy="4671318"/>
+          </a:xfrm>
+          <a:prstGeom prst="rect">
+            <a:avLst/>
+          </a:prstGeom>
+        </p:spPr>
+      </p:pic>
+    </p:spTree>
+    <p:extLst>
+      <p:ext uri="{BB962C8B-B14F-4D97-AF65-F5344CB8AC3E}">
+        <p14:creationId xmlns:p14="http://schemas.microsoft.com/office/powerpoint/2010/main" val="3924224929"/>
+      </p:ext>
+    </p:extLst>
+  </p:cSld>
+  <p:clrMapOvr>
+    <a:masterClrMapping/>
+  </p:clrMapOvr>
+  <mc:AlternateContent xmlns:mc="http://schemas.openxmlformats.org/markup-compatibility/2006" xmlns:p14="http://schemas.microsoft.com/office/powerpoint/2010/main">
+    <mc:Choice Requires="p14">
+      <p:transition spd="med" p14:dur="700">
+        <p:fade/>
+      </p:transition>
+    </mc:Choice>
+    <mc:Fallback xmlns="">
+      <p:transition spd="med">
+        <p:fade/>
+      </p:transition>
+    </mc:Fallback>
+  </mc:AlternateContent>
+</p:sld>
+</file>
+
+<file path=ppt/slides/slide21.xml><?xml version="1.0" encoding="utf-8"?>
+<p:sld xmlns:a="http://schemas.openxmlformats.org/drawingml/2006/main" xmlns:r="http://schemas.openxmlformats.org/officeDocument/2006/relationships" xmlns:p="http://schemas.openxmlformats.org/presentationml/2006/main">
+  <p:cSld>
+    <p:spTree>
+      <p:nvGrpSpPr>
+        <p:cNvPr id="1" name=""/>
+        <p:cNvGrpSpPr/>
+        <p:nvPr/>
+      </p:nvGrpSpPr>
+      <p:grpSpPr>
+        <a:xfrm>
+          <a:off x="0" y="0"/>
+          <a:ext cx="0" cy="0"/>
+          <a:chOff x="0" y="0"/>
+          <a:chExt cx="0" cy="0"/>
+        </a:xfrm>
+      </p:grpSpPr>
+      <p:sp>
+        <p:nvSpPr>
+          <p:cNvPr id="2" name="כותרת 1">
+            <a:extLst>
+              <a:ext uri="{FF2B5EF4-FFF2-40B4-BE49-F238E27FC236}">
+                <a16:creationId xmlns:a16="http://schemas.microsoft.com/office/drawing/2014/main" id="{1D1749DF-13F8-4DE6-9188-6DA00BE2FEE9}"/>
+              </a:ext>
+            </a:extLst>
+          </p:cNvPr>
+          <p:cNvSpPr>
+            <a:spLocks noGrp="1"/>
+          </p:cNvSpPr>
+          <p:nvPr>
+            <p:ph type="title"/>
+          </p:nvPr>
+        </p:nvSpPr>
+        <p:spPr>
+          <a:xfrm>
+            <a:off x="2383396" y="75401"/>
+            <a:ext cx="9603275" cy="1049235"/>
+          </a:xfrm>
+        </p:spPr>
+        <p:txBody>
+          <a:bodyPr/>
+          <a:lstStyle/>
+          <a:p>
+            <a:pPr algn="r" rtl="1"/>
+            <a:r>
+              <a:rPr lang="he-IL" dirty="0"/>
+              <a:t>אופטימיזציה </a:t>
+            </a:r>
+            <a:r>
+              <a:rPr lang="he-IL" dirty="0" err="1"/>
+              <a:t>בפייתון</a:t>
+            </a:r>
+            <a:endParaRPr lang="en-001" dirty="0"/>
+          </a:p>
+        </p:txBody>
+      </p:sp>
+      <p:pic>
+        <p:nvPicPr>
+          <p:cNvPr id="8" name="תמונה 7"/>
+          <p:cNvPicPr>
+            <a:picLocks noChangeAspect="1"/>
+          </p:cNvPicPr>
+          <p:nvPr/>
+        </p:nvPicPr>
+        <p:blipFill>
+          <a:blip r:embed="rId2"/>
+          <a:stretch>
+            <a:fillRect/>
+          </a:stretch>
+        </p:blipFill>
+        <p:spPr>
+          <a:xfrm>
+            <a:off x="956038" y="841755"/>
+            <a:ext cx="9391650" cy="4829175"/>
+          </a:xfrm>
+          <a:prstGeom prst="rect">
+            <a:avLst/>
+          </a:prstGeom>
+        </p:spPr>
+      </p:pic>
+      <p:sp>
+        <p:nvSpPr>
+          <p:cNvPr id="3" name="מלבן 2"/>
+          <p:cNvSpPr/>
+          <p:nvPr/>
+        </p:nvSpPr>
+        <p:spPr>
+          <a:xfrm>
+            <a:off x="1515291" y="3756030"/>
+            <a:ext cx="4789715" cy="1042393"/>
+          </a:xfrm>
+          <a:prstGeom prst="rect">
+            <a:avLst/>
+          </a:prstGeom>
+          <a:solidFill>
+            <a:srgbClr val="FFFF00">
+              <a:alpha val="13000"/>
+            </a:srgbClr>
+          </a:solidFill>
+          <a:ln>
+            <a:solidFill>
+              <a:srgbClr val="FFFF00"/>
+            </a:solidFill>
+          </a:ln>
+        </p:spPr>
+        <p:style>
+          <a:lnRef idx="2">
+            <a:schemeClr val="accent1">
+              <a:shade val="50000"/>
+            </a:schemeClr>
+          </a:lnRef>
+          <a:fillRef idx="1">
+            <a:schemeClr val="accent1"/>
+          </a:fillRef>
+          <a:effectRef idx="0">
+            <a:schemeClr val="accent1"/>
+          </a:effectRef>
+          <a:fontRef idx="minor">
+            <a:schemeClr val="lt1"/>
+          </a:fontRef>
+        </p:style>
+        <p:txBody>
+          <a:bodyPr rtlCol="1" anchor="ctr"/>
+          <a:lstStyle/>
+          <a:p>
+            <a:pPr algn="ctr"/>
+            <a:endParaRPr lang="he-IL"/>
+          </a:p>
+        </p:txBody>
+      </p:sp>
+    </p:spTree>
+    <p:extLst>
+      <p:ext uri="{BB962C8B-B14F-4D97-AF65-F5344CB8AC3E}">
+        <p14:creationId xmlns:p14="http://schemas.microsoft.com/office/powerpoint/2010/main" val="3857993786"/>
+      </p:ext>
+    </p:extLst>
+  </p:cSld>
+  <p:clrMapOvr>
+    <a:masterClrMapping/>
+  </p:clrMapOvr>
+  <mc:AlternateContent xmlns:mc="http://schemas.openxmlformats.org/markup-compatibility/2006" xmlns:p14="http://schemas.microsoft.com/office/powerpoint/2010/main">
+    <mc:Choice Requires="p14">
+      <p:transition spd="med" p14:dur="700">
+        <p:fade/>
+      </p:transition>
+    </mc:Choice>
+    <mc:Fallback xmlns="">
+      <p:transition spd="med">
+        <p:fade/>
+      </p:transition>
+    </mc:Fallback>
+  </mc:AlternateContent>
+</p:sld>
+</file>
+
+<file path=ppt/slides/slide22.xml><?xml version="1.0" encoding="utf-8"?>
+<p:sld xmlns:a="http://schemas.openxmlformats.org/drawingml/2006/main" xmlns:r="http://schemas.openxmlformats.org/officeDocument/2006/relationships" xmlns:p="http://schemas.openxmlformats.org/presentationml/2006/main">
+  <p:cSld>
+    <p:spTree>
+      <p:nvGrpSpPr>
+        <p:cNvPr id="1" name=""/>
+        <p:cNvGrpSpPr/>
+        <p:nvPr/>
+      </p:nvGrpSpPr>
+      <p:grpSpPr>
+        <a:xfrm>
+          <a:off x="0" y="0"/>
+          <a:ext cx="0" cy="0"/>
+          <a:chOff x="0" y="0"/>
+          <a:chExt cx="0" cy="0"/>
+        </a:xfrm>
+      </p:grpSpPr>
+      <p:pic>
+        <p:nvPicPr>
+          <p:cNvPr id="9" name="תמונה 8"/>
+          <p:cNvPicPr>
+            <a:picLocks noChangeAspect="1"/>
+          </p:cNvPicPr>
+          <p:nvPr/>
+        </p:nvPicPr>
+        <p:blipFill>
+          <a:blip r:embed="rId2"/>
+          <a:stretch>
+            <a:fillRect/>
+          </a:stretch>
+        </p:blipFill>
+        <p:spPr>
+          <a:xfrm>
+            <a:off x="1114425" y="1838325"/>
+            <a:ext cx="9963150" cy="3181350"/>
+          </a:xfrm>
+          <a:prstGeom prst="rect">
+            <a:avLst/>
+          </a:prstGeom>
+        </p:spPr>
+      </p:pic>
+      <p:sp>
+        <p:nvSpPr>
+          <p:cNvPr id="2" name="כותרת 1">
+            <a:extLst>
+              <a:ext uri="{FF2B5EF4-FFF2-40B4-BE49-F238E27FC236}">
+                <a16:creationId xmlns:a16="http://schemas.microsoft.com/office/drawing/2014/main" id="{1D1749DF-13F8-4DE6-9188-6DA00BE2FEE9}"/>
+              </a:ext>
+            </a:extLst>
+          </p:cNvPr>
+          <p:cNvSpPr>
+            <a:spLocks noGrp="1"/>
+          </p:cNvSpPr>
+          <p:nvPr>
+            <p:ph type="title"/>
+          </p:nvPr>
+        </p:nvSpPr>
+        <p:spPr>
+          <a:xfrm>
+            <a:off x="2383396" y="75401"/>
+            <a:ext cx="9603275" cy="1049235"/>
+          </a:xfrm>
+        </p:spPr>
+        <p:txBody>
+          <a:bodyPr/>
+          <a:lstStyle/>
+          <a:p>
+            <a:pPr algn="r" rtl="1"/>
+            <a:r>
+              <a:rPr lang="he-IL" dirty="0"/>
+              <a:t>אופטימיזציה </a:t>
+            </a:r>
+            <a:r>
+              <a:rPr lang="he-IL" dirty="0" err="1"/>
+              <a:t>בפייתון</a:t>
+            </a:r>
+            <a:endParaRPr lang="en-001" dirty="0"/>
+          </a:p>
+        </p:txBody>
+      </p:sp>
+      <p:sp>
+        <p:nvSpPr>
+          <p:cNvPr id="7" name="מלבן 6"/>
+          <p:cNvSpPr/>
+          <p:nvPr/>
+        </p:nvSpPr>
+        <p:spPr>
+          <a:xfrm>
+            <a:off x="1493358" y="3735977"/>
+            <a:ext cx="9444608" cy="1010817"/>
+          </a:xfrm>
+          <a:prstGeom prst="rect">
+            <a:avLst/>
+          </a:prstGeom>
+          <a:solidFill>
+            <a:srgbClr val="FFFF00">
+              <a:alpha val="13000"/>
+            </a:srgbClr>
+          </a:solidFill>
+          <a:ln>
+            <a:solidFill>
+              <a:srgbClr val="FFFF00"/>
+            </a:solidFill>
+          </a:ln>
+        </p:spPr>
+        <p:style>
+          <a:lnRef idx="2">
+            <a:schemeClr val="accent1">
+              <a:shade val="50000"/>
+            </a:schemeClr>
+          </a:lnRef>
+          <a:fillRef idx="1">
+            <a:schemeClr val="accent1"/>
+          </a:fillRef>
+          <a:effectRef idx="0">
+            <a:schemeClr val="accent1"/>
+          </a:effectRef>
+          <a:fontRef idx="minor">
+            <a:schemeClr val="lt1"/>
+          </a:fontRef>
+        </p:style>
+        <p:txBody>
+          <a:bodyPr rtlCol="1" anchor="ctr"/>
+          <a:lstStyle/>
+          <a:p>
+            <a:pPr algn="ctr"/>
+            <a:endParaRPr lang="he-IL"/>
+          </a:p>
+        </p:txBody>
+      </p:sp>
+      <p:sp>
+        <p:nvSpPr>
+          <p:cNvPr id="10" name="TextBox 9"/>
+          <p:cNvSpPr txBox="1"/>
+          <p:nvPr/>
+        </p:nvSpPr>
+        <p:spPr>
+          <a:xfrm>
+            <a:off x="2517868" y="783225"/>
+            <a:ext cx="7395587" cy="923330"/>
+          </a:xfrm>
+          <a:prstGeom prst="rect">
+            <a:avLst/>
+          </a:prstGeom>
+          <a:noFill/>
+        </p:spPr>
+        <p:txBody>
+          <a:bodyPr wrap="square" rtlCol="1">
+            <a:spAutoFit/>
+          </a:bodyPr>
+          <a:lstStyle/>
+          <a:p>
+            <a:pPr algn="r" rtl="1"/>
+            <a:r>
+              <a:rPr lang="he-IL" dirty="0"/>
+              <a:t>במקום לולאת ה-</a:t>
+            </a:r>
+            <a:r>
+              <a:rPr lang="en-US" dirty="0"/>
+              <a:t>for</a:t>
+            </a:r>
+            <a:r>
+              <a:rPr lang="he-IL" dirty="0"/>
+              <a:t> </a:t>
+            </a:r>
+            <a:r>
+              <a:rPr lang="he-IL" dirty="0" err="1"/>
+              <a:t>שסוכמת</a:t>
+            </a:r>
+            <a:r>
+              <a:rPr lang="he-IL" dirty="0"/>
+              <a:t> את המכנה השתמשנו בכפל וקטורים. בשביל לחשב את המכנה היינו צריכים סכום של כל המכפלות, יצרנו וקטור של המרחק </a:t>
+            </a:r>
+            <a:r>
+              <a:rPr lang="he-IL" dirty="0" err="1"/>
+              <a:t>האולקלידי</a:t>
+            </a:r>
+            <a:r>
+              <a:rPr lang="he-IL" dirty="0"/>
+              <a:t> </a:t>
+            </a:r>
+            <a:r>
+              <a:rPr lang="he-IL" dirty="0" err="1"/>
+              <a:t>וסכמנו</a:t>
+            </a:r>
+            <a:r>
+              <a:rPr lang="he-IL" dirty="0"/>
+              <a:t> את איבריו ע"י כפל </a:t>
+            </a:r>
+            <a:r>
+              <a:rPr lang="he-IL" dirty="0" err="1"/>
+              <a:t>בוקטור</a:t>
+            </a:r>
+            <a:r>
+              <a:rPr lang="he-IL" dirty="0"/>
+              <a:t> עמודה של 1-ים.</a:t>
+            </a:r>
+          </a:p>
+        </p:txBody>
+      </p:sp>
+    </p:spTree>
+    <p:extLst>
+      <p:ext uri="{BB962C8B-B14F-4D97-AF65-F5344CB8AC3E}">
+        <p14:creationId xmlns:p14="http://schemas.microsoft.com/office/powerpoint/2010/main" val="3222851899"/>
+      </p:ext>
+    </p:extLst>
+  </p:cSld>
+  <p:clrMapOvr>
+    <a:masterClrMapping/>
+  </p:clrMapOvr>
+  <mc:AlternateContent xmlns:mc="http://schemas.openxmlformats.org/markup-compatibility/2006" xmlns:p14="http://schemas.microsoft.com/office/powerpoint/2010/main">
+    <mc:Choice Requires="p14">
+      <p:transition spd="med" p14:dur="700">
+        <p:fade/>
+      </p:transition>
+    </mc:Choice>
+    <mc:Fallback xmlns="">
+      <p:transition spd="med">
+        <p:fade/>
+      </p:transition>
+    </mc:Fallback>
+  </mc:AlternateContent>
+</p:sld>
+</file>
+
+<file path=ppt/slides/slide23.xml><?xml version="1.0" encoding="utf-8"?>
+<p:sld xmlns:a="http://schemas.openxmlformats.org/drawingml/2006/main" xmlns:r="http://schemas.openxmlformats.org/officeDocument/2006/relationships" xmlns:p="http://schemas.openxmlformats.org/presentationml/2006/main">
+  <p:cSld>
+    <p:spTree>
+      <p:nvGrpSpPr>
+        <p:cNvPr id="1" name=""/>
+        <p:cNvGrpSpPr/>
+        <p:nvPr/>
+      </p:nvGrpSpPr>
+      <p:grpSpPr>
+        <a:xfrm>
+          <a:off x="0" y="0"/>
+          <a:ext cx="0" cy="0"/>
+          <a:chOff x="0" y="0"/>
+          <a:chExt cx="0" cy="0"/>
+        </a:xfrm>
+      </p:grpSpPr>
+      <p:sp>
+        <p:nvSpPr>
+          <p:cNvPr id="5" name="כותרת 1">
+            <a:extLst>
+              <a:ext uri="{FF2B5EF4-FFF2-40B4-BE49-F238E27FC236}">
+                <a16:creationId xmlns:a16="http://schemas.microsoft.com/office/drawing/2014/main" id="{1D1749DF-13F8-4DE6-9188-6DA00BE2FEE9}"/>
+              </a:ext>
+            </a:extLst>
+          </p:cNvPr>
+          <p:cNvSpPr>
+            <a:spLocks noGrp="1"/>
+          </p:cNvSpPr>
+          <p:nvPr>
+            <p:ph type="title"/>
+          </p:nvPr>
+        </p:nvSpPr>
+        <p:spPr>
+          <a:xfrm>
+            <a:off x="2383396" y="75401"/>
+            <a:ext cx="9603275" cy="1049235"/>
+          </a:xfrm>
+        </p:spPr>
+        <p:txBody>
+          <a:bodyPr/>
+          <a:lstStyle/>
+          <a:p>
+            <a:pPr algn="r" rtl="1"/>
+            <a:r>
+              <a:rPr lang="he-IL" dirty="0"/>
+              <a:t>השוואת זמני ריצה</a:t>
+            </a:r>
+            <a:endParaRPr lang="en-001" dirty="0"/>
+          </a:p>
+        </p:txBody>
+      </p:sp>
+      <p:sp>
+        <p:nvSpPr>
+          <p:cNvPr id="7" name="מציין מיקום תוכן 2">
+            <a:extLst>
+              <a:ext uri="{FF2B5EF4-FFF2-40B4-BE49-F238E27FC236}">
+                <a16:creationId xmlns:a16="http://schemas.microsoft.com/office/drawing/2014/main" id="{B4DA7A11-4F5C-4432-BC66-FD61A640A278}"/>
+              </a:ext>
+            </a:extLst>
+          </p:cNvPr>
+          <p:cNvSpPr>
+            <a:spLocks noGrp="1"/>
+          </p:cNvSpPr>
+          <p:nvPr>
+            <p:ph idx="1"/>
+          </p:nvPr>
+        </p:nvSpPr>
+        <p:spPr>
+          <a:xfrm>
+            <a:off x="1297577" y="1844456"/>
+            <a:ext cx="10689094" cy="4044533"/>
+          </a:xfrm>
+        </p:spPr>
+        <p:txBody>
+          <a:bodyPr>
+            <a:normAutofit/>
+          </a:bodyPr>
+          <a:lstStyle/>
+          <a:p>
+            <a:pPr marL="0" indent="0" algn="r" rtl="1">
+              <a:buNone/>
+            </a:pPr>
+            <a:r>
+              <a:rPr lang="he-IL" sz="3600" dirty="0"/>
+              <a:t>הרצנו את 2 הגרסאות עם 1000 אשכולות.</a:t>
+            </a:r>
+          </a:p>
+          <a:p>
+            <a:pPr marL="0" indent="0" algn="r" rtl="1">
+              <a:buNone/>
+            </a:pPr>
+            <a:r>
+              <a:rPr lang="he-IL" sz="3200" dirty="0"/>
+              <a:t>זמן ריצה בגרסה המקורית - </a:t>
+            </a:r>
+            <a:r>
+              <a:rPr lang="en-US" sz="3200" dirty="0"/>
+              <a:t>290.2846562862396 seconds</a:t>
+            </a:r>
+            <a:endParaRPr lang="he-IL" sz="3200" dirty="0"/>
+          </a:p>
+          <a:p>
+            <a:pPr marL="0" indent="0" algn="r" rtl="1">
+              <a:buNone/>
+            </a:pPr>
+            <a:r>
+              <a:rPr lang="he-IL" sz="3200" dirty="0"/>
+              <a:t>זמן ריצה בגרסה שלנו– </a:t>
+            </a:r>
+            <a:r>
+              <a:rPr lang="en-US" sz="3200" dirty="0"/>
+              <a:t>118.68494081497192</a:t>
+            </a:r>
+            <a:endParaRPr lang="he-IL" sz="3200" dirty="0"/>
+          </a:p>
+          <a:p>
+            <a:pPr marL="0" indent="0" algn="r" rtl="1">
+              <a:buNone/>
+            </a:pPr>
+            <a:endParaRPr lang="he-IL" sz="3200" dirty="0"/>
+          </a:p>
+        </p:txBody>
+      </p:sp>
+      <p:pic>
+        <p:nvPicPr>
+          <p:cNvPr id="6" name="תמונה 5"/>
+          <p:cNvPicPr>
+            <a:picLocks noChangeAspect="1"/>
+          </p:cNvPicPr>
+          <p:nvPr/>
+        </p:nvPicPr>
+        <p:blipFill>
+          <a:blip r:embed="rId2"/>
+          <a:stretch>
+            <a:fillRect/>
+          </a:stretch>
+        </p:blipFill>
+        <p:spPr>
+          <a:xfrm>
+            <a:off x="6154377" y="4877674"/>
+            <a:ext cx="5832294" cy="1813192"/>
+          </a:xfrm>
+          <a:prstGeom prst="rect">
+            <a:avLst/>
+          </a:prstGeom>
+        </p:spPr>
+      </p:pic>
+      <p:pic>
+        <p:nvPicPr>
+          <p:cNvPr id="10" name="תמונה 9"/>
+          <p:cNvPicPr>
+            <a:picLocks noChangeAspect="1"/>
+          </p:cNvPicPr>
+          <p:nvPr/>
+        </p:nvPicPr>
+        <p:blipFill>
+          <a:blip r:embed="rId3"/>
+          <a:stretch>
+            <a:fillRect/>
+          </a:stretch>
+        </p:blipFill>
+        <p:spPr>
+          <a:xfrm>
+            <a:off x="0" y="4851187"/>
+            <a:ext cx="6061166" cy="1839679"/>
+          </a:xfrm>
+          <a:prstGeom prst="rect">
+            <a:avLst/>
+          </a:prstGeom>
+        </p:spPr>
+      </p:pic>
+    </p:spTree>
+    <p:extLst>
+      <p:ext uri="{BB962C8B-B14F-4D97-AF65-F5344CB8AC3E}">
+        <p14:creationId xmlns:p14="http://schemas.microsoft.com/office/powerpoint/2010/main" val="1758521502"/>
+      </p:ext>
+    </p:extLst>
+  </p:cSld>
+  <p:clrMapOvr>
+    <a:masterClrMapping/>
+  </p:clrMapOvr>
+  <mc:AlternateContent xmlns:mc="http://schemas.openxmlformats.org/markup-compatibility/2006" xmlns:p14="http://schemas.microsoft.com/office/powerpoint/2010/main">
+    <mc:Choice Requires="p14">
+      <p:transition spd="med" p14:dur="700">
+        <p:fade/>
+      </p:transition>
+    </mc:Choice>
+    <mc:Fallback xmlns="">
+      <p:transition spd="med">
+        <p:fade/>
+      </p:transition>
+    </mc:Fallback>
+  </mc:AlternateContent>
+</p:sld>
+</file>
+
+<file path=ppt/slides/slide24.xml><?xml version="1.0" encoding="utf-8"?>
+<p:sld xmlns:a="http://schemas.openxmlformats.org/drawingml/2006/main" xmlns:r="http://schemas.openxmlformats.org/officeDocument/2006/relationships" xmlns:p="http://schemas.openxmlformats.org/presentationml/2006/main">
+  <p:cSld>
+    <p:spTree>
+      <p:nvGrpSpPr>
+        <p:cNvPr id="1" name=""/>
+        <p:cNvGrpSpPr/>
+        <p:nvPr/>
+      </p:nvGrpSpPr>
+      <p:grpSpPr>
+        <a:xfrm>
+          <a:off x="0" y="0"/>
+          <a:ext cx="0" cy="0"/>
+          <a:chOff x="0" y="0"/>
+          <a:chExt cx="0" cy="0"/>
+        </a:xfrm>
+      </p:grpSpPr>
+      <p:sp>
+        <p:nvSpPr>
+          <p:cNvPr id="2" name="כותרת 1">
+            <a:extLst>
+              <a:ext uri="{FF2B5EF4-FFF2-40B4-BE49-F238E27FC236}">
+                <a16:creationId xmlns:a16="http://schemas.microsoft.com/office/drawing/2014/main" id="{1D1749DF-13F8-4DE6-9188-6DA00BE2FEE9}"/>
+              </a:ext>
+            </a:extLst>
+          </p:cNvPr>
+          <p:cNvSpPr>
+            <a:spLocks noGrp="1"/>
+          </p:cNvSpPr>
+          <p:nvPr>
+            <p:ph type="title"/>
+          </p:nvPr>
+        </p:nvSpPr>
+        <p:spPr>
+          <a:xfrm>
+            <a:off x="2383396" y="75401"/>
+            <a:ext cx="9603275" cy="1049235"/>
+          </a:xfrm>
+        </p:spPr>
+        <p:txBody>
+          <a:bodyPr/>
+          <a:lstStyle/>
+          <a:p>
+            <a:pPr algn="r" rtl="1"/>
+            <a:r>
+              <a:rPr lang="he-IL" dirty="0"/>
+              <a:t>אופטימיזציה </a:t>
+            </a:r>
+            <a:r>
+              <a:rPr lang="he-IL" dirty="0" err="1"/>
+              <a:t>במטלב</a:t>
+            </a:r>
+            <a:endParaRPr lang="en-001" dirty="0"/>
+          </a:p>
+        </p:txBody>
+      </p:sp>
+      <p:sp>
+        <p:nvSpPr>
+          <p:cNvPr id="7" name="מלבן 6"/>
+          <p:cNvSpPr/>
+          <p:nvPr/>
+        </p:nvSpPr>
+        <p:spPr>
+          <a:xfrm>
+            <a:off x="1493358" y="2146853"/>
+            <a:ext cx="9368124" cy="2599942"/>
+          </a:xfrm>
+          <a:prstGeom prst="rect">
+            <a:avLst/>
+          </a:prstGeom>
+          <a:solidFill>
+            <a:srgbClr val="FFFF00">
+              <a:alpha val="13000"/>
+            </a:srgbClr>
+          </a:solidFill>
+          <a:ln>
+            <a:solidFill>
+              <a:srgbClr val="FFFF00"/>
+            </a:solidFill>
+          </a:ln>
+        </p:spPr>
+        <p:style>
+          <a:lnRef idx="2">
+            <a:schemeClr val="accent1">
+              <a:shade val="50000"/>
+            </a:schemeClr>
+          </a:lnRef>
+          <a:fillRef idx="1">
+            <a:schemeClr val="accent1"/>
+          </a:fillRef>
+          <a:effectRef idx="0">
+            <a:schemeClr val="accent1"/>
+          </a:effectRef>
+          <a:fontRef idx="minor">
+            <a:schemeClr val="lt1"/>
+          </a:fontRef>
+        </p:style>
+        <p:txBody>
+          <a:bodyPr rtlCol="1" anchor="ctr"/>
+          <a:lstStyle/>
+          <a:p>
+            <a:pPr algn="ctr"/>
+            <a:endParaRPr lang="he-IL"/>
+          </a:p>
+        </p:txBody>
+      </p:sp>
+      <p:sp>
+        <p:nvSpPr>
+          <p:cNvPr id="10" name="TextBox 9"/>
+          <p:cNvSpPr txBox="1"/>
+          <p:nvPr/>
+        </p:nvSpPr>
+        <p:spPr>
+          <a:xfrm>
+            <a:off x="2517868" y="783225"/>
+            <a:ext cx="7395587" cy="646331"/>
+          </a:xfrm>
+          <a:prstGeom prst="rect">
+            <a:avLst/>
+          </a:prstGeom>
+          <a:noFill/>
+        </p:spPr>
+        <p:txBody>
+          <a:bodyPr wrap="square" rtlCol="1">
+            <a:spAutoFit/>
+          </a:bodyPr>
+          <a:lstStyle/>
+          <a:p>
+            <a:pPr algn="r" rtl="1"/>
+            <a:r>
+              <a:rPr lang="he-IL" dirty="0"/>
+              <a:t>שימוש ב</a:t>
+            </a:r>
+            <a:r>
+              <a:rPr lang="en-US" dirty="0"/>
+              <a:t>element wise</a:t>
+            </a:r>
+            <a:r>
+              <a:rPr lang="he-IL" dirty="0"/>
+              <a:t> בחישוב המרחק </a:t>
+            </a:r>
+            <a:r>
+              <a:rPr lang="he-IL" dirty="0" err="1"/>
+              <a:t>האוקלידי</a:t>
+            </a:r>
+            <a:r>
+              <a:rPr lang="he-IL" dirty="0"/>
+              <a:t> בין 2 וקטורים במקום מעבר בלולאה מקוננת על איברי המטריצה ועדכון הערכים.</a:t>
+            </a:r>
+          </a:p>
+        </p:txBody>
+      </p:sp>
+      <p:pic>
+        <p:nvPicPr>
+          <p:cNvPr id="3" name="Picture 2">
+            <a:extLst>
+              <a:ext uri="{FF2B5EF4-FFF2-40B4-BE49-F238E27FC236}">
+                <a16:creationId xmlns:a16="http://schemas.microsoft.com/office/drawing/2014/main" id="{48730803-E858-4D5D-8596-9E64DCEA1AAC}"/>
+              </a:ext>
+            </a:extLst>
+          </p:cNvPr>
+          <p:cNvPicPr>
+            <a:picLocks noChangeAspect="1"/>
+          </p:cNvPicPr>
+          <p:nvPr/>
+        </p:nvPicPr>
+        <p:blipFill>
+          <a:blip r:embed="rId2"/>
+          <a:stretch>
+            <a:fillRect/>
+          </a:stretch>
+        </p:blipFill>
+        <p:spPr>
+          <a:xfrm>
+            <a:off x="2990850" y="2400300"/>
+            <a:ext cx="6210300" cy="2057400"/>
+          </a:xfrm>
+          <a:prstGeom prst="rect">
+            <a:avLst/>
+          </a:prstGeom>
+        </p:spPr>
+      </p:pic>
+    </p:spTree>
+    <p:extLst>
+      <p:ext uri="{BB962C8B-B14F-4D97-AF65-F5344CB8AC3E}">
+        <p14:creationId xmlns:p14="http://schemas.microsoft.com/office/powerpoint/2010/main" val="2892087723"/>
+      </p:ext>
+    </p:extLst>
+  </p:cSld>
+  <p:clrMapOvr>
+    <a:masterClrMapping/>
+  </p:clrMapOvr>
+  <mc:AlternateContent xmlns:mc="http://schemas.openxmlformats.org/markup-compatibility/2006" xmlns:p14="http://schemas.microsoft.com/office/powerpoint/2010/main">
+    <mc:Choice Requires="p14">
+      <p:transition spd="med" p14:dur="700">
+        <p:fade/>
+      </p:transition>
+    </mc:Choice>
+    <mc:Fallback xmlns="">
+      <p:transition spd="med">
+        <p:fade/>
+      </p:transition>
+    </mc:Fallback>
+  </mc:AlternateContent>
+</p:sld>
+</file>
+
+<file path=ppt/slides/slide25.xml><?xml version="1.0" encoding="utf-8"?>
+<p:sld xmlns:a="http://schemas.openxmlformats.org/drawingml/2006/main" xmlns:r="http://schemas.openxmlformats.org/officeDocument/2006/relationships" xmlns:p="http://schemas.openxmlformats.org/presentationml/2006/main">
+  <p:cSld>
+    <p:spTree>
+      <p:nvGrpSpPr>
+        <p:cNvPr id="1" name=""/>
+        <p:cNvGrpSpPr/>
+        <p:nvPr/>
+      </p:nvGrpSpPr>
+      <p:grpSpPr>
+        <a:xfrm>
+          <a:off x="0" y="0"/>
+          <a:ext cx="0" cy="0"/>
+          <a:chOff x="0" y="0"/>
+          <a:chExt cx="0" cy="0"/>
+        </a:xfrm>
+      </p:grpSpPr>
+      <p:sp>
+        <p:nvSpPr>
+          <p:cNvPr id="2" name="כותרת 1">
+            <a:extLst>
+              <a:ext uri="{FF2B5EF4-FFF2-40B4-BE49-F238E27FC236}">
+                <a16:creationId xmlns:a16="http://schemas.microsoft.com/office/drawing/2014/main" id="{1D1749DF-13F8-4DE6-9188-6DA00BE2FEE9}"/>
+              </a:ext>
+            </a:extLst>
+          </p:cNvPr>
+          <p:cNvSpPr>
+            <a:spLocks noGrp="1"/>
+          </p:cNvSpPr>
+          <p:nvPr>
+            <p:ph type="title"/>
+          </p:nvPr>
+        </p:nvSpPr>
+        <p:spPr>
+          <a:xfrm>
+            <a:off x="2383396" y="75401"/>
+            <a:ext cx="9603275" cy="1049235"/>
+          </a:xfrm>
+        </p:spPr>
+        <p:txBody>
+          <a:bodyPr/>
+          <a:lstStyle/>
+          <a:p>
+            <a:pPr algn="r" rtl="1"/>
+            <a:r>
+              <a:rPr lang="he-IL" dirty="0"/>
+              <a:t>אופטימיזציה </a:t>
+            </a:r>
+            <a:r>
+              <a:rPr lang="he-IL" dirty="0" err="1"/>
+              <a:t>במטלב</a:t>
+            </a:r>
+            <a:endParaRPr lang="en-001" dirty="0"/>
+          </a:p>
+        </p:txBody>
+      </p:sp>
+      <p:sp>
+        <p:nvSpPr>
+          <p:cNvPr id="7" name="מלבן 6"/>
+          <p:cNvSpPr/>
+          <p:nvPr/>
+        </p:nvSpPr>
+        <p:spPr>
+          <a:xfrm>
+            <a:off x="-111318" y="2137380"/>
+            <a:ext cx="12459694" cy="2609415"/>
+          </a:xfrm>
+          <a:prstGeom prst="rect">
+            <a:avLst/>
+          </a:prstGeom>
+          <a:solidFill>
+            <a:srgbClr val="FFFF00">
+              <a:alpha val="13000"/>
+            </a:srgbClr>
+          </a:solidFill>
+          <a:ln>
+            <a:solidFill>
+              <a:srgbClr val="FFFF00"/>
+            </a:solidFill>
+          </a:ln>
+        </p:spPr>
+        <p:style>
+          <a:lnRef idx="2">
+            <a:schemeClr val="accent1">
+              <a:shade val="50000"/>
+            </a:schemeClr>
+          </a:lnRef>
+          <a:fillRef idx="1">
+            <a:schemeClr val="accent1"/>
+          </a:fillRef>
+          <a:effectRef idx="0">
+            <a:schemeClr val="accent1"/>
+          </a:effectRef>
+          <a:fontRef idx="minor">
+            <a:schemeClr val="lt1"/>
+          </a:fontRef>
+        </p:style>
+        <p:txBody>
+          <a:bodyPr rtlCol="1" anchor="ctr"/>
+          <a:lstStyle/>
+          <a:p>
+            <a:pPr algn="ctr"/>
+            <a:endParaRPr lang="he-IL"/>
+          </a:p>
+        </p:txBody>
+      </p:sp>
+      <p:sp>
+        <p:nvSpPr>
+          <p:cNvPr id="10" name="TextBox 9"/>
+          <p:cNvSpPr txBox="1"/>
+          <p:nvPr/>
+        </p:nvSpPr>
+        <p:spPr>
+          <a:xfrm>
+            <a:off x="2517868" y="783225"/>
+            <a:ext cx="7395587" cy="923330"/>
+          </a:xfrm>
+          <a:prstGeom prst="rect">
+            <a:avLst/>
+          </a:prstGeom>
+          <a:noFill/>
+        </p:spPr>
+        <p:txBody>
+          <a:bodyPr wrap="square" rtlCol="1">
+            <a:spAutoFit/>
+          </a:bodyPr>
+          <a:lstStyle/>
+          <a:p>
+            <a:pPr algn="r" rtl="1"/>
+            <a:r>
+              <a:rPr lang="he-IL" dirty="0"/>
+              <a:t>שימוש ב</a:t>
+            </a:r>
+            <a:r>
+              <a:rPr lang="en-US" dirty="0"/>
+              <a:t> </a:t>
+            </a:r>
+            <a:r>
+              <a:rPr lang="en-US" dirty="0" err="1"/>
+              <a:t>repmat</a:t>
+            </a:r>
+            <a:r>
+              <a:rPr lang="he-IL" dirty="0"/>
+              <a:t>בחישוב מרכזי הכובד של האשכולות במקום לולאה בחישוב המונה.</a:t>
+            </a:r>
+          </a:p>
+          <a:p>
+            <a:pPr algn="r" rtl="1"/>
+            <a:endParaRPr lang="he-IL" dirty="0"/>
+          </a:p>
+        </p:txBody>
+      </p:sp>
+      <p:pic>
+        <p:nvPicPr>
+          <p:cNvPr id="4" name="Picture 3">
+            <a:extLst>
+              <a:ext uri="{FF2B5EF4-FFF2-40B4-BE49-F238E27FC236}">
+                <a16:creationId xmlns:a16="http://schemas.microsoft.com/office/drawing/2014/main" id="{6364B743-62B8-4815-A061-1AEF048BE3AD}"/>
+              </a:ext>
+            </a:extLst>
+          </p:cNvPr>
+          <p:cNvPicPr>
+            <a:picLocks noChangeAspect="1"/>
+          </p:cNvPicPr>
+          <p:nvPr/>
+        </p:nvPicPr>
+        <p:blipFill>
+          <a:blip r:embed="rId2"/>
+          <a:stretch>
+            <a:fillRect/>
+          </a:stretch>
+        </p:blipFill>
+        <p:spPr>
+          <a:xfrm>
+            <a:off x="0" y="2441918"/>
+            <a:ext cx="12192000" cy="1974163"/>
+          </a:xfrm>
+          <a:prstGeom prst="rect">
+            <a:avLst/>
+          </a:prstGeom>
+        </p:spPr>
+      </p:pic>
+    </p:spTree>
+    <p:extLst>
+      <p:ext uri="{BB962C8B-B14F-4D97-AF65-F5344CB8AC3E}">
+        <p14:creationId xmlns:p14="http://schemas.microsoft.com/office/powerpoint/2010/main" val="1552159069"/>
+      </p:ext>
+    </p:extLst>
+  </p:cSld>
+  <p:clrMapOvr>
+    <a:masterClrMapping/>
+  </p:clrMapOvr>
+  <mc:AlternateContent xmlns:mc="http://schemas.openxmlformats.org/markup-compatibility/2006" xmlns:p14="http://schemas.microsoft.com/office/powerpoint/2010/main">
+    <mc:Choice Requires="p14">
+      <p:transition spd="med" p14:dur="700">
+        <p:fade/>
+      </p:transition>
+    </mc:Choice>
+    <mc:Fallback xmlns="">
+      <p:transition spd="med">
+        <p:fade/>
+      </p:transition>
+    </mc:Fallback>
+  </mc:AlternateContent>
+</p:sld>
+</file>
+
+<file path=ppt/slides/slide26.xml><?xml version="1.0" encoding="utf-8"?>
+<p:sld xmlns:a="http://schemas.openxmlformats.org/drawingml/2006/main" xmlns:r="http://schemas.openxmlformats.org/officeDocument/2006/relationships" xmlns:p="http://schemas.openxmlformats.org/presentationml/2006/main">
+  <p:cSld>
+    <p:spTree>
+      <p:nvGrpSpPr>
+        <p:cNvPr id="1" name=""/>
+        <p:cNvGrpSpPr/>
+        <p:nvPr/>
+      </p:nvGrpSpPr>
+      <p:grpSpPr>
+        <a:xfrm>
+          <a:off x="0" y="0"/>
+          <a:ext cx="0" cy="0"/>
+          <a:chOff x="0" y="0"/>
+          <a:chExt cx="0" cy="0"/>
+        </a:xfrm>
+      </p:grpSpPr>
+      <p:sp>
+        <p:nvSpPr>
+          <p:cNvPr id="5" name="כותרת 1">
+            <a:extLst>
+              <a:ext uri="{FF2B5EF4-FFF2-40B4-BE49-F238E27FC236}">
+                <a16:creationId xmlns:a16="http://schemas.microsoft.com/office/drawing/2014/main" id="{1D1749DF-13F8-4DE6-9188-6DA00BE2FEE9}"/>
+              </a:ext>
+            </a:extLst>
+          </p:cNvPr>
+          <p:cNvSpPr>
+            <a:spLocks noGrp="1"/>
+          </p:cNvSpPr>
+          <p:nvPr>
+            <p:ph type="title"/>
+          </p:nvPr>
+        </p:nvSpPr>
+        <p:spPr>
+          <a:xfrm>
+            <a:off x="2383396" y="75401"/>
+            <a:ext cx="9603275" cy="1049235"/>
+          </a:xfrm>
+        </p:spPr>
+        <p:txBody>
+          <a:bodyPr/>
+          <a:lstStyle/>
+          <a:p>
+            <a:pPr algn="r" rtl="1"/>
+            <a:r>
+              <a:rPr lang="he-IL" dirty="0"/>
+              <a:t>השוואת זמני ריצה</a:t>
+            </a:r>
+            <a:endParaRPr lang="en-001" dirty="0"/>
+          </a:p>
+        </p:txBody>
+      </p:sp>
+      <p:sp>
+        <p:nvSpPr>
+          <p:cNvPr id="7" name="מציין מיקום תוכן 2">
+            <a:extLst>
+              <a:ext uri="{FF2B5EF4-FFF2-40B4-BE49-F238E27FC236}">
+                <a16:creationId xmlns:a16="http://schemas.microsoft.com/office/drawing/2014/main" id="{B4DA7A11-4F5C-4432-BC66-FD61A640A278}"/>
+              </a:ext>
+            </a:extLst>
+          </p:cNvPr>
+          <p:cNvSpPr>
+            <a:spLocks noGrp="1"/>
+          </p:cNvSpPr>
+          <p:nvPr>
+            <p:ph idx="1"/>
+          </p:nvPr>
+        </p:nvSpPr>
+        <p:spPr>
+          <a:xfrm>
+            <a:off x="1297577" y="1844456"/>
+            <a:ext cx="10689094" cy="4044533"/>
+          </a:xfrm>
+        </p:spPr>
+        <p:txBody>
+          <a:bodyPr>
+            <a:normAutofit/>
+          </a:bodyPr>
+          <a:lstStyle/>
+          <a:p>
+            <a:pPr marL="0" indent="0" algn="r" rtl="1">
+              <a:buNone/>
+            </a:pPr>
+            <a:r>
+              <a:rPr lang="he-IL" sz="3600" dirty="0"/>
+              <a:t>הרצנו את 2 הגרסאות עם </a:t>
+            </a:r>
+            <a:r>
+              <a:rPr lang="en-US" sz="3600" dirty="0"/>
+              <a:t>8</a:t>
+            </a:r>
+            <a:r>
+              <a:rPr lang="he-IL" sz="3600" dirty="0"/>
+              <a:t> אשכולות.</a:t>
+            </a:r>
+          </a:p>
+          <a:p>
+            <a:pPr marL="0" indent="0" algn="r" rtl="1">
+              <a:buNone/>
+            </a:pPr>
+            <a:r>
+              <a:rPr lang="he-IL" sz="3200" dirty="0"/>
+              <a:t>זמן ריצה בגרסה המקורית - </a:t>
+            </a:r>
+            <a:r>
+              <a:rPr lang="en-US" sz="3200" dirty="0"/>
+              <a:t>0.001043 seconds</a:t>
+            </a:r>
+            <a:endParaRPr lang="he-IL" sz="3200" dirty="0"/>
+          </a:p>
+          <a:p>
+            <a:pPr marL="0" indent="0" algn="r" rtl="1">
+              <a:buNone/>
+            </a:pPr>
+            <a:endParaRPr lang="en-US" sz="3200" dirty="0"/>
+          </a:p>
+          <a:p>
+            <a:pPr marL="0" indent="0" algn="r" rtl="1">
+              <a:buNone/>
+            </a:pPr>
+            <a:endParaRPr lang="en-US" sz="3200" dirty="0"/>
+          </a:p>
+          <a:p>
+            <a:pPr marL="0" indent="0" algn="r" rtl="1">
+              <a:buNone/>
+            </a:pPr>
+            <a:r>
+              <a:rPr lang="he-IL" sz="3200" dirty="0"/>
+              <a:t>זמן ריצה בגרסה שלנו</a:t>
+            </a:r>
+            <a:r>
+              <a:rPr lang="en-US" sz="3200" dirty="0"/>
+              <a:t> </a:t>
+            </a:r>
+            <a:r>
+              <a:rPr lang="he-IL" sz="3200" dirty="0"/>
+              <a:t>– </a:t>
+            </a:r>
+            <a:r>
+              <a:rPr lang="en-US" sz="3200" dirty="0"/>
+              <a:t>0.022206 seconds</a:t>
+            </a:r>
+            <a:endParaRPr lang="he-IL" sz="3200" dirty="0"/>
+          </a:p>
+        </p:txBody>
+      </p:sp>
+      <p:pic>
+        <p:nvPicPr>
+          <p:cNvPr id="2" name="Picture 1">
+            <a:extLst>
+              <a:ext uri="{FF2B5EF4-FFF2-40B4-BE49-F238E27FC236}">
+                <a16:creationId xmlns:a16="http://schemas.microsoft.com/office/drawing/2014/main" id="{7784BE24-C1FF-4B9F-B8C0-DD700536F763}"/>
+              </a:ext>
+            </a:extLst>
+          </p:cNvPr>
+          <p:cNvPicPr>
+            <a:picLocks noChangeAspect="1"/>
+          </p:cNvPicPr>
+          <p:nvPr/>
+        </p:nvPicPr>
+        <p:blipFill>
+          <a:blip r:embed="rId2"/>
+          <a:stretch>
+            <a:fillRect/>
+          </a:stretch>
+        </p:blipFill>
+        <p:spPr>
+          <a:xfrm>
+            <a:off x="468396" y="3285002"/>
+            <a:ext cx="4485990" cy="1603862"/>
+          </a:xfrm>
+          <a:prstGeom prst="rect">
+            <a:avLst/>
+          </a:prstGeom>
+        </p:spPr>
+      </p:pic>
+      <p:pic>
+        <p:nvPicPr>
+          <p:cNvPr id="3" name="Picture 2">
+            <a:extLst>
+              <a:ext uri="{FF2B5EF4-FFF2-40B4-BE49-F238E27FC236}">
+                <a16:creationId xmlns:a16="http://schemas.microsoft.com/office/drawing/2014/main" id="{DD2C314A-F116-4502-A578-F48160D10852}"/>
+              </a:ext>
+            </a:extLst>
+          </p:cNvPr>
+          <p:cNvPicPr>
+            <a:picLocks noChangeAspect="1"/>
+          </p:cNvPicPr>
+          <p:nvPr/>
+        </p:nvPicPr>
+        <p:blipFill>
+          <a:blip r:embed="rId3"/>
+          <a:stretch>
+            <a:fillRect/>
+          </a:stretch>
+        </p:blipFill>
+        <p:spPr>
+          <a:xfrm>
+            <a:off x="468396" y="5433408"/>
+            <a:ext cx="10687050" cy="1000125"/>
+          </a:xfrm>
+          <a:prstGeom prst="rect">
+            <a:avLst/>
+          </a:prstGeom>
+        </p:spPr>
+      </p:pic>
+    </p:spTree>
+    <p:extLst>
+      <p:ext uri="{BB962C8B-B14F-4D97-AF65-F5344CB8AC3E}">
+        <p14:creationId xmlns:p14="http://schemas.microsoft.com/office/powerpoint/2010/main" val="2987431480"/>
+      </p:ext>
+    </p:extLst>
+  </p:cSld>
+  <p:clrMapOvr>
+    <a:masterClrMapping/>
+  </p:clrMapOvr>
+  <mc:AlternateContent xmlns:mc="http://schemas.openxmlformats.org/markup-compatibility/2006" xmlns:p14="http://schemas.microsoft.com/office/powerpoint/2010/main">
+    <mc:Choice Requires="p14">
+      <p:transition spd="med" p14:dur="700">
+        <p:fade/>
+      </p:transition>
+    </mc:Choice>
+    <mc:Fallback xmlns="">
+      <p:transition spd="med">
+        <p:fade/>
+      </p:transition>
+    </mc:Fallback>
+  </mc:AlternateContent>
+</p:sld>
+</file>
+
+<file path=ppt/slides/slide27.xml><?xml version="1.0" encoding="utf-8"?>
+<p:sld xmlns:a="http://schemas.openxmlformats.org/drawingml/2006/main" xmlns:r="http://schemas.openxmlformats.org/officeDocument/2006/relationships" xmlns:p="http://schemas.openxmlformats.org/presentationml/2006/main">
+  <p:cSld>
+    <p:spTree>
+      <p:nvGrpSpPr>
+        <p:cNvPr id="1" name=""/>
+        <p:cNvGrpSpPr/>
+        <p:nvPr/>
+      </p:nvGrpSpPr>
+      <p:grpSpPr>
+        <a:xfrm>
+          <a:off x="0" y="0"/>
+          <a:ext cx="0" cy="0"/>
+          <a:chOff x="0" y="0"/>
+          <a:chExt cx="0" cy="0"/>
+        </a:xfrm>
+      </p:grpSpPr>
+      <p:sp>
+        <p:nvSpPr>
+          <p:cNvPr id="2" name="כותרת 1"/>
+          <p:cNvSpPr>
+            <a:spLocks noGrp="1"/>
+          </p:cNvSpPr>
+          <p:nvPr>
+            <p:ph type="title"/>
+          </p:nvPr>
+        </p:nvSpPr>
+        <p:spPr/>
+        <p:txBody>
+          <a:bodyPr/>
+          <a:lstStyle/>
+          <a:p>
+            <a:pPr algn="ctr"/>
+            <a:r>
+              <a:rPr lang="he-IL" dirty="0"/>
+              <a:t>יתרונות וחסרונות של שימוש בכל אחת מהשפות</a:t>
+            </a:r>
+          </a:p>
+        </p:txBody>
+      </p:sp>
+      <p:sp>
+        <p:nvSpPr>
+          <p:cNvPr id="5" name="TextBox 4"/>
+          <p:cNvSpPr txBox="1"/>
+          <p:nvPr/>
+        </p:nvSpPr>
+        <p:spPr>
+          <a:xfrm>
+            <a:off x="2944166" y="2542233"/>
+            <a:ext cx="7395587" cy="1754326"/>
+          </a:xfrm>
+          <a:prstGeom prst="rect">
+            <a:avLst/>
+          </a:prstGeom>
+          <a:noFill/>
+        </p:spPr>
+        <p:txBody>
+          <a:bodyPr wrap="square" rtlCol="1">
+            <a:spAutoFit/>
+          </a:bodyPr>
+          <a:lstStyle/>
+          <a:p>
+            <a:pPr algn="r" rtl="1"/>
+            <a:r>
+              <a:rPr lang="he-IL" dirty="0"/>
+              <a:t>בשפת </a:t>
+            </a:r>
+            <a:r>
+              <a:rPr lang="en-US" dirty="0" err="1"/>
+              <a:t>c++</a:t>
+            </a:r>
+            <a:r>
+              <a:rPr lang="en-US" dirty="0"/>
+              <a:t> </a:t>
+            </a:r>
+            <a:r>
+              <a:rPr lang="he-IL" dirty="0"/>
+              <a:t> </a:t>
+            </a:r>
+            <a:r>
+              <a:rPr lang="he-IL" dirty="0" err="1"/>
+              <a:t>הקומפלייר</a:t>
+            </a:r>
+            <a:r>
+              <a:rPr lang="he-IL" dirty="0"/>
+              <a:t> עושה </a:t>
+            </a:r>
+            <a:r>
+              <a:rPr lang="he-IL" dirty="0" err="1"/>
+              <a:t>אופטימיזציות</a:t>
+            </a:r>
+            <a:r>
+              <a:rPr lang="he-IL" dirty="0"/>
+              <a:t> ולכן הביצועים הטובים ביותר – יתרון. סביבה פחות ידידותית מהשפות האחרות וקצת קשה לדבג – חסרון.</a:t>
+            </a:r>
+          </a:p>
+          <a:p>
+            <a:pPr algn="r" rtl="1"/>
+            <a:r>
+              <a:rPr lang="he-IL" dirty="0"/>
+              <a:t>בשפות מטלב </a:t>
+            </a:r>
+            <a:r>
+              <a:rPr lang="he-IL" dirty="0" err="1"/>
+              <a:t>ופייתון</a:t>
+            </a:r>
+            <a:r>
+              <a:rPr lang="he-IL" dirty="0"/>
+              <a:t> השתמשנו בשיטות </a:t>
+            </a:r>
+            <a:r>
+              <a:rPr lang="he-IL" dirty="0" err="1"/>
+              <a:t>וקטוריזציה</a:t>
+            </a:r>
+            <a:r>
+              <a:rPr lang="he-IL" dirty="0"/>
+              <a:t> על מנת להקטין את זמן הריצה. בשפת </a:t>
+            </a:r>
+            <a:r>
+              <a:rPr lang="he-IL" dirty="0" err="1"/>
+              <a:t>הפייתון</a:t>
+            </a:r>
+            <a:r>
+              <a:rPr lang="he-IL" dirty="0"/>
+              <a:t> בגלל השימוש בספריית </a:t>
+            </a:r>
+            <a:r>
+              <a:rPr lang="en-US" dirty="0" err="1"/>
+              <a:t>numpy</a:t>
+            </a:r>
+            <a:r>
+              <a:rPr lang="he-IL" dirty="0"/>
+              <a:t> שממומשת ב-</a:t>
+            </a:r>
+            <a:r>
+              <a:rPr lang="en-US" dirty="0" err="1"/>
+              <a:t>c++</a:t>
+            </a:r>
+            <a:r>
+              <a:rPr lang="he-IL" dirty="0"/>
+              <a:t> - ביצועים טובים מאוד – יתרון. </a:t>
+            </a:r>
+          </a:p>
+          <a:p>
+            <a:pPr algn="r" rtl="1"/>
+            <a:r>
+              <a:rPr lang="he-IL" dirty="0"/>
+              <a:t>יתרון של מטלב – סביבה נוחה מאוד לחישובים </a:t>
+            </a:r>
+            <a:r>
+              <a:rPr lang="he-IL" dirty="0" err="1"/>
+              <a:t>ודיבוג</a:t>
+            </a:r>
+            <a:r>
+              <a:rPr lang="he-IL" dirty="0"/>
+              <a:t>.</a:t>
+            </a:r>
+          </a:p>
+        </p:txBody>
+      </p:sp>
+    </p:spTree>
+    <p:extLst>
+      <p:ext uri="{BB962C8B-B14F-4D97-AF65-F5344CB8AC3E}">
+        <p14:creationId xmlns:p14="http://schemas.microsoft.com/office/powerpoint/2010/main" val="2738447844"/>
+      </p:ext>
+    </p:extLst>
+  </p:cSld>
+  <p:clrMapOvr>
+    <a:masterClrMapping/>
+  </p:clrMapOvr>
+  <mc:AlternateContent xmlns:mc="http://schemas.openxmlformats.org/markup-compatibility/2006" xmlns:p14="http://schemas.microsoft.com/office/powerpoint/2010/main">
+    <mc:Choice Requires="p14">
+      <p:transition spd="med" p14:dur="700">
+        <p:fade/>
+      </p:transition>
+    </mc:Choice>
+    <mc:Fallback xmlns="">
+      <p:transition spd="med">
+        <p:fade/>
+      </p:transition>
+    </mc:Fallback>
+  </mc:AlternateContent>
+</p:sld>
+</file>
+
+<file path=ppt/slides/slide28.xml><?xml version="1.0" encoding="utf-8"?>
+<p:sld xmlns:a="http://schemas.openxmlformats.org/drawingml/2006/main" xmlns:r="http://schemas.openxmlformats.org/officeDocument/2006/relationships" xmlns:p="http://schemas.openxmlformats.org/presentationml/2006/main">
+  <p:cSld>
+    <p:spTree>
+      <p:nvGrpSpPr>
+        <p:cNvPr id="1" name=""/>
+        <p:cNvGrpSpPr/>
+        <p:nvPr/>
+      </p:nvGrpSpPr>
+      <p:grpSpPr>
+        <a:xfrm>
+          <a:off x="0" y="0"/>
+          <a:ext cx="0" cy="0"/>
+          <a:chOff x="0" y="0"/>
+          <a:chExt cx="0" cy="0"/>
+        </a:xfrm>
+      </p:grpSpPr>
+      <p:sp>
+        <p:nvSpPr>
+          <p:cNvPr id="2" name="כותרת 1"/>
+          <p:cNvSpPr>
+            <a:spLocks noGrp="1"/>
+          </p:cNvSpPr>
+          <p:nvPr>
+            <p:ph type="title"/>
+          </p:nvPr>
+        </p:nvSpPr>
+        <p:spPr/>
+        <p:txBody>
+          <a:bodyPr/>
+          <a:lstStyle/>
+          <a:p>
+            <a:pPr algn="ctr"/>
+            <a:r>
+              <a:rPr lang="he-IL" dirty="0"/>
+              <a:t>זמני ריצה – השוואה בין השפות</a:t>
+            </a:r>
+          </a:p>
+        </p:txBody>
+      </p:sp>
+      <p:sp>
+        <p:nvSpPr>
+          <p:cNvPr id="8" name="TextBox 7"/>
+          <p:cNvSpPr txBox="1"/>
+          <p:nvPr/>
+        </p:nvSpPr>
+        <p:spPr>
+          <a:xfrm>
+            <a:off x="5660572" y="2133601"/>
+            <a:ext cx="6296298" cy="369332"/>
+          </a:xfrm>
+          <a:prstGeom prst="rect">
+            <a:avLst/>
+          </a:prstGeom>
+          <a:noFill/>
+        </p:spPr>
+        <p:txBody>
+          <a:bodyPr wrap="square" rtlCol="1">
+            <a:spAutoFit/>
+          </a:bodyPr>
+          <a:lstStyle/>
+          <a:p>
+            <a:r>
+              <a:rPr lang="he-IL" dirty="0"/>
+              <a:t>הרצנו על אותו הקלט, ואותו מספר אשכולות – 8 בכל השלושת השפות</a:t>
+            </a:r>
+          </a:p>
+        </p:txBody>
+      </p:sp>
+      <p:sp>
+        <p:nvSpPr>
+          <p:cNvPr id="9" name="TextBox 8"/>
+          <p:cNvSpPr txBox="1"/>
+          <p:nvPr/>
+        </p:nvSpPr>
+        <p:spPr>
+          <a:xfrm>
+            <a:off x="3245544" y="3048000"/>
+            <a:ext cx="2092809" cy="584775"/>
+          </a:xfrm>
+          <a:prstGeom prst="rect">
+            <a:avLst/>
+          </a:prstGeom>
+          <a:noFill/>
+        </p:spPr>
+        <p:txBody>
+          <a:bodyPr wrap="square" rtlCol="1">
+            <a:spAutoFit/>
+          </a:bodyPr>
+          <a:lstStyle/>
+          <a:p>
+            <a:r>
+              <a:rPr lang="en-US" sz="3200" dirty="0"/>
+              <a:t>C</a:t>
+            </a:r>
+            <a:r>
+              <a:rPr lang="he-IL" sz="3200" dirty="0"/>
+              <a:t>++</a:t>
+            </a:r>
+          </a:p>
+        </p:txBody>
+      </p:sp>
+      <p:sp>
+        <p:nvSpPr>
+          <p:cNvPr id="10" name="TextBox 9"/>
+          <p:cNvSpPr txBox="1"/>
+          <p:nvPr/>
+        </p:nvSpPr>
+        <p:spPr>
+          <a:xfrm>
+            <a:off x="5660572" y="3044913"/>
+            <a:ext cx="2092809" cy="584775"/>
+          </a:xfrm>
+          <a:prstGeom prst="rect">
+            <a:avLst/>
+          </a:prstGeom>
+          <a:noFill/>
+        </p:spPr>
+        <p:txBody>
+          <a:bodyPr wrap="square" rtlCol="1">
+            <a:spAutoFit/>
+          </a:bodyPr>
+          <a:lstStyle/>
+          <a:p>
+            <a:r>
+              <a:rPr lang="en-US" sz="3200" dirty="0"/>
+              <a:t>Python</a:t>
+            </a:r>
+            <a:endParaRPr lang="he-IL" sz="3200" dirty="0"/>
+          </a:p>
+        </p:txBody>
+      </p:sp>
+      <p:sp>
+        <p:nvSpPr>
+          <p:cNvPr id="11" name="TextBox 10"/>
+          <p:cNvSpPr txBox="1"/>
+          <p:nvPr/>
+        </p:nvSpPr>
+        <p:spPr>
+          <a:xfrm>
+            <a:off x="8351520" y="3041826"/>
+            <a:ext cx="2092809" cy="584775"/>
+          </a:xfrm>
+          <a:prstGeom prst="rect">
+            <a:avLst/>
+          </a:prstGeom>
+          <a:noFill/>
+        </p:spPr>
+        <p:txBody>
+          <a:bodyPr wrap="square" rtlCol="1">
+            <a:spAutoFit/>
+          </a:bodyPr>
+          <a:lstStyle/>
+          <a:p>
+            <a:r>
+              <a:rPr lang="en-US" sz="3200" dirty="0" err="1"/>
+              <a:t>Matlab</a:t>
+            </a:r>
+            <a:endParaRPr lang="he-IL" sz="3200" dirty="0"/>
+          </a:p>
+        </p:txBody>
+      </p:sp>
+      <p:sp>
+        <p:nvSpPr>
+          <p:cNvPr id="12" name="TextBox 11"/>
+          <p:cNvSpPr txBox="1"/>
+          <p:nvPr/>
+        </p:nvSpPr>
+        <p:spPr>
+          <a:xfrm>
+            <a:off x="3245544" y="3629688"/>
+            <a:ext cx="2092809" cy="1077218"/>
+          </a:xfrm>
+          <a:prstGeom prst="rect">
+            <a:avLst/>
+          </a:prstGeom>
+          <a:noFill/>
+        </p:spPr>
+        <p:txBody>
+          <a:bodyPr wrap="square" rtlCol="1">
+            <a:spAutoFit/>
+          </a:bodyPr>
+          <a:lstStyle/>
+          <a:p>
+            <a:r>
+              <a:rPr lang="en-US" sz="3200" dirty="0"/>
+              <a:t>0. 016095 seconds</a:t>
+            </a:r>
+            <a:endParaRPr lang="he-IL" sz="3200" dirty="0"/>
+          </a:p>
+        </p:txBody>
+      </p:sp>
+      <p:sp>
+        <p:nvSpPr>
+          <p:cNvPr id="13" name="TextBox 12"/>
+          <p:cNvSpPr txBox="1"/>
+          <p:nvPr/>
+        </p:nvSpPr>
+        <p:spPr>
+          <a:xfrm>
+            <a:off x="5660572" y="3626601"/>
+            <a:ext cx="2092809" cy="1569660"/>
+          </a:xfrm>
+          <a:prstGeom prst="rect">
+            <a:avLst/>
+          </a:prstGeom>
+          <a:noFill/>
+        </p:spPr>
+        <p:txBody>
+          <a:bodyPr wrap="square" rtlCol="1">
+            <a:spAutoFit/>
+          </a:bodyPr>
+          <a:lstStyle/>
+          <a:p>
+            <a:r>
+              <a:rPr lang="en-US" sz="3200" dirty="0"/>
+              <a:t>0.1051533 seconds </a:t>
+            </a:r>
+          </a:p>
+          <a:p>
+            <a:endParaRPr lang="he-IL" sz="3200" dirty="0"/>
+          </a:p>
+        </p:txBody>
+      </p:sp>
+      <p:sp>
+        <p:nvSpPr>
+          <p:cNvPr id="14" name="TextBox 13"/>
+          <p:cNvSpPr txBox="1"/>
+          <p:nvPr/>
+        </p:nvSpPr>
+        <p:spPr>
+          <a:xfrm>
+            <a:off x="8214936" y="3623514"/>
+            <a:ext cx="2092809" cy="1569660"/>
+          </a:xfrm>
+          <a:prstGeom prst="rect">
+            <a:avLst/>
+          </a:prstGeom>
+          <a:noFill/>
+        </p:spPr>
+        <p:txBody>
+          <a:bodyPr wrap="square" rtlCol="1">
+            <a:spAutoFit/>
+          </a:bodyPr>
+          <a:lstStyle/>
+          <a:p>
+            <a:r>
+              <a:rPr lang="en-US" sz="3200" dirty="0"/>
+              <a:t>0.022206 seconds</a:t>
+            </a:r>
+            <a:endParaRPr lang="he-IL" sz="3200" dirty="0"/>
+          </a:p>
+          <a:p>
+            <a:endParaRPr lang="he-IL" sz="3200" dirty="0"/>
+          </a:p>
+        </p:txBody>
+      </p:sp>
+    </p:spTree>
+    <p:extLst>
+      <p:ext uri="{BB962C8B-B14F-4D97-AF65-F5344CB8AC3E}">
+        <p14:creationId xmlns:p14="http://schemas.microsoft.com/office/powerpoint/2010/main" val="1548833847"/>
+      </p:ext>
+    </p:extLst>
+  </p:cSld>
+  <p:clrMapOvr>
+    <a:masterClrMapping/>
+  </p:clrMapOvr>
+  <mc:AlternateContent xmlns:mc="http://schemas.openxmlformats.org/markup-compatibility/2006" xmlns:p14="http://schemas.microsoft.com/office/powerpoint/2010/main">
+    <mc:Choice Requires="p14">
+      <p:transition spd="med" p14:dur="700">
+        <p:fade/>
+      </p:transition>
+    </mc:Choice>
+    <mc:Fallback xmlns="">
+      <p:transition spd="med">
+        <p:fade/>
+      </p:transition>
+    </mc:Fallback>
+  </mc:AlternateContent>
+</p:sld>
+</file>
+
+<file path=ppt/slides/slide29.xml><?xml version="1.0" encoding="utf-8"?>
+<p:sld xmlns:a="http://schemas.openxmlformats.org/drawingml/2006/main" xmlns:r="http://schemas.openxmlformats.org/officeDocument/2006/relationships" xmlns:p="http://schemas.openxmlformats.org/presentationml/2006/main">
+  <p:cSld>
+    <p:spTree>
+      <p:nvGrpSpPr>
+        <p:cNvPr id="1" name=""/>
+        <p:cNvGrpSpPr/>
+        <p:nvPr/>
+      </p:nvGrpSpPr>
+      <p:grpSpPr>
+        <a:xfrm>
+          <a:off x="0" y="0"/>
+          <a:ext cx="0" cy="0"/>
+          <a:chOff x="0" y="0"/>
+          <a:chExt cx="0" cy="0"/>
+        </a:xfrm>
+      </p:grpSpPr>
+      <p:sp>
+        <p:nvSpPr>
+          <p:cNvPr id="4" name="כותרת 3"/>
+          <p:cNvSpPr>
+            <a:spLocks noGrp="1"/>
+          </p:cNvSpPr>
+          <p:nvPr>
+            <p:ph type="title"/>
+          </p:nvPr>
+        </p:nvSpPr>
+        <p:spPr>
+          <a:xfrm>
+            <a:off x="1166948" y="4707880"/>
+            <a:ext cx="2780211" cy="1069940"/>
+          </a:xfrm>
+        </p:spPr>
+        <p:txBody>
+          <a:bodyPr rtlCol="1">
+            <a:normAutofit/>
+          </a:bodyPr>
+          <a:lstStyle/>
+          <a:p>
+            <a:pPr algn="r" rtl="1"/>
+            <a:r>
+              <a:rPr lang="he-IL" dirty="0">
+                <a:latin typeface="Tahoma" panose="020B0604030504040204" pitchFamily="34" charset="0"/>
+                <a:ea typeface="Tahoma" panose="020B0604030504040204" pitchFamily="34" charset="0"/>
+                <a:cs typeface="Tahoma" panose="020B0604030504040204" pitchFamily="34" charset="0"/>
+              </a:rPr>
+              <a:t>תודה רבה </a:t>
+            </a:r>
+            <a:r>
+              <a:rPr lang="he-IL" dirty="0">
+                <a:latin typeface="Tahoma" panose="020B0604030504040204" pitchFamily="34" charset="0"/>
+                <a:ea typeface="Tahoma" panose="020B0604030504040204" pitchFamily="34" charset="0"/>
+                <a:cs typeface="Tahoma" panose="020B0604030504040204" pitchFamily="34" charset="0"/>
+                <a:sym typeface="Wingdings" panose="05000000000000000000" pitchFamily="2" charset="2"/>
+              </a:rPr>
+              <a:t></a:t>
+            </a:r>
+            <a:endParaRPr lang="he-IL" dirty="0">
+              <a:latin typeface="Tahoma" panose="020B0604030504040204" pitchFamily="34" charset="0"/>
+              <a:ea typeface="Tahoma" panose="020B0604030504040204" pitchFamily="34" charset="0"/>
+              <a:cs typeface="Tahoma" panose="020B0604030504040204" pitchFamily="34" charset="0"/>
+            </a:endParaRPr>
+          </a:p>
+        </p:txBody>
+      </p:sp>
+    </p:spTree>
+    <p:extLst>
+      <p:ext uri="{BB962C8B-B14F-4D97-AF65-F5344CB8AC3E}">
+        <p14:creationId xmlns:p14="http://schemas.microsoft.com/office/powerpoint/2010/main" val="3757355931"/>
       </p:ext>
     </p:extLst>
   </p:cSld>
@@ -9077,8 +11885,8 @@
           </a:p>
         </p:txBody>
       </p:sp>
-      <mc:AlternateContent xmlns:mc="http://schemas.openxmlformats.org/markup-compatibility/2006">
-        <mc:Choice xmlns:a14="http://schemas.microsoft.com/office/drawing/2010/main" Requires="a14">
+      <mc:AlternateContent xmlns:mc="http://schemas.openxmlformats.org/markup-compatibility/2006" xmlns:a14="http://schemas.microsoft.com/office/drawing/2010/main">
+        <mc:Choice Requires="a14">
           <p:sp>
             <p:nvSpPr>
               <p:cNvPr id="3" name="מציין מיקום תוכן 2">
@@ -9576,7 +12384,7 @@
             </p:txBody>
           </p:sp>
         </mc:Choice>
-        <mc:Fallback>
+        <mc:Fallback xmlns="">
           <p:sp>
             <p:nvSpPr>
               <p:cNvPr id="3" name="מציין מיקום תוכן 2">
@@ -11986,26 +14794,6 @@
 </file>
 
 <file path=customXml/item1.xml><?xml version="1.0" encoding="utf-8"?>
-<?mso-contentType ?>
-<FormTemplates xmlns="http://schemas.microsoft.com/sharepoint/v3/contenttype/forms">
-  <Display>DocumentLibraryForm</Display>
-  <Edit>DocumentLibraryForm</Edit>
-  <New>DocumentLibraryForm</New>
-</FormTemplates>
-</file>
-
-<file path=customXml/item2.xml><?xml version="1.0" encoding="utf-8"?>
-<p:properties xmlns:p="http://schemas.microsoft.com/office/2006/metadata/properties" xmlns:xsi="http://www.w3.org/2001/XMLSchema-instance" xmlns:pc="http://schemas.microsoft.com/office/infopath/2007/PartnerControls">
-  <documentManagement>
-    <VSO_x0020_item_x0020_id xmlns="40262f94-9f35-4ac3-9a90-690165a166b7" xsi:nil="true"/>
-    <Assetid_x0020_ xmlns="40262f94-9f35-4ac3-9a90-690165a166b7" xsi:nil="true"/>
-    <Item_x0020_Details xmlns="40262f94-9f35-4ac3-9a90-690165a166b7" xsi:nil="true"/>
-    <Template_x0020_details xmlns="40262f94-9f35-4ac3-9a90-690165a166b7" xsi:nil="true"/>
-  </documentManagement>
-</p:properties>
-</file>
-
-<file path=customXml/item3.xml><?xml version="1.0" encoding="utf-8"?>
 <ct:contentTypeSchema xmlns:ct="http://schemas.microsoft.com/office/2006/metadata/contentType" xmlns:ma="http://schemas.microsoft.com/office/2006/metadata/properties/metaAttributes" ct:_="" ma:_="" ma:contentTypeName="Document" ma:contentTypeID="0x010100AA3F7D94069FF64A86F7DFF56D60E3BE" ma:contentTypeVersion="6" ma:contentTypeDescription="Create a new document." ma:contentTypeScope="" ma:versionID="c32302c77d4085ecf495bdddb7f5e889">
   <xsd:schema xmlns:xsd="http://www.w3.org/2001/XMLSchema" xmlns:xs="http://www.w3.org/2001/XMLSchema" xmlns:p="http://schemas.microsoft.com/office/2006/metadata/properties" xmlns:ns2="a4f35948-e619-41b3-aa29-22878b09cfd2" xmlns:ns3="40262f94-9f35-4ac3-9a90-690165a166b7" targetNamespace="http://schemas.microsoft.com/office/2006/metadata/properties" ma:root="true" ma:fieldsID="4ab5ae46be95f9d0be6107e8200be7a2" ns2:_="" ns3:_="">
     <xsd:import namespace="a4f35948-e619-41b3-aa29-22878b09cfd2"/>
@@ -12186,32 +14974,27 @@
 </ct:contentTypeSchema>
 </file>
 
-<file path=customXml/itemProps1.xml><?xml version="1.0" encoding="utf-8"?>
-<ds:datastoreItem xmlns:ds="http://schemas.openxmlformats.org/officeDocument/2006/customXml" ds:itemID="{31C05A15-2C36-4B2C-9ED7-7313D59409A3}">
-  <ds:schemaRefs>
-    <ds:schemaRef ds:uri="http://schemas.microsoft.com/sharepoint/v3/contenttype/forms"/>
-  </ds:schemaRefs>
-</ds:datastoreItem>
+<file path=customXml/item2.xml><?xml version="1.0" encoding="utf-8"?>
+<p:properties xmlns:p="http://schemas.microsoft.com/office/2006/metadata/properties" xmlns:xsi="http://www.w3.org/2001/XMLSchema-instance" xmlns:pc="http://schemas.microsoft.com/office/infopath/2007/PartnerControls">
+  <documentManagement>
+    <VSO_x0020_item_x0020_id xmlns="40262f94-9f35-4ac3-9a90-690165a166b7" xsi:nil="true"/>
+    <Assetid_x0020_ xmlns="40262f94-9f35-4ac3-9a90-690165a166b7" xsi:nil="true"/>
+    <Item_x0020_Details xmlns="40262f94-9f35-4ac3-9a90-690165a166b7" xsi:nil="true"/>
+    <Template_x0020_details xmlns="40262f94-9f35-4ac3-9a90-690165a166b7" xsi:nil="true"/>
+  </documentManagement>
+</p:properties>
 </file>
 
-<file path=customXml/itemProps2.xml><?xml version="1.0" encoding="utf-8"?>
-<ds:datastoreItem xmlns:ds="http://schemas.openxmlformats.org/officeDocument/2006/customXml" ds:itemID="{85A16170-AED4-43FB-90C7-1F1653EBFACC}">
-  <ds:schemaRefs>
-    <ds:schemaRef ds:uri="http://schemas.openxmlformats.org/package/2006/metadata/core-properties"/>
-    <ds:schemaRef ds:uri="http://schemas.microsoft.com/office/infopath/2007/PartnerControls"/>
-    <ds:schemaRef ds:uri="a4f35948-e619-41b3-aa29-22878b09cfd2"/>
-    <ds:schemaRef ds:uri="http://purl.org/dc/dcmitype/"/>
-    <ds:schemaRef ds:uri="http://purl.org/dc/terms/"/>
-    <ds:schemaRef ds:uri="40262f94-9f35-4ac3-9a90-690165a166b7"/>
-    <ds:schemaRef ds:uri="http://schemas.microsoft.com/office/2006/metadata/properties"/>
-    <ds:schemaRef ds:uri="http://schemas.microsoft.com/office/2006/documentManagement/types"/>
-    <ds:schemaRef ds:uri="http://www.w3.org/XML/1998/namespace"/>
-    <ds:schemaRef ds:uri="http://purl.org/dc/elements/1.1/"/>
-  </ds:schemaRefs>
-</ds:datastoreItem>
+<file path=customXml/item3.xml><?xml version="1.0" encoding="utf-8"?>
+<?mso-contentType ?>
+<FormTemplates xmlns="http://schemas.microsoft.com/sharepoint/v3/contenttype/forms">
+  <Display>DocumentLibraryForm</Display>
+  <Edit>DocumentLibraryForm</Edit>
+  <New>DocumentLibraryForm</New>
+</FormTemplates>
 </file>
 
-<file path=customXml/itemProps3.xml><?xml version="1.0" encoding="utf-8"?>
+<file path=customXml/itemProps1.xml><?xml version="1.0" encoding="utf-8"?>
 <ds:datastoreItem xmlns:ds="http://schemas.openxmlformats.org/officeDocument/2006/customXml" ds:itemID="{2961EA76-1630-4788-A629-8FDAFC920575}">
   <ds:schemaRefs>
     <ds:schemaRef ds:uri="http://schemas.microsoft.com/office/2006/metadata/contentType"/>
@@ -12228,4 +15011,29 @@
     <ds:schemaRef ds:uri="http://schemas.microsoft.com/internal/obd"/>
   </ds:schemaRefs>
 </ds:datastoreItem>
+</file>
+
+<file path=customXml/itemProps2.xml><?xml version="1.0" encoding="utf-8"?>
+<ds:datastoreItem xmlns:ds="http://schemas.openxmlformats.org/officeDocument/2006/customXml" ds:itemID="{85A16170-AED4-43FB-90C7-1F1653EBFACC}">
+  <ds:schemaRefs>
+    <ds:schemaRef ds:uri="http://schemas.microsoft.com/office/2006/metadata/properties"/>
+    <ds:schemaRef ds:uri="http://www.w3.org/XML/1998/namespace"/>
+    <ds:schemaRef ds:uri="http://schemas.openxmlformats.org/package/2006/metadata/core-properties"/>
+    <ds:schemaRef ds:uri="http://purl.org/dc/dcmitype/"/>
+    <ds:schemaRef ds:uri="http://purl.org/dc/terms/"/>
+    <ds:schemaRef ds:uri="a4f35948-e619-41b3-aa29-22878b09cfd2"/>
+    <ds:schemaRef ds:uri="http://schemas.microsoft.com/office/2006/documentManagement/types"/>
+    <ds:schemaRef ds:uri="http://purl.org/dc/elements/1.1/"/>
+    <ds:schemaRef ds:uri="http://schemas.microsoft.com/office/infopath/2007/PartnerControls"/>
+    <ds:schemaRef ds:uri="40262f94-9f35-4ac3-9a90-690165a166b7"/>
+  </ds:schemaRefs>
+</ds:datastoreItem>
+</file>
+
+<file path=customXml/itemProps3.xml><?xml version="1.0" encoding="utf-8"?>
+<ds:datastoreItem xmlns:ds="http://schemas.openxmlformats.org/officeDocument/2006/customXml" ds:itemID="{31C05A15-2C36-4B2C-9ED7-7313D59409A3}">
+  <ds:schemaRefs>
+    <ds:schemaRef ds:uri="http://schemas.microsoft.com/sharepoint/v3/contenttype/forms"/>
+  </ds:schemaRefs>
+</ds:datastoreItem>
 </file>
--- a/Fuzzy C-means.pptx
+++ b/Fuzzy C-means.pptx
@@ -5,10 +5,10 @@
     <p:sldMasterId id="2147483780" r:id="rId4"/>
   </p:sldMasterIdLst>
   <p:notesMasterIdLst>
-    <p:notesMasterId r:id="rId34"/>
+    <p:notesMasterId r:id="rId35"/>
   </p:notesMasterIdLst>
   <p:handoutMasterIdLst>
-    <p:handoutMasterId r:id="rId35"/>
+    <p:handoutMasterId r:id="rId36"/>
   </p:handoutMasterIdLst>
   <p:sldIdLst>
     <p:sldId id="267" r:id="rId5"/>
@@ -31,15 +31,16 @@
     <p:sldId id="309" r:id="rId22"/>
     <p:sldId id="324" r:id="rId23"/>
     <p:sldId id="325" r:id="rId24"/>
-    <p:sldId id="318" r:id="rId25"/>
-    <p:sldId id="319" r:id="rId26"/>
-    <p:sldId id="320" r:id="rId27"/>
-    <p:sldId id="321" r:id="rId28"/>
-    <p:sldId id="323" r:id="rId29"/>
-    <p:sldId id="322" r:id="rId30"/>
-    <p:sldId id="315" r:id="rId31"/>
-    <p:sldId id="317" r:id="rId32"/>
-    <p:sldId id="274" r:id="rId33"/>
+    <p:sldId id="326" r:id="rId25"/>
+    <p:sldId id="318" r:id="rId26"/>
+    <p:sldId id="319" r:id="rId27"/>
+    <p:sldId id="320" r:id="rId28"/>
+    <p:sldId id="321" r:id="rId29"/>
+    <p:sldId id="323" r:id="rId30"/>
+    <p:sldId id="322" r:id="rId31"/>
+    <p:sldId id="315" r:id="rId32"/>
+    <p:sldId id="317" r:id="rId33"/>
+    <p:sldId id="274" r:id="rId34"/>
   </p:sldIdLst>
   <p:sldSz cx="12192000" cy="6858000"/>
   <p:notesSz cx="6858000" cy="9144000"/>
@@ -979,7 +980,7 @@
             <a:fld id="{23AEF9EC-8318-4FF6-847E-A85BBD2B7E49}" type="slidenum">
               <a:rPr lang="he-IL" smtClean="0"/>
               <a:pPr algn="l"/>
-              <a:t>29</a:t>
+              <a:t>30</a:t>
             </a:fld>
             <a:endParaRPr lang="he-IL" dirty="0"/>
           </a:p>
@@ -4880,6 +4881,19 @@
               </a:rPr>
               <a:t>מאור ברדוגו</a:t>
             </a:r>
+            <a:r>
+              <a:rPr lang="en-US" dirty="0">
+                <a:latin typeface="Tahoma" panose="020B0604030504040204" pitchFamily="34" charset="0"/>
+                <a:ea typeface="Tahoma" panose="020B0604030504040204" pitchFamily="34" charset="0"/>
+                <a:cs typeface="Tahoma" panose="020B0604030504040204" pitchFamily="34" charset="0"/>
+              </a:rPr>
+              <a:t> 308077411 - </a:t>
+            </a:r>
+            <a:endParaRPr lang="he-IL" dirty="0">
+              <a:latin typeface="Tahoma" panose="020B0604030504040204" pitchFamily="34" charset="0"/>
+              <a:ea typeface="Tahoma" panose="020B0604030504040204" pitchFamily="34" charset="0"/>
+              <a:cs typeface="Tahoma" panose="020B0604030504040204" pitchFamily="34" charset="0"/>
+            </a:endParaRPr>
           </a:p>
         </p:txBody>
       </p:sp>
@@ -8206,6 +8220,334 @@
       </p:grpSpPr>
       <p:sp>
         <p:nvSpPr>
+          <p:cNvPr id="5" name="כותרת 1">
+            <a:extLst>
+              <a:ext uri="{FF2B5EF4-FFF2-40B4-BE49-F238E27FC236}">
+                <a16:creationId xmlns:a16="http://schemas.microsoft.com/office/drawing/2014/main" id="{1D1749DF-13F8-4DE6-9188-6DA00BE2FEE9}"/>
+              </a:ext>
+            </a:extLst>
+          </p:cNvPr>
+          <p:cNvSpPr>
+            <a:spLocks noGrp="1"/>
+          </p:cNvSpPr>
+          <p:nvPr>
+            <p:ph type="title"/>
+          </p:nvPr>
+        </p:nvSpPr>
+        <p:spPr>
+          <a:xfrm>
+            <a:off x="2383396" y="75401"/>
+            <a:ext cx="9603275" cy="1049235"/>
+          </a:xfrm>
+        </p:spPr>
+        <p:txBody>
+          <a:bodyPr/>
+          <a:lstStyle/>
+          <a:p>
+            <a:pPr algn="r" rtl="1"/>
+            <a:r>
+              <a:rPr lang="he-IL" dirty="0"/>
+              <a:t>השוואת זמני ריצה</a:t>
+            </a:r>
+            <a:endParaRPr lang="en-001" dirty="0"/>
+          </a:p>
+        </p:txBody>
+      </p:sp>
+      <p:sp>
+        <p:nvSpPr>
+          <p:cNvPr id="7" name="מציין מיקום תוכן 2">
+            <a:extLst>
+              <a:ext uri="{FF2B5EF4-FFF2-40B4-BE49-F238E27FC236}">
+                <a16:creationId xmlns:a16="http://schemas.microsoft.com/office/drawing/2014/main" id="{B4DA7A11-4F5C-4432-BC66-FD61A640A278}"/>
+              </a:ext>
+            </a:extLst>
+          </p:cNvPr>
+          <p:cNvSpPr>
+            <a:spLocks noGrp="1"/>
+          </p:cNvSpPr>
+          <p:nvPr>
+            <p:ph idx="1"/>
+          </p:nvPr>
+        </p:nvSpPr>
+        <p:spPr>
+          <a:xfrm>
+            <a:off x="1297577" y="1844456"/>
+            <a:ext cx="10689094" cy="4044533"/>
+          </a:xfrm>
+        </p:spPr>
+        <p:txBody>
+          <a:bodyPr>
+            <a:normAutofit/>
+          </a:bodyPr>
+          <a:lstStyle/>
+          <a:p>
+            <a:pPr marL="0" indent="0" algn="r" rtl="1">
+              <a:buNone/>
+            </a:pPr>
+            <a:r>
+              <a:rPr lang="he-IL" sz="2400" dirty="0"/>
+              <a:t>הרצנו גרסה ללא </a:t>
+            </a:r>
+            <a:r>
+              <a:rPr lang="he-IL" sz="2400" dirty="0" err="1"/>
+              <a:t>האופטימזציות</a:t>
+            </a:r>
+            <a:r>
+              <a:rPr lang="he-IL" sz="2400" dirty="0"/>
+              <a:t> מהשקף הקודם וגרסה עם </a:t>
+            </a:r>
+            <a:r>
+              <a:rPr lang="he-IL" sz="2400" dirty="0" err="1"/>
+              <a:t>האופטימזציות</a:t>
+            </a:r>
+            <a:r>
+              <a:rPr lang="he-IL" sz="2400" dirty="0"/>
+              <a:t>. וקיבלנו את הזמני ריצה:</a:t>
+            </a:r>
+          </a:p>
+          <a:p>
+            <a:pPr algn="r" rtl="1"/>
+            <a:r>
+              <a:rPr lang="he-IL" sz="2400" dirty="0"/>
+              <a:t>עבור הגרסה ללא </a:t>
+            </a:r>
+            <a:r>
+              <a:rPr lang="he-IL" sz="2400" dirty="0" err="1"/>
+              <a:t>האופטימזציות</a:t>
+            </a:r>
+            <a:r>
+              <a:rPr lang="he-IL" sz="2400" dirty="0"/>
+              <a:t>: </a:t>
+            </a:r>
+            <a:r>
+              <a:rPr lang="en-US" sz="2400" dirty="0"/>
+              <a:t>s </a:t>
+            </a:r>
+            <a:r>
+              <a:rPr lang="he-IL" sz="2400" dirty="0"/>
+              <a:t>0.03158623</a:t>
+            </a:r>
+            <a:endParaRPr lang="en-US" sz="2400" dirty="0"/>
+          </a:p>
+          <a:p>
+            <a:pPr algn="r" rtl="1"/>
+            <a:r>
+              <a:rPr lang="he-IL" sz="2400" dirty="0"/>
+              <a:t>עבור הגרסה עם </a:t>
+            </a:r>
+            <a:r>
+              <a:rPr lang="he-IL" sz="2400" dirty="0" err="1"/>
+              <a:t>האופטימזציות</a:t>
+            </a:r>
+            <a:r>
+              <a:rPr lang="he-IL" sz="2400" dirty="0"/>
+              <a:t>: </a:t>
+            </a:r>
+            <a:r>
+              <a:rPr lang="en-US" sz="2400" dirty="0"/>
+              <a:t>     0. 016095s </a:t>
+            </a:r>
+            <a:br>
+              <a:rPr lang="en-US" sz="2400" dirty="0"/>
+            </a:br>
+            <a:r>
+              <a:rPr lang="he-IL" sz="2400" dirty="0"/>
+              <a:t> </a:t>
+            </a:r>
+          </a:p>
+          <a:p>
+            <a:pPr marL="0" indent="0" algn="r" rtl="1">
+              <a:buNone/>
+            </a:pPr>
+            <a:endParaRPr lang="he-IL" sz="2400" dirty="0"/>
+          </a:p>
+        </p:txBody>
+      </p:sp>
+      <p:pic>
+        <p:nvPicPr>
+          <p:cNvPr id="2" name="תמונה 1">
+            <a:extLst>
+              <a:ext uri="{FF2B5EF4-FFF2-40B4-BE49-F238E27FC236}">
+                <a16:creationId xmlns:a16="http://schemas.microsoft.com/office/drawing/2014/main" id="{06F4630A-5BF8-41F1-B592-E2D8C568BCEE}"/>
+              </a:ext>
+            </a:extLst>
+          </p:cNvPr>
+          <p:cNvPicPr>
+            <a:picLocks noChangeAspect="1"/>
+          </p:cNvPicPr>
+          <p:nvPr/>
+        </p:nvPicPr>
+        <p:blipFill>
+          <a:blip r:embed="rId2"/>
+          <a:stretch>
+            <a:fillRect/>
+          </a:stretch>
+        </p:blipFill>
+        <p:spPr>
+          <a:xfrm>
+            <a:off x="-1" y="4145873"/>
+            <a:ext cx="6049077" cy="2712128"/>
+          </a:xfrm>
+          <a:prstGeom prst="rect">
+            <a:avLst/>
+          </a:prstGeom>
+        </p:spPr>
+      </p:pic>
+      <p:grpSp>
+        <p:nvGrpSpPr>
+          <p:cNvPr id="8" name="קבוצה 7">
+            <a:extLst>
+              <a:ext uri="{FF2B5EF4-FFF2-40B4-BE49-F238E27FC236}">
+                <a16:creationId xmlns:a16="http://schemas.microsoft.com/office/drawing/2014/main" id="{581C606C-ECB6-4968-81C5-5855EB847C81}"/>
+              </a:ext>
+            </a:extLst>
+          </p:cNvPr>
+          <p:cNvGrpSpPr/>
+          <p:nvPr/>
+        </p:nvGrpSpPr>
+        <p:grpSpPr>
+          <a:xfrm>
+            <a:off x="6049076" y="4145872"/>
+            <a:ext cx="6142924" cy="2712128"/>
+            <a:chOff x="2171700" y="3642380"/>
+            <a:chExt cx="7147863" cy="3201984"/>
+          </a:xfrm>
+        </p:grpSpPr>
+        <p:pic>
+          <p:nvPicPr>
+            <p:cNvPr id="9" name="תמונה 8">
+              <a:extLst>
+                <a:ext uri="{FF2B5EF4-FFF2-40B4-BE49-F238E27FC236}">
+                  <a16:creationId xmlns:a16="http://schemas.microsoft.com/office/drawing/2014/main" id="{4CD08593-7EE7-472E-8686-F814600E35BC}"/>
+                </a:ext>
+              </a:extLst>
+            </p:cNvPr>
+            <p:cNvPicPr>
+              <a:picLocks noChangeAspect="1"/>
+            </p:cNvPicPr>
+            <p:nvPr/>
+          </p:nvPicPr>
+          <p:blipFill>
+            <a:blip r:embed="rId3"/>
+            <a:stretch>
+              <a:fillRect/>
+            </a:stretch>
+          </p:blipFill>
+          <p:spPr>
+            <a:xfrm>
+              <a:off x="2171700" y="3642380"/>
+              <a:ext cx="7147863" cy="3201984"/>
+            </a:xfrm>
+            <a:prstGeom prst="rect">
+              <a:avLst/>
+            </a:prstGeom>
+          </p:spPr>
+        </p:pic>
+        <p:pic>
+          <p:nvPicPr>
+            <p:cNvPr id="11" name="תמונה 10">
+              <a:extLst>
+                <a:ext uri="{FF2B5EF4-FFF2-40B4-BE49-F238E27FC236}">
+                  <a16:creationId xmlns:a16="http://schemas.microsoft.com/office/drawing/2014/main" id="{0B5DC7A7-C3FC-4BCF-A05B-EC3C3CA672B1}"/>
+                </a:ext>
+              </a:extLst>
+            </p:cNvPr>
+            <p:cNvPicPr>
+              <a:picLocks noChangeAspect="1"/>
+            </p:cNvPicPr>
+            <p:nvPr/>
+          </p:nvPicPr>
+          <p:blipFill>
+            <a:blip r:embed="rId4"/>
+            <a:stretch>
+              <a:fillRect/>
+            </a:stretch>
+          </p:blipFill>
+          <p:spPr>
+            <a:xfrm>
+              <a:off x="2171700" y="6630053"/>
+              <a:ext cx="1593056" cy="152064"/>
+            </a:xfrm>
+            <a:prstGeom prst="rect">
+              <a:avLst/>
+            </a:prstGeom>
+          </p:spPr>
+        </p:pic>
+        <p:pic>
+          <p:nvPicPr>
+            <p:cNvPr id="12" name="תמונה 11">
+              <a:extLst>
+                <a:ext uri="{FF2B5EF4-FFF2-40B4-BE49-F238E27FC236}">
+                  <a16:creationId xmlns:a16="http://schemas.microsoft.com/office/drawing/2014/main" id="{5F8B504E-04B4-4F83-AC74-52F0A1458C09}"/>
+                </a:ext>
+              </a:extLst>
+            </p:cNvPr>
+            <p:cNvPicPr>
+              <a:picLocks noChangeAspect="1"/>
+            </p:cNvPicPr>
+            <p:nvPr/>
+          </p:nvPicPr>
+          <p:blipFill>
+            <a:blip r:embed="rId5"/>
+            <a:stretch>
+              <a:fillRect/>
+            </a:stretch>
+          </p:blipFill>
+          <p:spPr>
+            <a:xfrm>
+              <a:off x="3764756" y="6630053"/>
+              <a:ext cx="342900" cy="180975"/>
+            </a:xfrm>
+            <a:prstGeom prst="rect">
+              <a:avLst/>
+            </a:prstGeom>
+          </p:spPr>
+        </p:pic>
+      </p:grpSp>
+    </p:spTree>
+    <p:extLst>
+      <p:ext uri="{BB962C8B-B14F-4D97-AF65-F5344CB8AC3E}">
+        <p14:creationId xmlns:p14="http://schemas.microsoft.com/office/powerpoint/2010/main" val="4189638497"/>
+      </p:ext>
+    </p:extLst>
+  </p:cSld>
+  <p:clrMapOvr>
+    <a:masterClrMapping/>
+  </p:clrMapOvr>
+  <mc:AlternateContent xmlns:mc="http://schemas.openxmlformats.org/markup-compatibility/2006" xmlns:p14="http://schemas.microsoft.com/office/powerpoint/2010/main">
+    <mc:Choice Requires="p14">
+      <p:transition spd="med" p14:dur="700">
+        <p:fade/>
+      </p:transition>
+    </mc:Choice>
+    <mc:Fallback xmlns="">
+      <p:transition spd="med">
+        <p:fade/>
+      </p:transition>
+    </mc:Fallback>
+  </mc:AlternateContent>
+</p:sld>
+</file>
+
+<file path=ppt/slides/slide22.xml><?xml version="1.0" encoding="utf-8"?>
+<p:sld xmlns:a="http://schemas.openxmlformats.org/drawingml/2006/main" xmlns:r="http://schemas.openxmlformats.org/officeDocument/2006/relationships" xmlns:p="http://schemas.openxmlformats.org/presentationml/2006/main">
+  <p:cSld>
+    <p:spTree>
+      <p:nvGrpSpPr>
+        <p:cNvPr id="1" name=""/>
+        <p:cNvGrpSpPr/>
+        <p:nvPr/>
+      </p:nvGrpSpPr>
+      <p:grpSpPr>
+        <a:xfrm>
+          <a:off x="0" y="0"/>
+          <a:ext cx="0" cy="0"/>
+          <a:chOff x="0" y="0"/>
+          <a:chExt cx="0" cy="0"/>
+        </a:xfrm>
+      </p:grpSpPr>
+      <p:sp>
+        <p:nvSpPr>
           <p:cNvPr id="2" name="כותרת 1">
             <a:extLst>
               <a:ext uri="{FF2B5EF4-FFF2-40B4-BE49-F238E27FC236}">
@@ -8342,7 +8684,7 @@
 </p:sld>
 </file>
 
-<file path=ppt/slides/slide22.xml><?xml version="1.0" encoding="utf-8"?>
+<file path=ppt/slides/slide23.xml><?xml version="1.0" encoding="utf-8"?>
 <p:sld xmlns:a="http://schemas.openxmlformats.org/drawingml/2006/main" xmlns:r="http://schemas.openxmlformats.org/officeDocument/2006/relationships" xmlns:p="http://schemas.openxmlformats.org/presentationml/2006/main">
   <p:cSld>
     <p:spTree>
@@ -8567,7 +8909,7 @@
 </p:sld>
 </file>
 
-<file path=ppt/slides/slide23.xml><?xml version="1.0" encoding="utf-8"?>
+<file path=ppt/slides/slide24.xml><?xml version="1.0" encoding="utf-8"?>
 <p:sld xmlns:a="http://schemas.openxmlformats.org/drawingml/2006/main" xmlns:r="http://schemas.openxmlformats.org/officeDocument/2006/relationships" xmlns:p="http://schemas.openxmlformats.org/presentationml/2006/main">
   <p:cSld>
     <p:spTree>
@@ -8764,7 +9106,7 @@
 </p:sld>
 </file>
 
-<file path=ppt/slides/slide24.xml><?xml version="1.0" encoding="utf-8"?>
+<file path=ppt/slides/slide25.xml><?xml version="1.0" encoding="utf-8"?>
 <p:sld xmlns:a="http://schemas.openxmlformats.org/drawingml/2006/main" xmlns:r="http://schemas.openxmlformats.org/officeDocument/2006/relationships" xmlns:p="http://schemas.openxmlformats.org/presentationml/2006/main">
   <p:cSld>
     <p:spTree>
@@ -8971,7 +9313,7 @@
 </p:sld>
 </file>
 
-<file path=ppt/slides/slide25.xml><?xml version="1.0" encoding="utf-8"?>
+<file path=ppt/slides/slide26.xml><?xml version="1.0" encoding="utf-8"?>
 <p:sld xmlns:a="http://schemas.openxmlformats.org/drawingml/2006/main" xmlns:r="http://schemas.openxmlformats.org/officeDocument/2006/relationships" xmlns:p="http://schemas.openxmlformats.org/presentationml/2006/main">
   <p:cSld>
     <p:spTree>
@@ -9178,7 +9520,7 @@
 </p:sld>
 </file>
 
-<file path=ppt/slides/slide26.xml><?xml version="1.0" encoding="utf-8"?>
+<file path=ppt/slides/slide27.xml><?xml version="1.0" encoding="utf-8"?>
 <p:sld xmlns:a="http://schemas.openxmlformats.org/drawingml/2006/main" xmlns:r="http://schemas.openxmlformats.org/officeDocument/2006/relationships" xmlns:p="http://schemas.openxmlformats.org/presentationml/2006/main">
   <p:cSld>
     <p:spTree>
@@ -9409,191 +9751,6 @@
 </p:sld>
 </file>
 
-<file path=ppt/slides/slide27.xml><?xml version="1.0" encoding="utf-8"?>
-<p:sld xmlns:a="http://schemas.openxmlformats.org/drawingml/2006/main" xmlns:r="http://schemas.openxmlformats.org/officeDocument/2006/relationships" xmlns:p="http://schemas.openxmlformats.org/presentationml/2006/main">
-  <p:cSld>
-    <p:spTree>
-      <p:nvGrpSpPr>
-        <p:cNvPr id="1" name=""/>
-        <p:cNvGrpSpPr/>
-        <p:nvPr/>
-      </p:nvGrpSpPr>
-      <p:grpSpPr>
-        <a:xfrm>
-          <a:off x="0" y="0"/>
-          <a:ext cx="0" cy="0"/>
-          <a:chOff x="0" y="0"/>
-          <a:chExt cx="0" cy="0"/>
-        </a:xfrm>
-      </p:grpSpPr>
-      <p:sp>
-        <p:nvSpPr>
-          <p:cNvPr id="2" name="כותרת 1"/>
-          <p:cNvSpPr>
-            <a:spLocks noGrp="1"/>
-          </p:cNvSpPr>
-          <p:nvPr>
-            <p:ph type="title"/>
-          </p:nvPr>
-        </p:nvSpPr>
-        <p:spPr/>
-        <p:txBody>
-          <a:bodyPr/>
-          <a:lstStyle/>
-          <a:p>
-            <a:pPr algn="ctr"/>
-            <a:r>
-              <a:rPr lang="he-IL" dirty="0"/>
-              <a:t>יתרונות וחסרונות של שימוש בכל אחת מהשפות</a:t>
-            </a:r>
-          </a:p>
-        </p:txBody>
-      </p:sp>
-      <p:sp>
-        <p:nvSpPr>
-          <p:cNvPr id="5" name="TextBox 4"/>
-          <p:cNvSpPr txBox="1"/>
-          <p:nvPr/>
-        </p:nvSpPr>
-        <p:spPr>
-          <a:xfrm>
-            <a:off x="2944166" y="2542233"/>
-            <a:ext cx="7395587" cy="1754326"/>
-          </a:xfrm>
-          <a:prstGeom prst="rect">
-            <a:avLst/>
-          </a:prstGeom>
-          <a:noFill/>
-        </p:spPr>
-        <p:txBody>
-          <a:bodyPr wrap="square" rtlCol="1">
-            <a:spAutoFit/>
-          </a:bodyPr>
-          <a:lstStyle/>
-          <a:p>
-            <a:pPr algn="r" rtl="1"/>
-            <a:r>
-              <a:rPr lang="he-IL" dirty="0"/>
-              <a:t>בשפת </a:t>
-            </a:r>
-            <a:r>
-              <a:rPr lang="en-US" dirty="0" err="1"/>
-              <a:t>c++</a:t>
-            </a:r>
-            <a:r>
-              <a:rPr lang="en-US" dirty="0"/>
-              <a:t> </a:t>
-            </a:r>
-            <a:r>
-              <a:rPr lang="he-IL" dirty="0"/>
-              <a:t> </a:t>
-            </a:r>
-            <a:r>
-              <a:rPr lang="he-IL" dirty="0" err="1"/>
-              <a:t>הקומפלייר</a:t>
-            </a:r>
-            <a:r>
-              <a:rPr lang="he-IL" dirty="0"/>
-              <a:t> עושה </a:t>
-            </a:r>
-            <a:r>
-              <a:rPr lang="he-IL" dirty="0" err="1"/>
-              <a:t>אופטימיזציות</a:t>
-            </a:r>
-            <a:r>
-              <a:rPr lang="he-IL" dirty="0"/>
-              <a:t> ולכן הביצועים הטובים ביותר – יתרון. סביבה פחות ידידותית מהשפות האחרות וקצת קשה לדבג – חסרון.</a:t>
-            </a:r>
-          </a:p>
-          <a:p>
-            <a:pPr algn="r" rtl="1"/>
-            <a:r>
-              <a:rPr lang="he-IL" dirty="0"/>
-              <a:t>בשפות מטלב </a:t>
-            </a:r>
-            <a:r>
-              <a:rPr lang="he-IL" dirty="0" err="1"/>
-              <a:t>ופייתון</a:t>
-            </a:r>
-            <a:r>
-              <a:rPr lang="he-IL" dirty="0"/>
-              <a:t> השתמשנו בשיטות </a:t>
-            </a:r>
-            <a:r>
-              <a:rPr lang="he-IL" dirty="0" err="1"/>
-              <a:t>וקטוריזציה</a:t>
-            </a:r>
-            <a:r>
-              <a:rPr lang="he-IL" dirty="0"/>
-              <a:t> על מנת להקטין את זמן הריצה. בשפת </a:t>
-            </a:r>
-            <a:r>
-              <a:rPr lang="he-IL" dirty="0" err="1"/>
-              <a:t>הפייתון</a:t>
-            </a:r>
-            <a:r>
-              <a:rPr lang="he-IL" dirty="0"/>
-              <a:t> בגלל השימוש בספריית </a:t>
-            </a:r>
-            <a:r>
-              <a:rPr lang="en-US" dirty="0" err="1"/>
-              <a:t>numpy</a:t>
-            </a:r>
-            <a:r>
-              <a:rPr lang="he-IL" dirty="0"/>
-              <a:t> שממומשת ב-</a:t>
-            </a:r>
-            <a:r>
-              <a:rPr lang="en-US" dirty="0" err="1"/>
-              <a:t>c++</a:t>
-            </a:r>
-            <a:r>
-              <a:rPr lang="he-IL" dirty="0"/>
-              <a:t> - ביצועים טובים מאוד – יתרון. </a:t>
-            </a:r>
-          </a:p>
-          <a:p>
-            <a:pPr algn="r" rtl="1"/>
-            <a:r>
-              <a:rPr lang="he-IL" dirty="0"/>
-              <a:t>יתרון של מטלב – סביבה נוחה מאוד לחישובים </a:t>
-            </a:r>
-            <a:r>
-              <a:rPr lang="he-IL" dirty="0" err="1"/>
-              <a:t>ודיבוג</a:t>
-            </a:r>
-            <a:r>
-              <a:rPr lang="he-IL" dirty="0"/>
-              <a:t>.</a:t>
-            </a:r>
-          </a:p>
-        </p:txBody>
-      </p:sp>
-    </p:spTree>
-    <p:extLst>
-      <p:ext uri="{BB962C8B-B14F-4D97-AF65-F5344CB8AC3E}">
-        <p14:creationId xmlns:p14="http://schemas.microsoft.com/office/powerpoint/2010/main" val="2738447844"/>
-      </p:ext>
-    </p:extLst>
-  </p:cSld>
-  <p:clrMapOvr>
-    <a:masterClrMapping/>
-  </p:clrMapOvr>
-  <mc:AlternateContent xmlns:mc="http://schemas.openxmlformats.org/markup-compatibility/2006" xmlns:p14="http://schemas.microsoft.com/office/powerpoint/2010/main">
-    <mc:Choice Requires="p14">
-      <p:transition spd="med" p14:dur="700">
-        <p:fade/>
-      </p:transition>
-    </mc:Choice>
-    <mc:Fallback xmlns="">
-      <p:transition spd="med">
-        <p:fade/>
-      </p:transition>
-    </mc:Fallback>
-  </mc:AlternateContent>
-</p:sld>
-</file>
-
 <file path=ppt/slides/slide28.xml><?xml version="1.0" encoding="utf-8"?>
 <p:sld xmlns:a="http://schemas.openxmlformats.org/drawingml/2006/main" xmlns:r="http://schemas.openxmlformats.org/officeDocument/2006/relationships" xmlns:p="http://schemas.openxmlformats.org/presentationml/2006/main">
   <p:cSld>
@@ -9629,21 +9786,21 @@
             <a:pPr algn="ctr"/>
             <a:r>
               <a:rPr lang="he-IL" dirty="0"/>
-              <a:t>זמני ריצה – השוואה בין השפות</a:t>
+              <a:t>יתרונות וחסרונות של שימוש בכל אחת מהשפות</a:t>
             </a:r>
           </a:p>
         </p:txBody>
       </p:sp>
       <p:sp>
         <p:nvSpPr>
-          <p:cNvPr id="8" name="TextBox 7"/>
+          <p:cNvPr id="5" name="TextBox 4"/>
           <p:cNvSpPr txBox="1"/>
           <p:nvPr/>
         </p:nvSpPr>
         <p:spPr>
           <a:xfrm>
-            <a:off x="5660572" y="2133601"/>
-            <a:ext cx="6296298" cy="369332"/>
+            <a:off x="896645" y="2551110"/>
+            <a:ext cx="9780460" cy="1477328"/>
           </a:xfrm>
           <a:prstGeom prst="rect">
             <a:avLst/>
@@ -9656,205 +9813,135 @@
           </a:bodyPr>
           <a:lstStyle/>
           <a:p>
+            <a:pPr marL="285750" indent="-285750" algn="r" rtl="1">
+              <a:buFont typeface="Arial" panose="020B0604020202020204" pitchFamily="34" charset="0"/>
+              <a:buChar char="•"/>
+            </a:pPr>
             <a:r>
               <a:rPr lang="he-IL" dirty="0"/>
-              <a:t>הרצנו על אותו הקלט, ואותו מספר אשכולות – 8 בכל השלושת השפות</a:t>
-            </a:r>
-          </a:p>
-        </p:txBody>
-      </p:sp>
-      <p:sp>
-        <p:nvSpPr>
-          <p:cNvPr id="9" name="TextBox 8"/>
-          <p:cNvSpPr txBox="1"/>
-          <p:nvPr/>
-        </p:nvSpPr>
-        <p:spPr>
-          <a:xfrm>
-            <a:off x="3245544" y="3048000"/>
-            <a:ext cx="2092809" cy="584775"/>
-          </a:xfrm>
-          <a:prstGeom prst="rect">
-            <a:avLst/>
-          </a:prstGeom>
-          <a:noFill/>
-        </p:spPr>
-        <p:txBody>
-          <a:bodyPr wrap="square" rtlCol="1">
-            <a:spAutoFit/>
-          </a:bodyPr>
-          <a:lstStyle/>
-          <a:p>
-            <a:r>
-              <a:rPr lang="en-US" sz="3200" dirty="0"/>
-              <a:t>C</a:t>
-            </a:r>
-            <a:r>
-              <a:rPr lang="he-IL" sz="3200" dirty="0"/>
-              <a:t>++</a:t>
-            </a:r>
-          </a:p>
-        </p:txBody>
-      </p:sp>
-      <p:sp>
-        <p:nvSpPr>
-          <p:cNvPr id="10" name="TextBox 9"/>
-          <p:cNvSpPr txBox="1"/>
-          <p:nvPr/>
-        </p:nvSpPr>
-        <p:spPr>
-          <a:xfrm>
-            <a:off x="5660572" y="3044913"/>
-            <a:ext cx="2092809" cy="584775"/>
-          </a:xfrm>
-          <a:prstGeom prst="rect">
-            <a:avLst/>
-          </a:prstGeom>
-          <a:noFill/>
-        </p:spPr>
-        <p:txBody>
-          <a:bodyPr wrap="square" rtlCol="1">
-            <a:spAutoFit/>
-          </a:bodyPr>
-          <a:lstStyle/>
-          <a:p>
-            <a:r>
-              <a:rPr lang="en-US" sz="3200" dirty="0"/>
-              <a:t>Python</a:t>
-            </a:r>
-            <a:endParaRPr lang="he-IL" sz="3200" dirty="0"/>
-          </a:p>
-        </p:txBody>
-      </p:sp>
-      <p:sp>
-        <p:nvSpPr>
-          <p:cNvPr id="11" name="TextBox 10"/>
-          <p:cNvSpPr txBox="1"/>
-          <p:nvPr/>
-        </p:nvSpPr>
-        <p:spPr>
-          <a:xfrm>
-            <a:off x="8351520" y="3041826"/>
-            <a:ext cx="2092809" cy="584775"/>
-          </a:xfrm>
-          <a:prstGeom prst="rect">
-            <a:avLst/>
-          </a:prstGeom>
-          <a:noFill/>
-        </p:spPr>
-        <p:txBody>
-          <a:bodyPr wrap="square" rtlCol="1">
-            <a:spAutoFit/>
-          </a:bodyPr>
-          <a:lstStyle/>
-          <a:p>
-            <a:r>
-              <a:rPr lang="en-US" sz="3200" dirty="0" err="1"/>
-              <a:t>Matlab</a:t>
-            </a:r>
-            <a:endParaRPr lang="he-IL" sz="3200" dirty="0"/>
-          </a:p>
-        </p:txBody>
-      </p:sp>
-      <p:sp>
-        <p:nvSpPr>
-          <p:cNvPr id="12" name="TextBox 11"/>
-          <p:cNvSpPr txBox="1"/>
-          <p:nvPr/>
-        </p:nvSpPr>
-        <p:spPr>
-          <a:xfrm>
-            <a:off x="3245544" y="3629688"/>
-            <a:ext cx="2092809" cy="1077218"/>
-          </a:xfrm>
-          <a:prstGeom prst="rect">
-            <a:avLst/>
-          </a:prstGeom>
-          <a:noFill/>
-        </p:spPr>
-        <p:txBody>
-          <a:bodyPr wrap="square" rtlCol="1">
-            <a:spAutoFit/>
-          </a:bodyPr>
-          <a:lstStyle/>
-          <a:p>
-            <a:r>
-              <a:rPr lang="en-US" sz="3200" dirty="0"/>
-              <a:t>0. 016095 seconds</a:t>
-            </a:r>
-            <a:endParaRPr lang="he-IL" sz="3200" dirty="0"/>
-          </a:p>
-        </p:txBody>
-      </p:sp>
-      <p:sp>
-        <p:nvSpPr>
-          <p:cNvPr id="13" name="TextBox 12"/>
-          <p:cNvSpPr txBox="1"/>
-          <p:nvPr/>
-        </p:nvSpPr>
-        <p:spPr>
-          <a:xfrm>
-            <a:off x="5660572" y="3626601"/>
-            <a:ext cx="2092809" cy="1569660"/>
-          </a:xfrm>
-          <a:prstGeom prst="rect">
-            <a:avLst/>
-          </a:prstGeom>
-          <a:noFill/>
-        </p:spPr>
-        <p:txBody>
-          <a:bodyPr wrap="square" rtlCol="1">
-            <a:spAutoFit/>
-          </a:bodyPr>
-          <a:lstStyle/>
-          <a:p>
-            <a:r>
-              <a:rPr lang="en-US" sz="3200" dirty="0"/>
-              <a:t>0.1051533 seconds </a:t>
-            </a:r>
-          </a:p>
-          <a:p>
-            <a:endParaRPr lang="he-IL" sz="3200" dirty="0"/>
-          </a:p>
-        </p:txBody>
-      </p:sp>
-      <p:sp>
-        <p:nvSpPr>
-          <p:cNvPr id="14" name="TextBox 13"/>
-          <p:cNvSpPr txBox="1"/>
-          <p:nvPr/>
-        </p:nvSpPr>
-        <p:spPr>
-          <a:xfrm>
-            <a:off x="8214936" y="3623514"/>
-            <a:ext cx="2092809" cy="1569660"/>
-          </a:xfrm>
-          <a:prstGeom prst="rect">
-            <a:avLst/>
-          </a:prstGeom>
-          <a:noFill/>
-        </p:spPr>
-        <p:txBody>
-          <a:bodyPr wrap="square" rtlCol="1">
-            <a:spAutoFit/>
-          </a:bodyPr>
-          <a:lstStyle/>
-          <a:p>
-            <a:r>
-              <a:rPr lang="en-US" sz="3200" dirty="0"/>
-              <a:t>0.022206 seconds</a:t>
-            </a:r>
-            <a:endParaRPr lang="he-IL" sz="3200" dirty="0"/>
-          </a:p>
-          <a:p>
-            <a:endParaRPr lang="he-IL" sz="3200" dirty="0"/>
+              <a:t>בשפת </a:t>
+            </a:r>
+            <a:r>
+              <a:rPr lang="en-US" dirty="0"/>
+              <a:t>C++ </a:t>
+            </a:r>
+            <a:r>
+              <a:rPr lang="he-IL" dirty="0"/>
+              <a:t> </a:t>
+            </a:r>
+            <a:r>
+              <a:rPr lang="he-IL" dirty="0" err="1"/>
+              <a:t>הקומפלייר</a:t>
+            </a:r>
+            <a:r>
+              <a:rPr lang="he-IL" dirty="0"/>
+              <a:t> עושה </a:t>
+            </a:r>
+            <a:r>
+              <a:rPr lang="he-IL" dirty="0" err="1"/>
+              <a:t>אופטימיזציות</a:t>
+            </a:r>
+            <a:r>
+              <a:rPr lang="he-IL" dirty="0"/>
+              <a:t> ולכן הביצועים הטובים ביותר – יתרון. </a:t>
+            </a:r>
+            <a:endParaRPr lang="en-US" dirty="0"/>
+          </a:p>
+          <a:p>
+            <a:pPr marL="285750" indent="-285750" algn="r" rtl="1">
+              <a:buFont typeface="Arial" panose="020B0604020202020204" pitchFamily="34" charset="0"/>
+              <a:buChar char="•"/>
+            </a:pPr>
+            <a:r>
+              <a:rPr lang="he-IL" dirty="0"/>
+              <a:t>סביבה פחות ידידותית מהשפות האחרות וקצת קשה לדבג – חסרון.</a:t>
+            </a:r>
+          </a:p>
+          <a:p>
+            <a:pPr marL="285750" indent="-285750" algn="r" rtl="1">
+              <a:buFont typeface="Arial" panose="020B0604020202020204" pitchFamily="34" charset="0"/>
+              <a:buChar char="•"/>
+            </a:pPr>
+            <a:r>
+              <a:rPr lang="he-IL" dirty="0"/>
+              <a:t>בשפות מטלב </a:t>
+            </a:r>
+            <a:r>
+              <a:rPr lang="he-IL" dirty="0" err="1"/>
+              <a:t>ופייתון</a:t>
+            </a:r>
+            <a:r>
+              <a:rPr lang="he-IL" dirty="0"/>
+              <a:t> השתמשנו בשיטות </a:t>
+            </a:r>
+            <a:r>
+              <a:rPr lang="he-IL" dirty="0" err="1"/>
+              <a:t>וקטוריזציה</a:t>
+            </a:r>
+            <a:r>
+              <a:rPr lang="he-IL" dirty="0"/>
+              <a:t> על מנת להקטין את זמן הריצה. </a:t>
+            </a:r>
+            <a:endParaRPr lang="en-US" dirty="0"/>
+          </a:p>
+          <a:p>
+            <a:pPr marL="285750" indent="-285750" algn="r" rtl="1">
+              <a:buFont typeface="Arial" panose="020B0604020202020204" pitchFamily="34" charset="0"/>
+              <a:buChar char="•"/>
+            </a:pPr>
+            <a:r>
+              <a:rPr lang="he-IL" dirty="0"/>
+              <a:t>בשפת </a:t>
+            </a:r>
+            <a:r>
+              <a:rPr lang="he-IL" dirty="0" err="1"/>
+              <a:t>הפייתון</a:t>
+            </a:r>
+            <a:r>
+              <a:rPr lang="he-IL" dirty="0"/>
+              <a:t> בגלל השימוש בספריית </a:t>
+            </a:r>
+            <a:r>
+              <a:rPr lang="en-US" dirty="0" err="1"/>
+              <a:t>numpy</a:t>
+            </a:r>
+            <a:r>
+              <a:rPr lang="he-IL" dirty="0"/>
+              <a:t> שממומשת ב-</a:t>
+            </a:r>
+            <a:r>
+              <a:rPr lang="en-US" dirty="0"/>
+              <a:t>C++</a:t>
+            </a:r>
+            <a:r>
+              <a:rPr lang="he-IL" dirty="0"/>
+              <a:t> - ביצועים טובים מאוד – יתרון. </a:t>
+            </a:r>
+          </a:p>
+          <a:p>
+            <a:pPr marL="285750" indent="-285750" algn="r" rtl="1">
+              <a:buFont typeface="Arial" panose="020B0604020202020204" pitchFamily="34" charset="0"/>
+              <a:buChar char="•"/>
+            </a:pPr>
+            <a:r>
+              <a:rPr lang="he-IL" dirty="0"/>
+              <a:t>יתרון של מטלב – סביבה נוחה מאוד לחישובים </a:t>
+            </a:r>
+            <a:r>
+              <a:rPr lang="he-IL" dirty="0" err="1"/>
+              <a:t>ודיבוג</a:t>
+            </a:r>
+            <a:r>
+              <a:rPr lang="he-IL" dirty="0"/>
+              <a:t>.</a:t>
+            </a:r>
           </a:p>
         </p:txBody>
       </p:sp>
     </p:spTree>
     <p:extLst>
       <p:ext uri="{BB962C8B-B14F-4D97-AF65-F5344CB8AC3E}">
-        <p14:creationId xmlns:p14="http://schemas.microsoft.com/office/powerpoint/2010/main" val="1548833847"/>
+        <p14:creationId xmlns:p14="http://schemas.microsoft.com/office/powerpoint/2010/main" val="2738447844"/>
       </p:ext>
     </p:extLst>
   </p:cSld>
@@ -9895,7 +9982,7 @@
       </p:grpSpPr>
       <p:sp>
         <p:nvSpPr>
-          <p:cNvPr id="4" name="כותרת 3"/>
+          <p:cNvPr id="2" name="כותרת 1"/>
           <p:cNvSpPr>
             <a:spLocks noGrp="1"/>
           </p:cNvSpPr>
@@ -9903,48 +9990,240 @@
             <p:ph type="title"/>
           </p:nvPr>
         </p:nvSpPr>
+        <p:spPr/>
+        <p:txBody>
+          <a:bodyPr/>
+          <a:lstStyle/>
+          <a:p>
+            <a:pPr algn="ctr"/>
+            <a:r>
+              <a:rPr lang="he-IL" dirty="0"/>
+              <a:t>זמני ריצה – השוואה בין השפות</a:t>
+            </a:r>
+          </a:p>
+        </p:txBody>
+      </p:sp>
+      <p:sp>
+        <p:nvSpPr>
+          <p:cNvPr id="8" name="TextBox 7"/>
+          <p:cNvSpPr txBox="1"/>
+          <p:nvPr/>
+        </p:nvSpPr>
         <p:spPr>
           <a:xfrm>
-            <a:off x="1166948" y="4707880"/>
-            <a:ext cx="2780211" cy="1069940"/>
+            <a:off x="5660572" y="2133601"/>
+            <a:ext cx="6296298" cy="369332"/>
           </a:xfrm>
+          <a:prstGeom prst="rect">
+            <a:avLst/>
+          </a:prstGeom>
+          <a:noFill/>
         </p:spPr>
         <p:txBody>
-          <a:bodyPr rtlCol="1">
-            <a:normAutofit/>
+          <a:bodyPr wrap="square" rtlCol="1">
+            <a:spAutoFit/>
           </a:bodyPr>
           <a:lstStyle/>
           <a:p>
-            <a:pPr algn="r" rtl="1"/>
-            <a:r>
-              <a:rPr lang="he-IL" dirty="0">
-                <a:latin typeface="Tahoma" panose="020B0604030504040204" pitchFamily="34" charset="0"/>
-                <a:ea typeface="Tahoma" panose="020B0604030504040204" pitchFamily="34" charset="0"/>
-                <a:cs typeface="Tahoma" panose="020B0604030504040204" pitchFamily="34" charset="0"/>
-              </a:rPr>
-              <a:t>תודה רבה </a:t>
-            </a:r>
-            <a:r>
-              <a:rPr lang="he-IL" dirty="0">
-                <a:latin typeface="Tahoma" panose="020B0604030504040204" pitchFamily="34" charset="0"/>
-                <a:ea typeface="Tahoma" panose="020B0604030504040204" pitchFamily="34" charset="0"/>
-                <a:cs typeface="Tahoma" panose="020B0604030504040204" pitchFamily="34" charset="0"/>
-                <a:sym typeface="Wingdings" panose="05000000000000000000" pitchFamily="2" charset="2"/>
-              </a:rPr>
-              <a:t></a:t>
-            </a:r>
-            <a:endParaRPr lang="he-IL" dirty="0">
-              <a:latin typeface="Tahoma" panose="020B0604030504040204" pitchFamily="34" charset="0"/>
-              <a:ea typeface="Tahoma" panose="020B0604030504040204" pitchFamily="34" charset="0"/>
-              <a:cs typeface="Tahoma" panose="020B0604030504040204" pitchFamily="34" charset="0"/>
-            </a:endParaRPr>
+            <a:r>
+              <a:rPr lang="he-IL" dirty="0"/>
+              <a:t>הרצנו על אותו הקלט, ואותו מספר אשכולות – 8 בכל השלושת השפות</a:t>
+            </a:r>
+          </a:p>
+        </p:txBody>
+      </p:sp>
+      <p:sp>
+        <p:nvSpPr>
+          <p:cNvPr id="9" name="TextBox 8"/>
+          <p:cNvSpPr txBox="1"/>
+          <p:nvPr/>
+        </p:nvSpPr>
+        <p:spPr>
+          <a:xfrm>
+            <a:off x="3245544" y="3048000"/>
+            <a:ext cx="2092809" cy="584775"/>
+          </a:xfrm>
+          <a:prstGeom prst="rect">
+            <a:avLst/>
+          </a:prstGeom>
+          <a:noFill/>
+        </p:spPr>
+        <p:txBody>
+          <a:bodyPr wrap="square" rtlCol="1">
+            <a:spAutoFit/>
+          </a:bodyPr>
+          <a:lstStyle/>
+          <a:p>
+            <a:r>
+              <a:rPr lang="en-US" sz="3200" dirty="0"/>
+              <a:t>C</a:t>
+            </a:r>
+            <a:r>
+              <a:rPr lang="he-IL" sz="3200" dirty="0"/>
+              <a:t>++</a:t>
+            </a:r>
+          </a:p>
+        </p:txBody>
+      </p:sp>
+      <p:sp>
+        <p:nvSpPr>
+          <p:cNvPr id="10" name="TextBox 9"/>
+          <p:cNvSpPr txBox="1"/>
+          <p:nvPr/>
+        </p:nvSpPr>
+        <p:spPr>
+          <a:xfrm>
+            <a:off x="5660572" y="3044913"/>
+            <a:ext cx="2092809" cy="584775"/>
+          </a:xfrm>
+          <a:prstGeom prst="rect">
+            <a:avLst/>
+          </a:prstGeom>
+          <a:noFill/>
+        </p:spPr>
+        <p:txBody>
+          <a:bodyPr wrap="square" rtlCol="1">
+            <a:spAutoFit/>
+          </a:bodyPr>
+          <a:lstStyle/>
+          <a:p>
+            <a:r>
+              <a:rPr lang="en-US" sz="3200" dirty="0"/>
+              <a:t>Python</a:t>
+            </a:r>
+            <a:endParaRPr lang="he-IL" sz="3200" dirty="0"/>
+          </a:p>
+        </p:txBody>
+      </p:sp>
+      <p:sp>
+        <p:nvSpPr>
+          <p:cNvPr id="11" name="TextBox 10"/>
+          <p:cNvSpPr txBox="1"/>
+          <p:nvPr/>
+        </p:nvSpPr>
+        <p:spPr>
+          <a:xfrm>
+            <a:off x="8351520" y="3041826"/>
+            <a:ext cx="2092809" cy="584775"/>
+          </a:xfrm>
+          <a:prstGeom prst="rect">
+            <a:avLst/>
+          </a:prstGeom>
+          <a:noFill/>
+        </p:spPr>
+        <p:txBody>
+          <a:bodyPr wrap="square" rtlCol="1">
+            <a:spAutoFit/>
+          </a:bodyPr>
+          <a:lstStyle/>
+          <a:p>
+            <a:r>
+              <a:rPr lang="en-US" sz="3200" dirty="0" err="1"/>
+              <a:t>Matlab</a:t>
+            </a:r>
+            <a:endParaRPr lang="he-IL" sz="3200" dirty="0"/>
+          </a:p>
+        </p:txBody>
+      </p:sp>
+      <p:sp>
+        <p:nvSpPr>
+          <p:cNvPr id="12" name="TextBox 11"/>
+          <p:cNvSpPr txBox="1"/>
+          <p:nvPr/>
+        </p:nvSpPr>
+        <p:spPr>
+          <a:xfrm>
+            <a:off x="3245544" y="3629688"/>
+            <a:ext cx="2092809" cy="1077218"/>
+          </a:xfrm>
+          <a:prstGeom prst="rect">
+            <a:avLst/>
+          </a:prstGeom>
+          <a:noFill/>
+        </p:spPr>
+        <p:txBody>
+          <a:bodyPr wrap="square" rtlCol="1">
+            <a:spAutoFit/>
+          </a:bodyPr>
+          <a:lstStyle/>
+          <a:p>
+            <a:r>
+              <a:rPr lang="en-US" sz="3200" dirty="0"/>
+              <a:t>0. 016095 seconds</a:t>
+            </a:r>
+            <a:endParaRPr lang="he-IL" sz="3200" dirty="0"/>
+          </a:p>
+        </p:txBody>
+      </p:sp>
+      <p:sp>
+        <p:nvSpPr>
+          <p:cNvPr id="13" name="TextBox 12"/>
+          <p:cNvSpPr txBox="1"/>
+          <p:nvPr/>
+        </p:nvSpPr>
+        <p:spPr>
+          <a:xfrm>
+            <a:off x="5660572" y="3626601"/>
+            <a:ext cx="2092809" cy="1569660"/>
+          </a:xfrm>
+          <a:prstGeom prst="rect">
+            <a:avLst/>
+          </a:prstGeom>
+          <a:noFill/>
+        </p:spPr>
+        <p:txBody>
+          <a:bodyPr wrap="square" rtlCol="1">
+            <a:spAutoFit/>
+          </a:bodyPr>
+          <a:lstStyle/>
+          <a:p>
+            <a:r>
+              <a:rPr lang="en-US" sz="3200" dirty="0"/>
+              <a:t>0.1051533 seconds </a:t>
+            </a:r>
+          </a:p>
+          <a:p>
+            <a:endParaRPr lang="he-IL" sz="3200" dirty="0"/>
+          </a:p>
+        </p:txBody>
+      </p:sp>
+      <p:sp>
+        <p:nvSpPr>
+          <p:cNvPr id="14" name="TextBox 13"/>
+          <p:cNvSpPr txBox="1"/>
+          <p:nvPr/>
+        </p:nvSpPr>
+        <p:spPr>
+          <a:xfrm>
+            <a:off x="8214936" y="3623514"/>
+            <a:ext cx="2092809" cy="1569660"/>
+          </a:xfrm>
+          <a:prstGeom prst="rect">
+            <a:avLst/>
+          </a:prstGeom>
+          <a:noFill/>
+        </p:spPr>
+        <p:txBody>
+          <a:bodyPr wrap="square" rtlCol="1">
+            <a:spAutoFit/>
+          </a:bodyPr>
+          <a:lstStyle/>
+          <a:p>
+            <a:r>
+              <a:rPr lang="en-US" sz="3200" dirty="0"/>
+              <a:t>0.022206 seconds</a:t>
+            </a:r>
+            <a:endParaRPr lang="he-IL" sz="3200" dirty="0"/>
+          </a:p>
+          <a:p>
+            <a:endParaRPr lang="he-IL" sz="3200" dirty="0"/>
           </a:p>
         </p:txBody>
       </p:sp>
     </p:spTree>
     <p:extLst>
       <p:ext uri="{BB962C8B-B14F-4D97-AF65-F5344CB8AC3E}">
-        <p14:creationId xmlns:p14="http://schemas.microsoft.com/office/powerpoint/2010/main" val="3757355931"/>
+        <p14:creationId xmlns:p14="http://schemas.microsoft.com/office/powerpoint/2010/main" val="1548833847"/>
       </p:ext>
     </p:extLst>
   </p:cSld>
@@ -10516,6 +10795,96 @@
     <p:extLst>
       <p:ext uri="{BB962C8B-B14F-4D97-AF65-F5344CB8AC3E}">
         <p14:creationId xmlns:p14="http://schemas.microsoft.com/office/powerpoint/2010/main" val="4214539249"/>
+      </p:ext>
+    </p:extLst>
+  </p:cSld>
+  <p:clrMapOvr>
+    <a:masterClrMapping/>
+  </p:clrMapOvr>
+  <mc:AlternateContent xmlns:mc="http://schemas.openxmlformats.org/markup-compatibility/2006" xmlns:p14="http://schemas.microsoft.com/office/powerpoint/2010/main">
+    <mc:Choice Requires="p14">
+      <p:transition spd="med" p14:dur="700">
+        <p:fade/>
+      </p:transition>
+    </mc:Choice>
+    <mc:Fallback xmlns="">
+      <p:transition spd="med">
+        <p:fade/>
+      </p:transition>
+    </mc:Fallback>
+  </mc:AlternateContent>
+</p:sld>
+</file>
+
+<file path=ppt/slides/slide30.xml><?xml version="1.0" encoding="utf-8"?>
+<p:sld xmlns:a="http://schemas.openxmlformats.org/drawingml/2006/main" xmlns:r="http://schemas.openxmlformats.org/officeDocument/2006/relationships" xmlns:p="http://schemas.openxmlformats.org/presentationml/2006/main">
+  <p:cSld>
+    <p:spTree>
+      <p:nvGrpSpPr>
+        <p:cNvPr id="1" name=""/>
+        <p:cNvGrpSpPr/>
+        <p:nvPr/>
+      </p:nvGrpSpPr>
+      <p:grpSpPr>
+        <a:xfrm>
+          <a:off x="0" y="0"/>
+          <a:ext cx="0" cy="0"/>
+          <a:chOff x="0" y="0"/>
+          <a:chExt cx="0" cy="0"/>
+        </a:xfrm>
+      </p:grpSpPr>
+      <p:sp>
+        <p:nvSpPr>
+          <p:cNvPr id="4" name="כותרת 3"/>
+          <p:cNvSpPr>
+            <a:spLocks noGrp="1"/>
+          </p:cNvSpPr>
+          <p:nvPr>
+            <p:ph type="title"/>
+          </p:nvPr>
+        </p:nvSpPr>
+        <p:spPr>
+          <a:xfrm>
+            <a:off x="1166948" y="4707880"/>
+            <a:ext cx="2780211" cy="1069940"/>
+          </a:xfrm>
+        </p:spPr>
+        <p:txBody>
+          <a:bodyPr rtlCol="1">
+            <a:normAutofit/>
+          </a:bodyPr>
+          <a:lstStyle/>
+          <a:p>
+            <a:pPr algn="r" rtl="1"/>
+            <a:r>
+              <a:rPr lang="he-IL" dirty="0">
+                <a:latin typeface="Tahoma" panose="020B0604030504040204" pitchFamily="34" charset="0"/>
+                <a:ea typeface="Tahoma" panose="020B0604030504040204" pitchFamily="34" charset="0"/>
+                <a:cs typeface="Tahoma" panose="020B0604030504040204" pitchFamily="34" charset="0"/>
+              </a:rPr>
+              <a:t>תודה רבה </a:t>
+            </a:r>
+            <a:r>
+              <a:rPr lang="he-IL" dirty="0">
+                <a:latin typeface="Tahoma" panose="020B0604030504040204" pitchFamily="34" charset="0"/>
+                <a:ea typeface="Tahoma" panose="020B0604030504040204" pitchFamily="34" charset="0"/>
+                <a:cs typeface="Tahoma" panose="020B0604030504040204" pitchFamily="34" charset="0"/>
+                <a:sym typeface="Wingdings" panose="05000000000000000000" pitchFamily="2" charset="2"/>
+              </a:rPr>
+              <a:t></a:t>
+            </a:r>
+            <a:endParaRPr lang="he-IL" dirty="0">
+              <a:latin typeface="Tahoma" panose="020B0604030504040204" pitchFamily="34" charset="0"/>
+              <a:ea typeface="Tahoma" panose="020B0604030504040204" pitchFamily="34" charset="0"/>
+              <a:cs typeface="Tahoma" panose="020B0604030504040204" pitchFamily="34" charset="0"/>
+            </a:endParaRPr>
+          </a:p>
+        </p:txBody>
+      </p:sp>
+    </p:spTree>
+    <p:extLst>
+      <p:ext uri="{BB962C8B-B14F-4D97-AF65-F5344CB8AC3E}">
+        <p14:creationId xmlns:p14="http://schemas.microsoft.com/office/powerpoint/2010/main" val="3757355931"/>
       </p:ext>
     </p:extLst>
   </p:cSld>
@@ -14794,6 +15163,17 @@
 </file>
 
 <file path=customXml/item1.xml><?xml version="1.0" encoding="utf-8"?>
+<p:properties xmlns:p="http://schemas.microsoft.com/office/2006/metadata/properties" xmlns:xsi="http://www.w3.org/2001/XMLSchema-instance" xmlns:pc="http://schemas.microsoft.com/office/infopath/2007/PartnerControls">
+  <documentManagement>
+    <VSO_x0020_item_x0020_id xmlns="40262f94-9f35-4ac3-9a90-690165a166b7" xsi:nil="true"/>
+    <Assetid_x0020_ xmlns="40262f94-9f35-4ac3-9a90-690165a166b7" xsi:nil="true"/>
+    <Item_x0020_Details xmlns="40262f94-9f35-4ac3-9a90-690165a166b7" xsi:nil="true"/>
+    <Template_x0020_details xmlns="40262f94-9f35-4ac3-9a90-690165a166b7" xsi:nil="true"/>
+  </documentManagement>
+</p:properties>
+</file>
+
+<file path=customXml/item2.xml><?xml version="1.0" encoding="utf-8"?>
 <ct:contentTypeSchema xmlns:ct="http://schemas.microsoft.com/office/2006/metadata/contentType" xmlns:ma="http://schemas.microsoft.com/office/2006/metadata/properties/metaAttributes" ct:_="" ma:_="" ma:contentTypeName="Document" ma:contentTypeID="0x010100AA3F7D94069FF64A86F7DFF56D60E3BE" ma:contentTypeVersion="6" ma:contentTypeDescription="Create a new document." ma:contentTypeScope="" ma:versionID="c32302c77d4085ecf495bdddb7f5e889">
   <xsd:schema xmlns:xsd="http://www.w3.org/2001/XMLSchema" xmlns:xs="http://www.w3.org/2001/XMLSchema" xmlns:p="http://schemas.microsoft.com/office/2006/metadata/properties" xmlns:ns2="a4f35948-e619-41b3-aa29-22878b09cfd2" xmlns:ns3="40262f94-9f35-4ac3-9a90-690165a166b7" targetNamespace="http://schemas.microsoft.com/office/2006/metadata/properties" ma:root="true" ma:fieldsID="4ab5ae46be95f9d0be6107e8200be7a2" ns2:_="" ns3:_="">
     <xsd:import namespace="a4f35948-e619-41b3-aa29-22878b09cfd2"/>
@@ -14974,17 +15354,6 @@
 </ct:contentTypeSchema>
 </file>
 
-<file path=customXml/item2.xml><?xml version="1.0" encoding="utf-8"?>
-<p:properties xmlns:p="http://schemas.microsoft.com/office/2006/metadata/properties" xmlns:xsi="http://www.w3.org/2001/XMLSchema-instance" xmlns:pc="http://schemas.microsoft.com/office/infopath/2007/PartnerControls">
-  <documentManagement>
-    <VSO_x0020_item_x0020_id xmlns="40262f94-9f35-4ac3-9a90-690165a166b7" xsi:nil="true"/>
-    <Assetid_x0020_ xmlns="40262f94-9f35-4ac3-9a90-690165a166b7" xsi:nil="true"/>
-    <Item_x0020_Details xmlns="40262f94-9f35-4ac3-9a90-690165a166b7" xsi:nil="true"/>
-    <Template_x0020_details xmlns="40262f94-9f35-4ac3-9a90-690165a166b7" xsi:nil="true"/>
-  </documentManagement>
-</p:properties>
-</file>
-
 <file path=customXml/item3.xml><?xml version="1.0" encoding="utf-8"?>
 <?mso-contentType ?>
 <FormTemplates xmlns="http://schemas.microsoft.com/sharepoint/v3/contenttype/forms">
@@ -14995,6 +15364,23 @@
 </file>
 
 <file path=customXml/itemProps1.xml><?xml version="1.0" encoding="utf-8"?>
+<ds:datastoreItem xmlns:ds="http://schemas.openxmlformats.org/officeDocument/2006/customXml" ds:itemID="{85A16170-AED4-43FB-90C7-1F1653EBFACC}">
+  <ds:schemaRefs>
+    <ds:schemaRef ds:uri="http://www.w3.org/XML/1998/namespace"/>
+    <ds:schemaRef ds:uri="http://purl.org/dc/terms/"/>
+    <ds:schemaRef ds:uri="http://schemas.microsoft.com/office/2006/metadata/properties"/>
+    <ds:schemaRef ds:uri="http://purl.org/dc/dcmitype/"/>
+    <ds:schemaRef ds:uri="http://schemas.microsoft.com/office/2006/documentManagement/types"/>
+    <ds:schemaRef ds:uri="http://schemas.openxmlformats.org/package/2006/metadata/core-properties"/>
+    <ds:schemaRef ds:uri="a4f35948-e619-41b3-aa29-22878b09cfd2"/>
+    <ds:schemaRef ds:uri="http://schemas.microsoft.com/office/infopath/2007/PartnerControls"/>
+    <ds:schemaRef ds:uri="40262f94-9f35-4ac3-9a90-690165a166b7"/>
+    <ds:schemaRef ds:uri="http://purl.org/dc/elements/1.1/"/>
+  </ds:schemaRefs>
+</ds:datastoreItem>
+</file>
+
+<file path=customXml/itemProps2.xml><?xml version="1.0" encoding="utf-8"?>
 <ds:datastoreItem xmlns:ds="http://schemas.openxmlformats.org/officeDocument/2006/customXml" ds:itemID="{2961EA76-1630-4788-A629-8FDAFC920575}">
   <ds:schemaRefs>
     <ds:schemaRef ds:uri="http://schemas.microsoft.com/office/2006/metadata/contentType"/>
@@ -15013,23 +15399,6 @@
 </ds:datastoreItem>
 </file>
 
-<file path=customXml/itemProps2.xml><?xml version="1.0" encoding="utf-8"?>
-<ds:datastoreItem xmlns:ds="http://schemas.openxmlformats.org/officeDocument/2006/customXml" ds:itemID="{85A16170-AED4-43FB-90C7-1F1653EBFACC}">
-  <ds:schemaRefs>
-    <ds:schemaRef ds:uri="http://schemas.microsoft.com/office/2006/metadata/properties"/>
-    <ds:schemaRef ds:uri="http://www.w3.org/XML/1998/namespace"/>
-    <ds:schemaRef ds:uri="http://schemas.openxmlformats.org/package/2006/metadata/core-properties"/>
-    <ds:schemaRef ds:uri="http://purl.org/dc/dcmitype/"/>
-    <ds:schemaRef ds:uri="http://purl.org/dc/terms/"/>
-    <ds:schemaRef ds:uri="a4f35948-e619-41b3-aa29-22878b09cfd2"/>
-    <ds:schemaRef ds:uri="http://schemas.microsoft.com/office/2006/documentManagement/types"/>
-    <ds:schemaRef ds:uri="http://purl.org/dc/elements/1.1/"/>
-    <ds:schemaRef ds:uri="http://schemas.microsoft.com/office/infopath/2007/PartnerControls"/>
-    <ds:schemaRef ds:uri="40262f94-9f35-4ac3-9a90-690165a166b7"/>
-  </ds:schemaRefs>
-</ds:datastoreItem>
-</file>
-
 <file path=customXml/itemProps3.xml><?xml version="1.0" encoding="utf-8"?>
 <ds:datastoreItem xmlns:ds="http://schemas.openxmlformats.org/officeDocument/2006/customXml" ds:itemID="{31C05A15-2C36-4B2C-9ED7-7313D59409A3}">
   <ds:schemaRefs>
